--- a/UTS/Travelling Salesman Problem.pptx
+++ b/UTS/Travelling Salesman Problem.pptx
@@ -1,46 +1,48 @@
 
 <file path=ppt/presentation.xml><?xml version="1.0" encoding="utf-8"?>
-<p:presentation xmlns:a="http://schemas.openxmlformats.org/drawingml/2006/main" xmlns:r="http://schemas.openxmlformats.org/officeDocument/2006/relationships" xmlns:mc="http://schemas.openxmlformats.org/markup-compatibility/2006" xmlns:mv="urn:schemas-microsoft-com:mac:vml" xmlns:p="http://schemas.openxmlformats.org/presentationml/2006/main" xmlns:c="http://schemas.openxmlformats.org/drawingml/2006/chart" xmlns:dgm="http://schemas.openxmlformats.org/drawingml/2006/diagram" xmlns:o="urn:schemas-microsoft-com:office:office" xmlns:v="urn:schemas-microsoft-com:vml" xmlns:pvml="urn:schemas-microsoft-com:office:powerpoint" xmlns:com="http://schemas.openxmlformats.org/drawingml/2006/compatibility" xmlns:p14="http://schemas.microsoft.com/office/powerpoint/2010/main" xmlns:p15="http://schemas.microsoft.com/office/powerpoint/2012/main" autoCompressPictures="0" embedTrueTypeFonts="1" strictFirstAndLastChars="0" saveSubsetFonts="1">
+<p:presentation xmlns:a="http://schemas.openxmlformats.org/drawingml/2006/main" xmlns:r="http://schemas.openxmlformats.org/officeDocument/2006/relationships" xmlns:p="http://schemas.openxmlformats.org/presentationml/2006/main" strictFirstAndLastChars="0" embedTrueTypeFonts="1" saveSubsetFonts="1" autoCompressPictures="0">
   <p:sldMasterIdLst>
-    <p:sldMasterId id="2147483659" r:id="rId4"/>
+    <p:sldMasterId id="2147483659" r:id="rId1"/>
   </p:sldMasterIdLst>
   <p:notesMasterIdLst>
-    <p:notesMasterId r:id="rId5"/>
+    <p:notesMasterId r:id="rId18"/>
   </p:notesMasterIdLst>
   <p:sldIdLst>
-    <p:sldId id="256" r:id="rId6"/>
-    <p:sldId id="257" r:id="rId7"/>
-    <p:sldId id="258" r:id="rId8"/>
-    <p:sldId id="259" r:id="rId9"/>
-    <p:sldId id="260" r:id="rId10"/>
-    <p:sldId id="261" r:id="rId11"/>
-    <p:sldId id="262" r:id="rId12"/>
-    <p:sldId id="263" r:id="rId13"/>
-    <p:sldId id="264" r:id="rId14"/>
-    <p:sldId id="265" r:id="rId15"/>
-    <p:sldId id="266" r:id="rId16"/>
-    <p:sldId id="267" r:id="rId17"/>
-    <p:sldId id="268" r:id="rId18"/>
-    <p:sldId id="269" r:id="rId19"/>
+    <p:sldId id="256" r:id="rId2"/>
+    <p:sldId id="257" r:id="rId3"/>
+    <p:sldId id="258" r:id="rId4"/>
+    <p:sldId id="259" r:id="rId5"/>
+    <p:sldId id="260" r:id="rId6"/>
+    <p:sldId id="261" r:id="rId7"/>
+    <p:sldId id="262" r:id="rId8"/>
+    <p:sldId id="263" r:id="rId9"/>
+    <p:sldId id="264" r:id="rId10"/>
+    <p:sldId id="265" r:id="rId11"/>
+    <p:sldId id="266" r:id="rId12"/>
+    <p:sldId id="270" r:id="rId13"/>
+    <p:sldId id="271" r:id="rId14"/>
+    <p:sldId id="267" r:id="rId15"/>
+    <p:sldId id="268" r:id="rId16"/>
+    <p:sldId id="269" r:id="rId17"/>
   </p:sldIdLst>
-  <p:sldSz cy="5143500" cx="9144000"/>
+  <p:sldSz cx="9144000" cy="5143500" type="screen16x9"/>
   <p:notesSz cx="6858000" cy="9144000"/>
   <p:embeddedFontLst>
     <p:embeddedFont>
-      <p:font typeface="PT Sans Narrow"/>
-      <p:regular r:id="rId20"/>
-      <p:bold r:id="rId21"/>
+      <p:font typeface="PT Sans Narrow" charset="0"/>
+      <p:regular r:id="rId19"/>
+      <p:bold r:id="rId20"/>
     </p:embeddedFont>
     <p:embeddedFont>
-      <p:font typeface="Open Sans"/>
-      <p:regular r:id="rId22"/>
-      <p:bold r:id="rId23"/>
-      <p:italic r:id="rId24"/>
-      <p:boldItalic r:id="rId25"/>
+      <p:font typeface="Open Sans" charset="0"/>
+      <p:regular r:id="rId21"/>
+      <p:bold r:id="rId22"/>
+      <p:italic r:id="rId23"/>
+      <p:boldItalic r:id="rId24"/>
     </p:embeddedFont>
   </p:embeddedFontLst>
   <p:defaultTextStyle>
-    <a:defPPr lvl="0" marR="0" rtl="0" algn="l">
+    <a:defPPr marR="0" lvl="0" algn="l" rtl="0">
       <a:lnSpc>
         <a:spcPct val="100000"/>
       </a:lnSpc>
@@ -51,7 +53,7 @@
         <a:spcPts val="0"/>
       </a:spcAft>
     </a:defPPr>
-    <a:lvl1pPr lvl="0" marR="0" rtl="0" algn="l">
+    <a:lvl1pPr marR="0" lvl="0" algn="l" rtl="0">
       <a:lnSpc>
         <a:spcPct val="100000"/>
       </a:lnSpc>
@@ -65,7 +67,7 @@
         <a:srgbClr val="000000"/>
       </a:buClr>
       <a:buFont typeface="Arial"/>
-      <a:defRPr b="0" i="0" sz="1400" u="none" cap="none" strike="noStrike">
+      <a:defRPr sz="1400" b="0" i="0" u="none" strike="noStrike" cap="none">
         <a:solidFill>
           <a:srgbClr val="000000"/>
         </a:solidFill>
@@ -75,7 +77,7 @@
         <a:sym typeface="Arial"/>
       </a:defRPr>
     </a:lvl1pPr>
-    <a:lvl2pPr lvl="1" marR="0" rtl="0" algn="l">
+    <a:lvl2pPr marR="0" lvl="1" algn="l" rtl="0">
       <a:lnSpc>
         <a:spcPct val="100000"/>
       </a:lnSpc>
@@ -89,7 +91,7 @@
         <a:srgbClr val="000000"/>
       </a:buClr>
       <a:buFont typeface="Arial"/>
-      <a:defRPr b="0" i="0" sz="1400" u="none" cap="none" strike="noStrike">
+      <a:defRPr sz="1400" b="0" i="0" u="none" strike="noStrike" cap="none">
         <a:solidFill>
           <a:srgbClr val="000000"/>
         </a:solidFill>
@@ -99,7 +101,7 @@
         <a:sym typeface="Arial"/>
       </a:defRPr>
     </a:lvl2pPr>
-    <a:lvl3pPr lvl="2" marR="0" rtl="0" algn="l">
+    <a:lvl3pPr marR="0" lvl="2" algn="l" rtl="0">
       <a:lnSpc>
         <a:spcPct val="100000"/>
       </a:lnSpc>
@@ -113,7 +115,7 @@
         <a:srgbClr val="000000"/>
       </a:buClr>
       <a:buFont typeface="Arial"/>
-      <a:defRPr b="0" i="0" sz="1400" u="none" cap="none" strike="noStrike">
+      <a:defRPr sz="1400" b="0" i="0" u="none" strike="noStrike" cap="none">
         <a:solidFill>
           <a:srgbClr val="000000"/>
         </a:solidFill>
@@ -123,7 +125,7 @@
         <a:sym typeface="Arial"/>
       </a:defRPr>
     </a:lvl3pPr>
-    <a:lvl4pPr lvl="3" marR="0" rtl="0" algn="l">
+    <a:lvl4pPr marR="0" lvl="3" algn="l" rtl="0">
       <a:lnSpc>
         <a:spcPct val="100000"/>
       </a:lnSpc>
@@ -137,7 +139,7 @@
         <a:srgbClr val="000000"/>
       </a:buClr>
       <a:buFont typeface="Arial"/>
-      <a:defRPr b="0" i="0" sz="1400" u="none" cap="none" strike="noStrike">
+      <a:defRPr sz="1400" b="0" i="0" u="none" strike="noStrike" cap="none">
         <a:solidFill>
           <a:srgbClr val="000000"/>
         </a:solidFill>
@@ -147,7 +149,7 @@
         <a:sym typeface="Arial"/>
       </a:defRPr>
     </a:lvl4pPr>
-    <a:lvl5pPr lvl="4" marR="0" rtl="0" algn="l">
+    <a:lvl5pPr marR="0" lvl="4" algn="l" rtl="0">
       <a:lnSpc>
         <a:spcPct val="100000"/>
       </a:lnSpc>
@@ -161,7 +163,7 @@
         <a:srgbClr val="000000"/>
       </a:buClr>
       <a:buFont typeface="Arial"/>
-      <a:defRPr b="0" i="0" sz="1400" u="none" cap="none" strike="noStrike">
+      <a:defRPr sz="1400" b="0" i="0" u="none" strike="noStrike" cap="none">
         <a:solidFill>
           <a:srgbClr val="000000"/>
         </a:solidFill>
@@ -171,7 +173,7 @@
         <a:sym typeface="Arial"/>
       </a:defRPr>
     </a:lvl5pPr>
-    <a:lvl6pPr lvl="5" marR="0" rtl="0" algn="l">
+    <a:lvl6pPr marR="0" lvl="5" algn="l" rtl="0">
       <a:lnSpc>
         <a:spcPct val="100000"/>
       </a:lnSpc>
@@ -185,7 +187,7 @@
         <a:srgbClr val="000000"/>
       </a:buClr>
       <a:buFont typeface="Arial"/>
-      <a:defRPr b="0" i="0" sz="1400" u="none" cap="none" strike="noStrike">
+      <a:defRPr sz="1400" b="0" i="0" u="none" strike="noStrike" cap="none">
         <a:solidFill>
           <a:srgbClr val="000000"/>
         </a:solidFill>
@@ -195,7 +197,7 @@
         <a:sym typeface="Arial"/>
       </a:defRPr>
     </a:lvl6pPr>
-    <a:lvl7pPr lvl="6" marR="0" rtl="0" algn="l">
+    <a:lvl7pPr marR="0" lvl="6" algn="l" rtl="0">
       <a:lnSpc>
         <a:spcPct val="100000"/>
       </a:lnSpc>
@@ -209,7 +211,7 @@
         <a:srgbClr val="000000"/>
       </a:buClr>
       <a:buFont typeface="Arial"/>
-      <a:defRPr b="0" i="0" sz="1400" u="none" cap="none" strike="noStrike">
+      <a:defRPr sz="1400" b="0" i="0" u="none" strike="noStrike" cap="none">
         <a:solidFill>
           <a:srgbClr val="000000"/>
         </a:solidFill>
@@ -219,7 +221,7 @@
         <a:sym typeface="Arial"/>
       </a:defRPr>
     </a:lvl7pPr>
-    <a:lvl8pPr lvl="7" marR="0" rtl="0" algn="l">
+    <a:lvl8pPr marR="0" lvl="7" algn="l" rtl="0">
       <a:lnSpc>
         <a:spcPct val="100000"/>
       </a:lnSpc>
@@ -233,7 +235,7 @@
         <a:srgbClr val="000000"/>
       </a:buClr>
       <a:buFont typeface="Arial"/>
-      <a:defRPr b="0" i="0" sz="1400" u="none" cap="none" strike="noStrike">
+      <a:defRPr sz="1400" b="0" i="0" u="none" strike="noStrike" cap="none">
         <a:solidFill>
           <a:srgbClr val="000000"/>
         </a:solidFill>
@@ -243,7 +245,7 @@
         <a:sym typeface="Arial"/>
       </a:defRPr>
     </a:lvl8pPr>
-    <a:lvl9pPr lvl="8" marR="0" rtl="0" algn="l">
+    <a:lvl9pPr marR="0" lvl="8" algn="l" rtl="0">
       <a:lnSpc>
         <a:spcPct val="100000"/>
       </a:lnSpc>
@@ -257,7 +259,7 @@
         <a:srgbClr val="000000"/>
       </a:buClr>
       <a:buFont typeface="Arial"/>
-      <a:defRPr b="0" i="0" sz="1400" u="none" cap="none" strike="noStrike">
+      <a:defRPr sz="1400" b="0" i="0" u="none" strike="noStrike" cap="none">
         <a:solidFill>
           <a:srgbClr val="000000"/>
         </a:solidFill>
@@ -270,7 +272,7 @@
   </p:defaultTextStyle>
   <p:extLst>
     <p:ext uri="{EFAFB233-063F-42B5-8137-9DF3F51BA10A}">
-      <p15:sldGuideLst>
+      <p15:sldGuideLst xmlns:p15="http://schemas.microsoft.com/office/powerpoint/2012/main" xmlns:p14="http://schemas.microsoft.com/office/powerpoint/2010/main" xmlns:com="http://schemas.openxmlformats.org/drawingml/2006/compatibility" xmlns:pvml="urn:schemas-microsoft-com:office:powerpoint" xmlns:v="urn:schemas-microsoft-com:vml" xmlns:o="urn:schemas-microsoft-com:office:office" xmlns:dgm="http://schemas.openxmlformats.org/drawingml/2006/diagram" xmlns:c="http://schemas.openxmlformats.org/drawingml/2006/chart" xmlns:mv="urn:schemas-microsoft-com:mac:vml" xmlns:mc="http://schemas.openxmlformats.org/markup-compatibility/2006" xmlns="">
         <p15:guide id="1" orient="horz" pos="1620">
           <p15:clr>
             <a:srgbClr val="A4A3A4"/>
@@ -288,11 +290,16 @@
 </file>
 
 <file path=ppt/notesMasters/notesMaster1.xml><?xml version="1.0" encoding="utf-8"?>
-<p:notesMaster xmlns:a="http://schemas.openxmlformats.org/drawingml/2006/main" xmlns:r="http://schemas.openxmlformats.org/officeDocument/2006/relationships" xmlns:mc="http://schemas.openxmlformats.org/markup-compatibility/2006" xmlns:mv="urn:schemas-microsoft-com:mac:vml" xmlns:p="http://schemas.openxmlformats.org/presentationml/2006/main" xmlns:c="http://schemas.openxmlformats.org/drawingml/2006/chart" xmlns:dgm="http://schemas.openxmlformats.org/drawingml/2006/diagram" xmlns:o="urn:schemas-microsoft-com:office:office" xmlns:v="urn:schemas-microsoft-com:vml" xmlns:pvml="urn:schemas-microsoft-com:office:powerpoint" xmlns:com="http://schemas.openxmlformats.org/drawingml/2006/compatibility" xmlns:p14="http://schemas.microsoft.com/office/powerpoint/2010/main" xmlns:p15="http://schemas.microsoft.com/office/powerpoint/2012/main">
+<p:notesMaster xmlns:a="http://schemas.openxmlformats.org/drawingml/2006/main" xmlns:r="http://schemas.openxmlformats.org/officeDocument/2006/relationships" xmlns:p="http://schemas.openxmlformats.org/presentationml/2006/main">
   <p:cSld>
+    <p:bg>
+      <p:bgRef idx="1001">
+        <a:schemeClr val="bg1"/>
+      </p:bgRef>
+    </p:bg>
     <p:spTree>
       <p:nvGrpSpPr>
-        <p:cNvPr id="2" name="Shape 2"/>
+        <p:cNvPr id="1" name="Shape 2"/>
         <p:cNvGrpSpPr/>
         <p:nvPr/>
       </p:nvGrpSpPr>
@@ -307,9 +314,11 @@
       <p:sp>
         <p:nvSpPr>
           <p:cNvPr id="3" name="Google Shape;3;n"/>
-          <p:cNvSpPr/>
+          <p:cNvSpPr>
+            <a:spLocks noGrp="1" noRot="1" noChangeAspect="1"/>
+          </p:cNvSpPr>
           <p:nvPr>
-            <p:ph idx="2" type="sldImg"/>
+            <p:ph type="sldImg" idx="2"/>
           </p:nvPr>
         </p:nvSpPr>
         <p:spPr>
@@ -318,9 +327,13 @@
             <a:ext cx="6096075" cy="3429000"/>
           </a:xfrm>
           <a:custGeom>
-            <a:rect b="b" l="l" r="r" t="t"/>
+            <a:avLst/>
+            <a:gdLst/>
+            <a:ahLst/>
+            <a:cxnLst/>
+            <a:rect l="l" t="t" r="r" b="b"/>
             <a:pathLst>
-              <a:path extrusionOk="0" h="120000" w="120000">
+              <a:path w="120000" h="120000" extrusionOk="0">
                 <a:moveTo>
                   <a:pt x="0" y="0"/>
                 </a:moveTo>
@@ -338,23 +351,25 @@
             </a:pathLst>
           </a:custGeom>
           <a:noFill/>
-          <a:ln cap="flat" cmpd="sng" w="9525">
+          <a:ln w="9525" cap="flat" cmpd="sng">
             <a:solidFill>
               <a:srgbClr val="000000"/>
             </a:solidFill>
             <a:prstDash val="solid"/>
             <a:round/>
-            <a:headEnd len="sm" w="sm" type="none"/>
-            <a:tailEnd len="sm" w="sm" type="none"/>
+            <a:headEnd type="none" w="sm" len="sm"/>
+            <a:tailEnd type="none" w="sm" len="sm"/>
           </a:ln>
         </p:spPr>
       </p:sp>
       <p:sp>
         <p:nvSpPr>
           <p:cNvPr id="4" name="Google Shape;4;n"/>
-          <p:cNvSpPr txBox="1"/>
+          <p:cNvSpPr txBox="1">
+            <a:spLocks noGrp="1"/>
+          </p:cNvSpPr>
           <p:nvPr>
-            <p:ph idx="1" type="body"/>
+            <p:ph type="body" idx="1"/>
           </p:nvPr>
         </p:nvSpPr>
         <p:spPr>
@@ -371,9 +386,9 @@
           </a:ln>
         </p:spPr>
         <p:txBody>
-          <a:bodyPr anchorCtr="0" anchor="t" bIns="91425" lIns="91425" spcFirstLastPara="1" rIns="91425" wrap="square" tIns="91425"/>
+          <a:bodyPr spcFirstLastPara="1" wrap="square" lIns="91425" tIns="91425" rIns="91425" bIns="91425" anchor="t" anchorCtr="0"/>
           <a:lstStyle>
-            <a:lvl1pPr indent="-298450" lvl="0" marL="457200">
+            <a:lvl1pPr marL="457200" lvl="0" indent="-298450">
               <a:spcBef>
                 <a:spcPts val="0"/>
               </a:spcBef>
@@ -384,7 +399,7 @@
               <a:buChar char="●"/>
               <a:defRPr sz="1100"/>
             </a:lvl1pPr>
-            <a:lvl2pPr indent="-298450" lvl="1" marL="914400">
+            <a:lvl2pPr marL="914400" lvl="1" indent="-298450">
               <a:spcBef>
                 <a:spcPts val="0"/>
               </a:spcBef>
@@ -395,7 +410,7 @@
               <a:buChar char="○"/>
               <a:defRPr sz="1100"/>
             </a:lvl2pPr>
-            <a:lvl3pPr indent="-298450" lvl="2" marL="1371600">
+            <a:lvl3pPr marL="1371600" lvl="2" indent="-298450">
               <a:spcBef>
                 <a:spcPts val="0"/>
               </a:spcBef>
@@ -406,7 +421,7 @@
               <a:buChar char="■"/>
               <a:defRPr sz="1100"/>
             </a:lvl3pPr>
-            <a:lvl4pPr indent="-298450" lvl="3" marL="1828800">
+            <a:lvl4pPr marL="1828800" lvl="3" indent="-298450">
               <a:spcBef>
                 <a:spcPts val="0"/>
               </a:spcBef>
@@ -417,7 +432,7 @@
               <a:buChar char="●"/>
               <a:defRPr sz="1100"/>
             </a:lvl4pPr>
-            <a:lvl5pPr indent="-298450" lvl="4" marL="2286000">
+            <a:lvl5pPr marL="2286000" lvl="4" indent="-298450">
               <a:spcBef>
                 <a:spcPts val="0"/>
               </a:spcBef>
@@ -428,7 +443,7 @@
               <a:buChar char="○"/>
               <a:defRPr sz="1100"/>
             </a:lvl5pPr>
-            <a:lvl6pPr indent="-298450" lvl="5" marL="2743200">
+            <a:lvl6pPr marL="2743200" lvl="5" indent="-298450">
               <a:spcBef>
                 <a:spcPts val="0"/>
               </a:spcBef>
@@ -439,7 +454,7 @@
               <a:buChar char="■"/>
               <a:defRPr sz="1100"/>
             </a:lvl6pPr>
-            <a:lvl7pPr indent="-298450" lvl="6" marL="3200400">
+            <a:lvl7pPr marL="3200400" lvl="6" indent="-298450">
               <a:spcBef>
                 <a:spcPts val="0"/>
               </a:spcBef>
@@ -450,7 +465,7 @@
               <a:buChar char="●"/>
               <a:defRPr sz="1100"/>
             </a:lvl7pPr>
-            <a:lvl8pPr indent="-298450" lvl="7" marL="3657600">
+            <a:lvl8pPr marL="3657600" lvl="7" indent="-298450">
               <a:spcBef>
                 <a:spcPts val="0"/>
               </a:spcBef>
@@ -461,7 +476,7 @@
               <a:buChar char="○"/>
               <a:defRPr sz="1100"/>
             </a:lvl8pPr>
-            <a:lvl9pPr indent="-298450" lvl="8" marL="4114800">
+            <a:lvl9pPr marL="4114800" lvl="8" indent="-298450">
               <a:spcBef>
                 <a:spcPts val="0"/>
               </a:spcBef>
@@ -473,14 +488,21 @@
               <a:defRPr sz="1100"/>
             </a:lvl9pPr>
           </a:lstStyle>
-          <a:p/>
+          <a:p>
+            <a:endParaRPr/>
+          </a:p>
         </p:txBody>
       </p:sp>
     </p:spTree>
+    <p:extLst>
+      <p:ext uri="{BB962C8B-B14F-4D97-AF65-F5344CB8AC3E}">
+        <p14:creationId xmlns:p14="http://schemas.microsoft.com/office/powerpoint/2010/main" val="1538662193"/>
+      </p:ext>
+    </p:extLst>
   </p:cSld>
-  <p:clrMap accent1="accent1" accent2="accent2" accent3="accent3" accent4="accent4" accent5="accent5" accent6="accent6" bg1="lt1" bg2="dk2" tx1="dk1" tx2="lt2" folHlink="folHlink" hlink="hlink"/>
+  <p:clrMap bg1="lt1" tx1="dk1" bg2="dk2" tx2="lt2" accent1="accent1" accent2="accent2" accent3="accent3" accent4="accent4" accent5="accent5" accent6="accent6" hlink="hlink" folHlink="folHlink"/>
   <p:notesStyle>
-    <a:defPPr lvl="0" marR="0" rtl="0" algn="l">
+    <a:defPPr marR="0" lvl="0" algn="l" rtl="0">
       <a:lnSpc>
         <a:spcPct val="100000"/>
       </a:lnSpc>
@@ -491,7 +513,7 @@
         <a:spcPts val="0"/>
       </a:spcAft>
     </a:defPPr>
-    <a:lvl1pPr lvl="0" marR="0" rtl="0" algn="l">
+    <a:lvl1pPr marR="0" lvl="0" algn="l" rtl="0">
       <a:lnSpc>
         <a:spcPct val="100000"/>
       </a:lnSpc>
@@ -505,7 +527,7 @@
         <a:srgbClr val="000000"/>
       </a:buClr>
       <a:buFont typeface="Arial"/>
-      <a:defRPr b="0" i="0" sz="1400" u="none" cap="none" strike="noStrike">
+      <a:defRPr sz="1400" b="0" i="0" u="none" strike="noStrike" cap="none">
         <a:solidFill>
           <a:srgbClr val="000000"/>
         </a:solidFill>
@@ -515,7 +537,7 @@
         <a:sym typeface="Arial"/>
       </a:defRPr>
     </a:lvl1pPr>
-    <a:lvl2pPr lvl="1" marR="0" rtl="0" algn="l">
+    <a:lvl2pPr marR="0" lvl="1" algn="l" rtl="0">
       <a:lnSpc>
         <a:spcPct val="100000"/>
       </a:lnSpc>
@@ -529,7 +551,7 @@
         <a:srgbClr val="000000"/>
       </a:buClr>
       <a:buFont typeface="Arial"/>
-      <a:defRPr b="0" i="0" sz="1400" u="none" cap="none" strike="noStrike">
+      <a:defRPr sz="1400" b="0" i="0" u="none" strike="noStrike" cap="none">
         <a:solidFill>
           <a:srgbClr val="000000"/>
         </a:solidFill>
@@ -539,7 +561,7 @@
         <a:sym typeface="Arial"/>
       </a:defRPr>
     </a:lvl2pPr>
-    <a:lvl3pPr lvl="2" marR="0" rtl="0" algn="l">
+    <a:lvl3pPr marR="0" lvl="2" algn="l" rtl="0">
       <a:lnSpc>
         <a:spcPct val="100000"/>
       </a:lnSpc>
@@ -553,7 +575,7 @@
         <a:srgbClr val="000000"/>
       </a:buClr>
       <a:buFont typeface="Arial"/>
-      <a:defRPr b="0" i="0" sz="1400" u="none" cap="none" strike="noStrike">
+      <a:defRPr sz="1400" b="0" i="0" u="none" strike="noStrike" cap="none">
         <a:solidFill>
           <a:srgbClr val="000000"/>
         </a:solidFill>
@@ -563,7 +585,7 @@
         <a:sym typeface="Arial"/>
       </a:defRPr>
     </a:lvl3pPr>
-    <a:lvl4pPr lvl="3" marR="0" rtl="0" algn="l">
+    <a:lvl4pPr marR="0" lvl="3" algn="l" rtl="0">
       <a:lnSpc>
         <a:spcPct val="100000"/>
       </a:lnSpc>
@@ -577,7 +599,7 @@
         <a:srgbClr val="000000"/>
       </a:buClr>
       <a:buFont typeface="Arial"/>
-      <a:defRPr b="0" i="0" sz="1400" u="none" cap="none" strike="noStrike">
+      <a:defRPr sz="1400" b="0" i="0" u="none" strike="noStrike" cap="none">
         <a:solidFill>
           <a:srgbClr val="000000"/>
         </a:solidFill>
@@ -587,7 +609,7 @@
         <a:sym typeface="Arial"/>
       </a:defRPr>
     </a:lvl4pPr>
-    <a:lvl5pPr lvl="4" marR="0" rtl="0" algn="l">
+    <a:lvl5pPr marR="0" lvl="4" algn="l" rtl="0">
       <a:lnSpc>
         <a:spcPct val="100000"/>
       </a:lnSpc>
@@ -601,7 +623,7 @@
         <a:srgbClr val="000000"/>
       </a:buClr>
       <a:buFont typeface="Arial"/>
-      <a:defRPr b="0" i="0" sz="1400" u="none" cap="none" strike="noStrike">
+      <a:defRPr sz="1400" b="0" i="0" u="none" strike="noStrike" cap="none">
         <a:solidFill>
           <a:srgbClr val="000000"/>
         </a:solidFill>
@@ -611,7 +633,7 @@
         <a:sym typeface="Arial"/>
       </a:defRPr>
     </a:lvl5pPr>
-    <a:lvl6pPr lvl="5" marR="0" rtl="0" algn="l">
+    <a:lvl6pPr marR="0" lvl="5" algn="l" rtl="0">
       <a:lnSpc>
         <a:spcPct val="100000"/>
       </a:lnSpc>
@@ -625,7 +647,7 @@
         <a:srgbClr val="000000"/>
       </a:buClr>
       <a:buFont typeface="Arial"/>
-      <a:defRPr b="0" i="0" sz="1400" u="none" cap="none" strike="noStrike">
+      <a:defRPr sz="1400" b="0" i="0" u="none" strike="noStrike" cap="none">
         <a:solidFill>
           <a:srgbClr val="000000"/>
         </a:solidFill>
@@ -635,7 +657,7 @@
         <a:sym typeface="Arial"/>
       </a:defRPr>
     </a:lvl6pPr>
-    <a:lvl7pPr lvl="6" marR="0" rtl="0" algn="l">
+    <a:lvl7pPr marR="0" lvl="6" algn="l" rtl="0">
       <a:lnSpc>
         <a:spcPct val="100000"/>
       </a:lnSpc>
@@ -649,7 +671,7 @@
         <a:srgbClr val="000000"/>
       </a:buClr>
       <a:buFont typeface="Arial"/>
-      <a:defRPr b="0" i="0" sz="1400" u="none" cap="none" strike="noStrike">
+      <a:defRPr sz="1400" b="0" i="0" u="none" strike="noStrike" cap="none">
         <a:solidFill>
           <a:srgbClr val="000000"/>
         </a:solidFill>
@@ -659,7 +681,7 @@
         <a:sym typeface="Arial"/>
       </a:defRPr>
     </a:lvl7pPr>
-    <a:lvl8pPr lvl="7" marR="0" rtl="0" algn="l">
+    <a:lvl8pPr marR="0" lvl="7" algn="l" rtl="0">
       <a:lnSpc>
         <a:spcPct val="100000"/>
       </a:lnSpc>
@@ -673,7 +695,7 @@
         <a:srgbClr val="000000"/>
       </a:buClr>
       <a:buFont typeface="Arial"/>
-      <a:defRPr b="0" i="0" sz="1400" u="none" cap="none" strike="noStrike">
+      <a:defRPr sz="1400" b="0" i="0" u="none" strike="noStrike" cap="none">
         <a:solidFill>
           <a:srgbClr val="000000"/>
         </a:solidFill>
@@ -683,7 +705,7 @@
         <a:sym typeface="Arial"/>
       </a:defRPr>
     </a:lvl8pPr>
-    <a:lvl9pPr lvl="8" marR="0" rtl="0" algn="l">
+    <a:lvl9pPr marR="0" lvl="8" algn="l" rtl="0">
       <a:lnSpc>
         <a:spcPct val="100000"/>
       </a:lnSpc>
@@ -697,7 +719,7 @@
         <a:srgbClr val="000000"/>
       </a:buClr>
       <a:buFont typeface="Arial"/>
-      <a:defRPr b="0" i="0" sz="1400" u="none" cap="none" strike="noStrike">
+      <a:defRPr sz="1400" b="0" i="0" u="none" strike="noStrike" cap="none">
         <a:solidFill>
           <a:srgbClr val="000000"/>
         </a:solidFill>
@@ -712,11 +734,11 @@
 </file>
 
 <file path=ppt/notesSlides/notesSlide1.xml><?xml version="1.0" encoding="utf-8"?>
-<p:notes xmlns:a="http://schemas.openxmlformats.org/drawingml/2006/main" xmlns:r="http://schemas.openxmlformats.org/officeDocument/2006/relationships" xmlns:mc="http://schemas.openxmlformats.org/markup-compatibility/2006" xmlns:mv="urn:schemas-microsoft-com:mac:vml" xmlns:p="http://schemas.openxmlformats.org/presentationml/2006/main" xmlns:c="http://schemas.openxmlformats.org/drawingml/2006/chart" xmlns:dgm="http://schemas.openxmlformats.org/drawingml/2006/diagram" xmlns:o="urn:schemas-microsoft-com:office:office" xmlns:v="urn:schemas-microsoft-com:vml" xmlns:pvml="urn:schemas-microsoft-com:office:powerpoint" xmlns:com="http://schemas.openxmlformats.org/drawingml/2006/compatibility" xmlns:p14="http://schemas.microsoft.com/office/powerpoint/2010/main" xmlns:p15="http://schemas.microsoft.com/office/powerpoint/2012/main" showMasterPhAnim="0" showMasterSp="0">
+<p:notes xmlns:a="http://schemas.openxmlformats.org/drawingml/2006/main" xmlns:r="http://schemas.openxmlformats.org/officeDocument/2006/relationships" xmlns:p="http://schemas.openxmlformats.org/presentationml/2006/main" showMasterSp="0" showMasterPhAnim="0">
   <p:cSld>
     <p:spTree>
       <p:nvGrpSpPr>
-        <p:cNvPr id="62" name="Shape 62"/>
+        <p:cNvPr id="1" name="Shape 62"/>
         <p:cNvGrpSpPr/>
         <p:nvPr/>
       </p:nvGrpSpPr>
@@ -731,9 +753,11 @@
       <p:sp>
         <p:nvSpPr>
           <p:cNvPr id="63" name="Google Shape;63;p:notes"/>
-          <p:cNvSpPr/>
+          <p:cNvSpPr>
+            <a:spLocks noGrp="1" noRot="1" noChangeAspect="1"/>
+          </p:cNvSpPr>
           <p:nvPr>
-            <p:ph idx="2" type="sldImg"/>
+            <p:ph type="sldImg" idx="2"/>
           </p:nvPr>
         </p:nvSpPr>
         <p:spPr>
@@ -742,9 +766,13 @@
             <a:ext cx="6096075" cy="3429000"/>
           </a:xfrm>
           <a:custGeom>
-            <a:rect b="b" l="l" r="r" t="t"/>
+            <a:avLst/>
+            <a:gdLst/>
+            <a:ahLst/>
+            <a:cxnLst/>
+            <a:rect l="l" t="t" r="r" b="b"/>
             <a:pathLst>
-              <a:path extrusionOk="0" h="120000" w="120000">
+              <a:path w="120000" h="120000" extrusionOk="0">
                 <a:moveTo>
                   <a:pt x="0" y="0"/>
                 </a:moveTo>
@@ -766,9 +794,11 @@
       <p:sp>
         <p:nvSpPr>
           <p:cNvPr id="64" name="Google Shape;64;p:notes"/>
-          <p:cNvSpPr txBox="1"/>
+          <p:cNvSpPr txBox="1">
+            <a:spLocks noGrp="1"/>
+          </p:cNvSpPr>
           <p:nvPr>
-            <p:ph idx="1" type="body"/>
+            <p:ph type="body" idx="1"/>
           </p:nvPr>
         </p:nvSpPr>
         <p:spPr>
@@ -781,23 +811,20 @@
           </a:prstGeom>
         </p:spPr>
         <p:txBody>
-          <a:bodyPr anchorCtr="0" anchor="t" bIns="91425" lIns="91425" spcFirstLastPara="1" rIns="91425" wrap="square" tIns="91425">
+          <a:bodyPr spcFirstLastPara="1" wrap="square" lIns="91425" tIns="91425" rIns="91425" bIns="91425" anchor="t" anchorCtr="0">
             <a:noAutofit/>
           </a:bodyPr>
           <a:lstStyle/>
           <a:p>
-            <a:pPr indent="0" lvl="0" marL="0" rtl="0" algn="l">
-              <a:spcBef>
-                <a:spcPts val="0"/>
-              </a:spcBef>
-              <a:spcAft>
-                <a:spcPts val="0"/>
-              </a:spcAft>
-              <a:buNone/>
-            </a:pPr>
-            <a:r>
-              <a:t/>
-            </a:r>
+            <a:pPr marL="0" lvl="0" indent="0" algn="l" rtl="0">
+              <a:spcBef>
+                <a:spcPts val="0"/>
+              </a:spcBef>
+              <a:spcAft>
+                <a:spcPts val="0"/>
+              </a:spcAft>
+              <a:buNone/>
+            </a:pPr>
             <a:endParaRPr/>
           </a:p>
         </p:txBody>
@@ -811,11 +838,11 @@
 </file>
 
 <file path=ppt/notesSlides/notesSlide10.xml><?xml version="1.0" encoding="utf-8"?>
-<p:notes xmlns:a="http://schemas.openxmlformats.org/drawingml/2006/main" xmlns:r="http://schemas.openxmlformats.org/officeDocument/2006/relationships" xmlns:mc="http://schemas.openxmlformats.org/markup-compatibility/2006" xmlns:mv="urn:schemas-microsoft-com:mac:vml" xmlns:p="http://schemas.openxmlformats.org/presentationml/2006/main" xmlns:c="http://schemas.openxmlformats.org/drawingml/2006/chart" xmlns:dgm="http://schemas.openxmlformats.org/drawingml/2006/diagram" xmlns:o="urn:schemas-microsoft-com:office:office" xmlns:v="urn:schemas-microsoft-com:vml" xmlns:pvml="urn:schemas-microsoft-com:office:powerpoint" xmlns:com="http://schemas.openxmlformats.org/drawingml/2006/compatibility" xmlns:p14="http://schemas.microsoft.com/office/powerpoint/2010/main" xmlns:p15="http://schemas.microsoft.com/office/powerpoint/2012/main" showMasterPhAnim="0" showMasterSp="0">
+<p:notes xmlns:a="http://schemas.openxmlformats.org/drawingml/2006/main" xmlns:r="http://schemas.openxmlformats.org/officeDocument/2006/relationships" xmlns:p="http://schemas.openxmlformats.org/presentationml/2006/main" showMasterSp="0" showMasterPhAnim="0">
   <p:cSld>
     <p:spTree>
       <p:nvGrpSpPr>
-        <p:cNvPr id="122" name="Shape 122"/>
+        <p:cNvPr id="1" name="Shape 122"/>
         <p:cNvGrpSpPr/>
         <p:nvPr/>
       </p:nvGrpSpPr>
@@ -830,9 +857,11 @@
       <p:sp>
         <p:nvSpPr>
           <p:cNvPr id="123" name="Google Shape;123;g584ed4e5ad_0_20:notes"/>
-          <p:cNvSpPr/>
+          <p:cNvSpPr>
+            <a:spLocks noGrp="1" noRot="1" noChangeAspect="1"/>
+          </p:cNvSpPr>
           <p:nvPr>
-            <p:ph idx="2" type="sldImg"/>
+            <p:ph type="sldImg" idx="2"/>
           </p:nvPr>
         </p:nvSpPr>
         <p:spPr>
@@ -841,9 +870,13 @@
             <a:ext cx="6096000" cy="3429000"/>
           </a:xfrm>
           <a:custGeom>
-            <a:rect b="b" l="l" r="r" t="t"/>
+            <a:avLst/>
+            <a:gdLst/>
+            <a:ahLst/>
+            <a:cxnLst/>
+            <a:rect l="l" t="t" r="r" b="b"/>
             <a:pathLst>
-              <a:path extrusionOk="0" h="120000" w="120000">
+              <a:path w="120000" h="120000" extrusionOk="0">
                 <a:moveTo>
                   <a:pt x="0" y="0"/>
                 </a:moveTo>
@@ -865,9 +898,11 @@
       <p:sp>
         <p:nvSpPr>
           <p:cNvPr id="124" name="Google Shape;124;g584ed4e5ad_0_20:notes"/>
-          <p:cNvSpPr txBox="1"/>
+          <p:cNvSpPr txBox="1">
+            <a:spLocks noGrp="1"/>
+          </p:cNvSpPr>
           <p:nvPr>
-            <p:ph idx="1" type="body"/>
+            <p:ph type="body" idx="1"/>
           </p:nvPr>
         </p:nvSpPr>
         <p:spPr>
@@ -880,23 +915,20 @@
           </a:prstGeom>
         </p:spPr>
         <p:txBody>
-          <a:bodyPr anchorCtr="0" anchor="t" bIns="91425" lIns="91425" spcFirstLastPara="1" rIns="91425" wrap="square" tIns="91425">
+          <a:bodyPr spcFirstLastPara="1" wrap="square" lIns="91425" tIns="91425" rIns="91425" bIns="91425" anchor="t" anchorCtr="0">
             <a:noAutofit/>
           </a:bodyPr>
           <a:lstStyle/>
           <a:p>
-            <a:pPr indent="0" lvl="0" marL="0" rtl="0" algn="l">
-              <a:spcBef>
-                <a:spcPts val="0"/>
-              </a:spcBef>
-              <a:spcAft>
-                <a:spcPts val="0"/>
-              </a:spcAft>
-              <a:buNone/>
-            </a:pPr>
-            <a:r>
-              <a:t/>
-            </a:r>
+            <a:pPr marL="0" lvl="0" indent="0" algn="l" rtl="0">
+              <a:spcBef>
+                <a:spcPts val="0"/>
+              </a:spcBef>
+              <a:spcAft>
+                <a:spcPts val="0"/>
+              </a:spcAft>
+              <a:buNone/>
+            </a:pPr>
             <a:endParaRPr/>
           </a:p>
         </p:txBody>
@@ -910,11 +942,11 @@
 </file>
 
 <file path=ppt/notesSlides/notesSlide11.xml><?xml version="1.0" encoding="utf-8"?>
-<p:notes xmlns:a="http://schemas.openxmlformats.org/drawingml/2006/main" xmlns:r="http://schemas.openxmlformats.org/officeDocument/2006/relationships" xmlns:mc="http://schemas.openxmlformats.org/markup-compatibility/2006" xmlns:mv="urn:schemas-microsoft-com:mac:vml" xmlns:p="http://schemas.openxmlformats.org/presentationml/2006/main" xmlns:c="http://schemas.openxmlformats.org/drawingml/2006/chart" xmlns:dgm="http://schemas.openxmlformats.org/drawingml/2006/diagram" xmlns:o="urn:schemas-microsoft-com:office:office" xmlns:v="urn:schemas-microsoft-com:vml" xmlns:pvml="urn:schemas-microsoft-com:office:powerpoint" xmlns:com="http://schemas.openxmlformats.org/drawingml/2006/compatibility" xmlns:p14="http://schemas.microsoft.com/office/powerpoint/2010/main" xmlns:p15="http://schemas.microsoft.com/office/powerpoint/2012/main" showMasterPhAnim="0" showMasterSp="0">
+<p:notes xmlns:a="http://schemas.openxmlformats.org/drawingml/2006/main" xmlns:r="http://schemas.openxmlformats.org/officeDocument/2006/relationships" xmlns:p="http://schemas.openxmlformats.org/presentationml/2006/main" showMasterSp="0" showMasterPhAnim="0">
   <p:cSld>
     <p:spTree>
       <p:nvGrpSpPr>
-        <p:cNvPr id="128" name="Shape 128"/>
+        <p:cNvPr id="1" name="Shape 128"/>
         <p:cNvGrpSpPr/>
         <p:nvPr/>
       </p:nvGrpSpPr>
@@ -929,9 +961,11 @@
       <p:sp>
         <p:nvSpPr>
           <p:cNvPr id="129" name="Google Shape;129;g584ed4e5ad_0_29:notes"/>
-          <p:cNvSpPr/>
+          <p:cNvSpPr>
+            <a:spLocks noGrp="1" noRot="1" noChangeAspect="1"/>
+          </p:cNvSpPr>
           <p:nvPr>
-            <p:ph idx="2" type="sldImg"/>
+            <p:ph type="sldImg" idx="2"/>
           </p:nvPr>
         </p:nvSpPr>
         <p:spPr>
@@ -940,9 +974,13 @@
             <a:ext cx="6096000" cy="3429000"/>
           </a:xfrm>
           <a:custGeom>
-            <a:rect b="b" l="l" r="r" t="t"/>
+            <a:avLst/>
+            <a:gdLst/>
+            <a:ahLst/>
+            <a:cxnLst/>
+            <a:rect l="l" t="t" r="r" b="b"/>
             <a:pathLst>
-              <a:path extrusionOk="0" h="120000" w="120000">
+              <a:path w="120000" h="120000" extrusionOk="0">
                 <a:moveTo>
                   <a:pt x="0" y="0"/>
                 </a:moveTo>
@@ -964,9 +1002,11 @@
       <p:sp>
         <p:nvSpPr>
           <p:cNvPr id="130" name="Google Shape;130;g584ed4e5ad_0_29:notes"/>
-          <p:cNvSpPr txBox="1"/>
+          <p:cNvSpPr txBox="1">
+            <a:spLocks noGrp="1"/>
+          </p:cNvSpPr>
           <p:nvPr>
-            <p:ph idx="1" type="body"/>
+            <p:ph type="body" idx="1"/>
           </p:nvPr>
         </p:nvSpPr>
         <p:spPr>
@@ -979,23 +1019,20 @@
           </a:prstGeom>
         </p:spPr>
         <p:txBody>
-          <a:bodyPr anchorCtr="0" anchor="t" bIns="91425" lIns="91425" spcFirstLastPara="1" rIns="91425" wrap="square" tIns="91425">
+          <a:bodyPr spcFirstLastPara="1" wrap="square" lIns="91425" tIns="91425" rIns="91425" bIns="91425" anchor="t" anchorCtr="0">
             <a:noAutofit/>
           </a:bodyPr>
           <a:lstStyle/>
           <a:p>
-            <a:pPr indent="0" lvl="0" marL="0" rtl="0" algn="l">
-              <a:spcBef>
-                <a:spcPts val="0"/>
-              </a:spcBef>
-              <a:spcAft>
-                <a:spcPts val="0"/>
-              </a:spcAft>
-              <a:buNone/>
-            </a:pPr>
-            <a:r>
-              <a:t/>
-            </a:r>
+            <a:pPr marL="0" lvl="0" indent="0" algn="l" rtl="0">
+              <a:spcBef>
+                <a:spcPts val="0"/>
+              </a:spcBef>
+              <a:spcAft>
+                <a:spcPts val="0"/>
+              </a:spcAft>
+              <a:buNone/>
+            </a:pPr>
             <a:endParaRPr/>
           </a:p>
         </p:txBody>
@@ -1009,11 +1046,11 @@
 </file>
 
 <file path=ppt/notesSlides/notesSlide12.xml><?xml version="1.0" encoding="utf-8"?>
-<p:notes xmlns:a="http://schemas.openxmlformats.org/drawingml/2006/main" xmlns:r="http://schemas.openxmlformats.org/officeDocument/2006/relationships" xmlns:mc="http://schemas.openxmlformats.org/markup-compatibility/2006" xmlns:mv="urn:schemas-microsoft-com:mac:vml" xmlns:p="http://schemas.openxmlformats.org/presentationml/2006/main" xmlns:c="http://schemas.openxmlformats.org/drawingml/2006/chart" xmlns:dgm="http://schemas.openxmlformats.org/drawingml/2006/diagram" xmlns:o="urn:schemas-microsoft-com:office:office" xmlns:v="urn:schemas-microsoft-com:vml" xmlns:pvml="urn:schemas-microsoft-com:office:powerpoint" xmlns:com="http://schemas.openxmlformats.org/drawingml/2006/compatibility" xmlns:p14="http://schemas.microsoft.com/office/powerpoint/2010/main" xmlns:p15="http://schemas.microsoft.com/office/powerpoint/2012/main" showMasterPhAnim="0" showMasterSp="0">
+<p:notes xmlns:a="http://schemas.openxmlformats.org/drawingml/2006/main" xmlns:r="http://schemas.openxmlformats.org/officeDocument/2006/relationships" xmlns:p="http://schemas.openxmlformats.org/presentationml/2006/main" showMasterSp="0" showMasterPhAnim="0">
   <p:cSld>
     <p:spTree>
       <p:nvGrpSpPr>
-        <p:cNvPr id="134" name="Shape 134"/>
+        <p:cNvPr id="1" name="Shape 134"/>
         <p:cNvGrpSpPr/>
         <p:nvPr/>
       </p:nvGrpSpPr>
@@ -1028,9 +1065,11 @@
       <p:sp>
         <p:nvSpPr>
           <p:cNvPr id="135" name="Google Shape;135;g584ed4e5ad_0_9:notes"/>
-          <p:cNvSpPr/>
+          <p:cNvSpPr>
+            <a:spLocks noGrp="1" noRot="1" noChangeAspect="1"/>
+          </p:cNvSpPr>
           <p:nvPr>
-            <p:ph idx="2" type="sldImg"/>
+            <p:ph type="sldImg" idx="2"/>
           </p:nvPr>
         </p:nvSpPr>
         <p:spPr>
@@ -1039,9 +1078,13 @@
             <a:ext cx="6096000" cy="3429000"/>
           </a:xfrm>
           <a:custGeom>
-            <a:rect b="b" l="l" r="r" t="t"/>
+            <a:avLst/>
+            <a:gdLst/>
+            <a:ahLst/>
+            <a:cxnLst/>
+            <a:rect l="l" t="t" r="r" b="b"/>
             <a:pathLst>
-              <a:path extrusionOk="0" h="120000" w="120000">
+              <a:path w="120000" h="120000" extrusionOk="0">
                 <a:moveTo>
                   <a:pt x="0" y="0"/>
                 </a:moveTo>
@@ -1063,9 +1106,11 @@
       <p:sp>
         <p:nvSpPr>
           <p:cNvPr id="136" name="Google Shape;136;g584ed4e5ad_0_9:notes"/>
-          <p:cNvSpPr txBox="1"/>
+          <p:cNvSpPr txBox="1">
+            <a:spLocks noGrp="1"/>
+          </p:cNvSpPr>
           <p:nvPr>
-            <p:ph idx="1" type="body"/>
+            <p:ph type="body" idx="1"/>
           </p:nvPr>
         </p:nvSpPr>
         <p:spPr>
@@ -1078,23 +1123,20 @@
           </a:prstGeom>
         </p:spPr>
         <p:txBody>
-          <a:bodyPr anchorCtr="0" anchor="t" bIns="91425" lIns="91425" spcFirstLastPara="1" rIns="91425" wrap="square" tIns="91425">
+          <a:bodyPr spcFirstLastPara="1" wrap="square" lIns="91425" tIns="91425" rIns="91425" bIns="91425" anchor="t" anchorCtr="0">
             <a:noAutofit/>
           </a:bodyPr>
           <a:lstStyle/>
           <a:p>
-            <a:pPr indent="0" lvl="0" marL="0" rtl="0" algn="l">
-              <a:spcBef>
-                <a:spcPts val="0"/>
-              </a:spcBef>
-              <a:spcAft>
-                <a:spcPts val="0"/>
-              </a:spcAft>
-              <a:buNone/>
-            </a:pPr>
-            <a:r>
-              <a:t/>
-            </a:r>
+            <a:pPr marL="0" lvl="0" indent="0" algn="l" rtl="0">
+              <a:spcBef>
+                <a:spcPts val="0"/>
+              </a:spcBef>
+              <a:spcAft>
+                <a:spcPts val="0"/>
+              </a:spcAft>
+              <a:buNone/>
+            </a:pPr>
             <a:endParaRPr/>
           </a:p>
         </p:txBody>
@@ -1108,11 +1150,11 @@
 </file>
 
 <file path=ppt/notesSlides/notesSlide13.xml><?xml version="1.0" encoding="utf-8"?>
-<p:notes xmlns:a="http://schemas.openxmlformats.org/drawingml/2006/main" xmlns:r="http://schemas.openxmlformats.org/officeDocument/2006/relationships" xmlns:mc="http://schemas.openxmlformats.org/markup-compatibility/2006" xmlns:mv="urn:schemas-microsoft-com:mac:vml" xmlns:p="http://schemas.openxmlformats.org/presentationml/2006/main" xmlns:c="http://schemas.openxmlformats.org/drawingml/2006/chart" xmlns:dgm="http://schemas.openxmlformats.org/drawingml/2006/diagram" xmlns:o="urn:schemas-microsoft-com:office:office" xmlns:v="urn:schemas-microsoft-com:vml" xmlns:pvml="urn:schemas-microsoft-com:office:powerpoint" xmlns:com="http://schemas.openxmlformats.org/drawingml/2006/compatibility" xmlns:p14="http://schemas.microsoft.com/office/powerpoint/2010/main" xmlns:p15="http://schemas.microsoft.com/office/powerpoint/2012/main" showMasterPhAnim="0" showMasterSp="0">
+<p:notes xmlns:a="http://schemas.openxmlformats.org/drawingml/2006/main" xmlns:r="http://schemas.openxmlformats.org/officeDocument/2006/relationships" xmlns:p="http://schemas.openxmlformats.org/presentationml/2006/main" showMasterSp="0" showMasterPhAnim="0">
   <p:cSld>
     <p:spTree>
       <p:nvGrpSpPr>
-        <p:cNvPr id="141" name="Shape 141"/>
+        <p:cNvPr id="1" name="Shape 141"/>
         <p:cNvGrpSpPr/>
         <p:nvPr/>
       </p:nvGrpSpPr>
@@ -1127,9 +1169,11 @@
       <p:sp>
         <p:nvSpPr>
           <p:cNvPr id="142" name="Google Shape;142;g584ed4e5ad_0_4:notes"/>
-          <p:cNvSpPr/>
+          <p:cNvSpPr>
+            <a:spLocks noGrp="1" noRot="1" noChangeAspect="1"/>
+          </p:cNvSpPr>
           <p:nvPr>
-            <p:ph idx="2" type="sldImg"/>
+            <p:ph type="sldImg" idx="2"/>
           </p:nvPr>
         </p:nvSpPr>
         <p:spPr>
@@ -1138,9 +1182,13 @@
             <a:ext cx="6096000" cy="3429000"/>
           </a:xfrm>
           <a:custGeom>
-            <a:rect b="b" l="l" r="r" t="t"/>
+            <a:avLst/>
+            <a:gdLst/>
+            <a:ahLst/>
+            <a:cxnLst/>
+            <a:rect l="l" t="t" r="r" b="b"/>
             <a:pathLst>
-              <a:path extrusionOk="0" h="120000" w="120000">
+              <a:path w="120000" h="120000" extrusionOk="0">
                 <a:moveTo>
                   <a:pt x="0" y="0"/>
                 </a:moveTo>
@@ -1162,9 +1210,11 @@
       <p:sp>
         <p:nvSpPr>
           <p:cNvPr id="143" name="Google Shape;143;g584ed4e5ad_0_4:notes"/>
-          <p:cNvSpPr txBox="1"/>
+          <p:cNvSpPr txBox="1">
+            <a:spLocks noGrp="1"/>
+          </p:cNvSpPr>
           <p:nvPr>
-            <p:ph idx="1" type="body"/>
+            <p:ph type="body" idx="1"/>
           </p:nvPr>
         </p:nvSpPr>
         <p:spPr>
@@ -1177,23 +1227,20 @@
           </a:prstGeom>
         </p:spPr>
         <p:txBody>
-          <a:bodyPr anchorCtr="0" anchor="t" bIns="91425" lIns="91425" spcFirstLastPara="1" rIns="91425" wrap="square" tIns="91425">
+          <a:bodyPr spcFirstLastPara="1" wrap="square" lIns="91425" tIns="91425" rIns="91425" bIns="91425" anchor="t" anchorCtr="0">
             <a:noAutofit/>
           </a:bodyPr>
           <a:lstStyle/>
           <a:p>
-            <a:pPr indent="0" lvl="0" marL="0" rtl="0" algn="l">
-              <a:spcBef>
-                <a:spcPts val="0"/>
-              </a:spcBef>
-              <a:spcAft>
-                <a:spcPts val="0"/>
-              </a:spcAft>
-              <a:buNone/>
-            </a:pPr>
-            <a:r>
-              <a:t/>
-            </a:r>
+            <a:pPr marL="0" lvl="0" indent="0" algn="l" rtl="0">
+              <a:spcBef>
+                <a:spcPts val="0"/>
+              </a:spcBef>
+              <a:spcAft>
+                <a:spcPts val="0"/>
+              </a:spcAft>
+              <a:buNone/>
+            </a:pPr>
             <a:endParaRPr/>
           </a:p>
         </p:txBody>
@@ -1207,11 +1254,11 @@
 </file>
 
 <file path=ppt/notesSlides/notesSlide14.xml><?xml version="1.0" encoding="utf-8"?>
-<p:notes xmlns:a="http://schemas.openxmlformats.org/drawingml/2006/main" xmlns:r="http://schemas.openxmlformats.org/officeDocument/2006/relationships" xmlns:mc="http://schemas.openxmlformats.org/markup-compatibility/2006" xmlns:mv="urn:schemas-microsoft-com:mac:vml" xmlns:p="http://schemas.openxmlformats.org/presentationml/2006/main" xmlns:c="http://schemas.openxmlformats.org/drawingml/2006/chart" xmlns:dgm="http://schemas.openxmlformats.org/drawingml/2006/diagram" xmlns:o="urn:schemas-microsoft-com:office:office" xmlns:v="urn:schemas-microsoft-com:vml" xmlns:pvml="urn:schemas-microsoft-com:office:powerpoint" xmlns:com="http://schemas.openxmlformats.org/drawingml/2006/compatibility" xmlns:p14="http://schemas.microsoft.com/office/powerpoint/2010/main" xmlns:p15="http://schemas.microsoft.com/office/powerpoint/2012/main" showMasterPhAnim="0" showMasterSp="0">
+<p:notes xmlns:a="http://schemas.openxmlformats.org/drawingml/2006/main" xmlns:r="http://schemas.openxmlformats.org/officeDocument/2006/relationships" xmlns:p="http://schemas.openxmlformats.org/presentationml/2006/main" showMasterSp="0" showMasterPhAnim="0">
   <p:cSld>
     <p:spTree>
       <p:nvGrpSpPr>
-        <p:cNvPr id="147" name="Shape 147"/>
+        <p:cNvPr id="1" name="Shape 147"/>
         <p:cNvGrpSpPr/>
         <p:nvPr/>
       </p:nvGrpSpPr>
@@ -1226,9 +1273,11 @@
       <p:sp>
         <p:nvSpPr>
           <p:cNvPr id="148" name="Google Shape;148;g584ed4e5ad_0_34:notes"/>
-          <p:cNvSpPr/>
+          <p:cNvSpPr>
+            <a:spLocks noGrp="1" noRot="1" noChangeAspect="1"/>
+          </p:cNvSpPr>
           <p:nvPr>
-            <p:ph idx="2" type="sldImg"/>
+            <p:ph type="sldImg" idx="2"/>
           </p:nvPr>
         </p:nvSpPr>
         <p:spPr>
@@ -1237,9 +1286,13 @@
             <a:ext cx="6096000" cy="3429000"/>
           </a:xfrm>
           <a:custGeom>
-            <a:rect b="b" l="l" r="r" t="t"/>
+            <a:avLst/>
+            <a:gdLst/>
+            <a:ahLst/>
+            <a:cxnLst/>
+            <a:rect l="l" t="t" r="r" b="b"/>
             <a:pathLst>
-              <a:path extrusionOk="0" h="120000" w="120000">
+              <a:path w="120000" h="120000" extrusionOk="0">
                 <a:moveTo>
                   <a:pt x="0" y="0"/>
                 </a:moveTo>
@@ -1261,9 +1314,11 @@
       <p:sp>
         <p:nvSpPr>
           <p:cNvPr id="149" name="Google Shape;149;g584ed4e5ad_0_34:notes"/>
-          <p:cNvSpPr txBox="1"/>
+          <p:cNvSpPr txBox="1">
+            <a:spLocks noGrp="1"/>
+          </p:cNvSpPr>
           <p:nvPr>
-            <p:ph idx="1" type="body"/>
+            <p:ph type="body" idx="1"/>
           </p:nvPr>
         </p:nvSpPr>
         <p:spPr>
@@ -1276,23 +1331,20 @@
           </a:prstGeom>
         </p:spPr>
         <p:txBody>
-          <a:bodyPr anchorCtr="0" anchor="t" bIns="91425" lIns="91425" spcFirstLastPara="1" rIns="91425" wrap="square" tIns="91425">
+          <a:bodyPr spcFirstLastPara="1" wrap="square" lIns="91425" tIns="91425" rIns="91425" bIns="91425" anchor="t" anchorCtr="0">
             <a:noAutofit/>
           </a:bodyPr>
           <a:lstStyle/>
           <a:p>
-            <a:pPr indent="0" lvl="0" marL="0" rtl="0" algn="l">
-              <a:spcBef>
-                <a:spcPts val="0"/>
-              </a:spcBef>
-              <a:spcAft>
-                <a:spcPts val="0"/>
-              </a:spcAft>
-              <a:buNone/>
-            </a:pPr>
-            <a:r>
-              <a:t/>
-            </a:r>
+            <a:pPr marL="0" lvl="0" indent="0" algn="l" rtl="0">
+              <a:spcBef>
+                <a:spcPts val="0"/>
+              </a:spcBef>
+              <a:spcAft>
+                <a:spcPts val="0"/>
+              </a:spcAft>
+              <a:buNone/>
+            </a:pPr>
             <a:endParaRPr/>
           </a:p>
         </p:txBody>
@@ -1306,11 +1358,11 @@
 </file>
 
 <file path=ppt/notesSlides/notesSlide2.xml><?xml version="1.0" encoding="utf-8"?>
-<p:notes xmlns:a="http://schemas.openxmlformats.org/drawingml/2006/main" xmlns:r="http://schemas.openxmlformats.org/officeDocument/2006/relationships" xmlns:mc="http://schemas.openxmlformats.org/markup-compatibility/2006" xmlns:mv="urn:schemas-microsoft-com:mac:vml" xmlns:p="http://schemas.openxmlformats.org/presentationml/2006/main" xmlns:c="http://schemas.openxmlformats.org/drawingml/2006/chart" xmlns:dgm="http://schemas.openxmlformats.org/drawingml/2006/diagram" xmlns:o="urn:schemas-microsoft-com:office:office" xmlns:v="urn:schemas-microsoft-com:vml" xmlns:pvml="urn:schemas-microsoft-com:office:powerpoint" xmlns:com="http://schemas.openxmlformats.org/drawingml/2006/compatibility" xmlns:p14="http://schemas.microsoft.com/office/powerpoint/2010/main" xmlns:p15="http://schemas.microsoft.com/office/powerpoint/2012/main" showMasterPhAnim="0" showMasterSp="0">
+<p:notes xmlns:a="http://schemas.openxmlformats.org/drawingml/2006/main" xmlns:r="http://schemas.openxmlformats.org/officeDocument/2006/relationships" xmlns:p="http://schemas.openxmlformats.org/presentationml/2006/main" showMasterSp="0" showMasterPhAnim="0">
   <p:cSld>
     <p:spTree>
       <p:nvGrpSpPr>
-        <p:cNvPr id="68" name="Shape 68"/>
+        <p:cNvPr id="1" name="Shape 68"/>
         <p:cNvGrpSpPr/>
         <p:nvPr/>
       </p:nvGrpSpPr>
@@ -1325,9 +1377,11 @@
       <p:sp>
         <p:nvSpPr>
           <p:cNvPr id="69" name="Google Shape;69;g5849337eb0_0_0:notes"/>
-          <p:cNvSpPr/>
+          <p:cNvSpPr>
+            <a:spLocks noGrp="1" noRot="1" noChangeAspect="1"/>
+          </p:cNvSpPr>
           <p:nvPr>
-            <p:ph idx="2" type="sldImg"/>
+            <p:ph type="sldImg" idx="2"/>
           </p:nvPr>
         </p:nvSpPr>
         <p:spPr>
@@ -1336,9 +1390,13 @@
             <a:ext cx="6096000" cy="3429000"/>
           </a:xfrm>
           <a:custGeom>
-            <a:rect b="b" l="l" r="r" t="t"/>
+            <a:avLst/>
+            <a:gdLst/>
+            <a:ahLst/>
+            <a:cxnLst/>
+            <a:rect l="l" t="t" r="r" b="b"/>
             <a:pathLst>
-              <a:path extrusionOk="0" h="120000" w="120000">
+              <a:path w="120000" h="120000" extrusionOk="0">
                 <a:moveTo>
                   <a:pt x="0" y="0"/>
                 </a:moveTo>
@@ -1360,9 +1418,11 @@
       <p:sp>
         <p:nvSpPr>
           <p:cNvPr id="70" name="Google Shape;70;g5849337eb0_0_0:notes"/>
-          <p:cNvSpPr txBox="1"/>
+          <p:cNvSpPr txBox="1">
+            <a:spLocks noGrp="1"/>
+          </p:cNvSpPr>
           <p:nvPr>
-            <p:ph idx="1" type="body"/>
+            <p:ph type="body" idx="1"/>
           </p:nvPr>
         </p:nvSpPr>
         <p:spPr>
@@ -1375,23 +1435,20 @@
           </a:prstGeom>
         </p:spPr>
         <p:txBody>
-          <a:bodyPr anchorCtr="0" anchor="t" bIns="91425" lIns="91425" spcFirstLastPara="1" rIns="91425" wrap="square" tIns="91425">
+          <a:bodyPr spcFirstLastPara="1" wrap="square" lIns="91425" tIns="91425" rIns="91425" bIns="91425" anchor="t" anchorCtr="0">
             <a:noAutofit/>
           </a:bodyPr>
           <a:lstStyle/>
           <a:p>
-            <a:pPr indent="0" lvl="0" marL="0" rtl="0" algn="l">
-              <a:spcBef>
-                <a:spcPts val="0"/>
-              </a:spcBef>
-              <a:spcAft>
-                <a:spcPts val="0"/>
-              </a:spcAft>
-              <a:buNone/>
-            </a:pPr>
-            <a:r>
-              <a:t/>
-            </a:r>
+            <a:pPr marL="0" lvl="0" indent="0" algn="l" rtl="0">
+              <a:spcBef>
+                <a:spcPts val="0"/>
+              </a:spcBef>
+              <a:spcAft>
+                <a:spcPts val="0"/>
+              </a:spcAft>
+              <a:buNone/>
+            </a:pPr>
             <a:endParaRPr/>
           </a:p>
         </p:txBody>
@@ -1405,11 +1462,11 @@
 </file>
 
 <file path=ppt/notesSlides/notesSlide3.xml><?xml version="1.0" encoding="utf-8"?>
-<p:notes xmlns:a="http://schemas.openxmlformats.org/drawingml/2006/main" xmlns:r="http://schemas.openxmlformats.org/officeDocument/2006/relationships" xmlns:mc="http://schemas.openxmlformats.org/markup-compatibility/2006" xmlns:mv="urn:schemas-microsoft-com:mac:vml" xmlns:p="http://schemas.openxmlformats.org/presentationml/2006/main" xmlns:c="http://schemas.openxmlformats.org/drawingml/2006/chart" xmlns:dgm="http://schemas.openxmlformats.org/drawingml/2006/diagram" xmlns:o="urn:schemas-microsoft-com:office:office" xmlns:v="urn:schemas-microsoft-com:vml" xmlns:pvml="urn:schemas-microsoft-com:office:powerpoint" xmlns:com="http://schemas.openxmlformats.org/drawingml/2006/compatibility" xmlns:p14="http://schemas.microsoft.com/office/powerpoint/2010/main" xmlns:p15="http://schemas.microsoft.com/office/powerpoint/2012/main" showMasterPhAnim="0" showMasterSp="0">
+<p:notes xmlns:a="http://schemas.openxmlformats.org/drawingml/2006/main" xmlns:r="http://schemas.openxmlformats.org/officeDocument/2006/relationships" xmlns:p="http://schemas.openxmlformats.org/presentationml/2006/main" showMasterSp="0" showMasterPhAnim="0">
   <p:cSld>
     <p:spTree>
       <p:nvGrpSpPr>
-        <p:cNvPr id="75" name="Shape 75"/>
+        <p:cNvPr id="1" name="Shape 75"/>
         <p:cNvGrpSpPr/>
         <p:nvPr/>
       </p:nvGrpSpPr>
@@ -1424,20 +1481,26 @@
       <p:sp>
         <p:nvSpPr>
           <p:cNvPr id="76" name="Google Shape;76;g5849337eb0_0_6:notes"/>
-          <p:cNvSpPr/>
+          <p:cNvSpPr>
+            <a:spLocks noGrp="1" noRot="1" noChangeAspect="1"/>
+          </p:cNvSpPr>
           <p:nvPr>
-            <p:ph idx="2" type="sldImg"/>
+            <p:ph type="sldImg" idx="2"/>
           </p:nvPr>
         </p:nvSpPr>
         <p:spPr>
           <a:xfrm>
-            <a:off x="381300" y="685800"/>
+            <a:off x="381000" y="685800"/>
             <a:ext cx="6096000" cy="3429000"/>
           </a:xfrm>
           <a:custGeom>
-            <a:rect b="b" l="l" r="r" t="t"/>
+            <a:avLst/>
+            <a:gdLst/>
+            <a:ahLst/>
+            <a:cxnLst/>
+            <a:rect l="l" t="t" r="r" b="b"/>
             <a:pathLst>
-              <a:path extrusionOk="0" h="120000" w="120000">
+              <a:path w="120000" h="120000" extrusionOk="0">
                 <a:moveTo>
                   <a:pt x="0" y="0"/>
                 </a:moveTo>
@@ -1459,9 +1522,11 @@
       <p:sp>
         <p:nvSpPr>
           <p:cNvPr id="77" name="Google Shape;77;g5849337eb0_0_6:notes"/>
-          <p:cNvSpPr txBox="1"/>
+          <p:cNvSpPr txBox="1">
+            <a:spLocks noGrp="1"/>
+          </p:cNvSpPr>
           <p:nvPr>
-            <p:ph idx="1" type="body"/>
+            <p:ph type="body" idx="1"/>
           </p:nvPr>
         </p:nvSpPr>
         <p:spPr>
@@ -1474,23 +1539,20 @@
           </a:prstGeom>
         </p:spPr>
         <p:txBody>
-          <a:bodyPr anchorCtr="0" anchor="t" bIns="91425" lIns="91425" spcFirstLastPara="1" rIns="91425" wrap="square" tIns="91425">
+          <a:bodyPr spcFirstLastPara="1" wrap="square" lIns="91425" tIns="91425" rIns="91425" bIns="91425" anchor="t" anchorCtr="0">
             <a:noAutofit/>
           </a:bodyPr>
           <a:lstStyle/>
           <a:p>
-            <a:pPr indent="0" lvl="0" marL="0" rtl="0" algn="l">
-              <a:spcBef>
-                <a:spcPts val="0"/>
-              </a:spcBef>
-              <a:spcAft>
-                <a:spcPts val="0"/>
-              </a:spcAft>
-              <a:buNone/>
-            </a:pPr>
-            <a:r>
-              <a:t/>
-            </a:r>
+            <a:pPr marL="0" lvl="0" indent="0" algn="l" rtl="0">
+              <a:spcBef>
+                <a:spcPts val="0"/>
+              </a:spcBef>
+              <a:spcAft>
+                <a:spcPts val="0"/>
+              </a:spcAft>
+              <a:buNone/>
+            </a:pPr>
             <a:endParaRPr/>
           </a:p>
         </p:txBody>
@@ -1504,11 +1566,11 @@
 </file>
 
 <file path=ppt/notesSlides/notesSlide4.xml><?xml version="1.0" encoding="utf-8"?>
-<p:notes xmlns:a="http://schemas.openxmlformats.org/drawingml/2006/main" xmlns:r="http://schemas.openxmlformats.org/officeDocument/2006/relationships" xmlns:mc="http://schemas.openxmlformats.org/markup-compatibility/2006" xmlns:mv="urn:schemas-microsoft-com:mac:vml" xmlns:p="http://schemas.openxmlformats.org/presentationml/2006/main" xmlns:c="http://schemas.openxmlformats.org/drawingml/2006/chart" xmlns:dgm="http://schemas.openxmlformats.org/drawingml/2006/diagram" xmlns:o="urn:schemas-microsoft-com:office:office" xmlns:v="urn:schemas-microsoft-com:vml" xmlns:pvml="urn:schemas-microsoft-com:office:powerpoint" xmlns:com="http://schemas.openxmlformats.org/drawingml/2006/compatibility" xmlns:p14="http://schemas.microsoft.com/office/powerpoint/2010/main" xmlns:p15="http://schemas.microsoft.com/office/powerpoint/2012/main" showMasterPhAnim="0" showMasterSp="0">
+<p:notes xmlns:a="http://schemas.openxmlformats.org/drawingml/2006/main" xmlns:r="http://schemas.openxmlformats.org/officeDocument/2006/relationships" xmlns:p="http://schemas.openxmlformats.org/presentationml/2006/main" showMasterSp="0" showMasterPhAnim="0">
   <p:cSld>
     <p:spTree>
       <p:nvGrpSpPr>
-        <p:cNvPr id="80" name="Shape 80"/>
+        <p:cNvPr id="1" name="Shape 80"/>
         <p:cNvGrpSpPr/>
         <p:nvPr/>
       </p:nvGrpSpPr>
@@ -1523,9 +1585,11 @@
       <p:sp>
         <p:nvSpPr>
           <p:cNvPr id="81" name="Google Shape;81;g5849337eb0_0_10:notes"/>
-          <p:cNvSpPr/>
+          <p:cNvSpPr>
+            <a:spLocks noGrp="1" noRot="1" noChangeAspect="1"/>
+          </p:cNvSpPr>
           <p:nvPr>
-            <p:ph idx="2" type="sldImg"/>
+            <p:ph type="sldImg" idx="2"/>
           </p:nvPr>
         </p:nvSpPr>
         <p:spPr>
@@ -1534,9 +1598,13 @@
             <a:ext cx="6096000" cy="3429000"/>
           </a:xfrm>
           <a:custGeom>
-            <a:rect b="b" l="l" r="r" t="t"/>
+            <a:avLst/>
+            <a:gdLst/>
+            <a:ahLst/>
+            <a:cxnLst/>
+            <a:rect l="l" t="t" r="r" b="b"/>
             <a:pathLst>
-              <a:path extrusionOk="0" h="120000" w="120000">
+              <a:path w="120000" h="120000" extrusionOk="0">
                 <a:moveTo>
                   <a:pt x="0" y="0"/>
                 </a:moveTo>
@@ -1558,9 +1626,11 @@
       <p:sp>
         <p:nvSpPr>
           <p:cNvPr id="82" name="Google Shape;82;g5849337eb0_0_10:notes"/>
-          <p:cNvSpPr txBox="1"/>
+          <p:cNvSpPr txBox="1">
+            <a:spLocks noGrp="1"/>
+          </p:cNvSpPr>
           <p:nvPr>
-            <p:ph idx="1" type="body"/>
+            <p:ph type="body" idx="1"/>
           </p:nvPr>
         </p:nvSpPr>
         <p:spPr>
@@ -1573,23 +1643,20 @@
           </a:prstGeom>
         </p:spPr>
         <p:txBody>
-          <a:bodyPr anchorCtr="0" anchor="t" bIns="91425" lIns="91425" spcFirstLastPara="1" rIns="91425" wrap="square" tIns="91425">
+          <a:bodyPr spcFirstLastPara="1" wrap="square" lIns="91425" tIns="91425" rIns="91425" bIns="91425" anchor="t" anchorCtr="0">
             <a:noAutofit/>
           </a:bodyPr>
           <a:lstStyle/>
           <a:p>
-            <a:pPr indent="0" lvl="0" marL="0" rtl="0" algn="l">
-              <a:spcBef>
-                <a:spcPts val="0"/>
-              </a:spcBef>
-              <a:spcAft>
-                <a:spcPts val="0"/>
-              </a:spcAft>
-              <a:buNone/>
-            </a:pPr>
-            <a:r>
-              <a:t/>
-            </a:r>
+            <a:pPr marL="0" lvl="0" indent="0" algn="l" rtl="0">
+              <a:spcBef>
+                <a:spcPts val="0"/>
+              </a:spcBef>
+              <a:spcAft>
+                <a:spcPts val="0"/>
+              </a:spcAft>
+              <a:buNone/>
+            </a:pPr>
             <a:endParaRPr/>
           </a:p>
         </p:txBody>
@@ -1603,11 +1670,11 @@
 </file>
 
 <file path=ppt/notesSlides/notesSlide5.xml><?xml version="1.0" encoding="utf-8"?>
-<p:notes xmlns:a="http://schemas.openxmlformats.org/drawingml/2006/main" xmlns:r="http://schemas.openxmlformats.org/officeDocument/2006/relationships" xmlns:mc="http://schemas.openxmlformats.org/markup-compatibility/2006" xmlns:mv="urn:schemas-microsoft-com:mac:vml" xmlns:p="http://schemas.openxmlformats.org/presentationml/2006/main" xmlns:c="http://schemas.openxmlformats.org/drawingml/2006/chart" xmlns:dgm="http://schemas.openxmlformats.org/drawingml/2006/diagram" xmlns:o="urn:schemas-microsoft-com:office:office" xmlns:v="urn:schemas-microsoft-com:vml" xmlns:pvml="urn:schemas-microsoft-com:office:powerpoint" xmlns:com="http://schemas.openxmlformats.org/drawingml/2006/compatibility" xmlns:p14="http://schemas.microsoft.com/office/powerpoint/2010/main" xmlns:p15="http://schemas.microsoft.com/office/powerpoint/2012/main" showMasterPhAnim="0" showMasterSp="0">
+<p:notes xmlns:a="http://schemas.openxmlformats.org/drawingml/2006/main" xmlns:r="http://schemas.openxmlformats.org/officeDocument/2006/relationships" xmlns:p="http://schemas.openxmlformats.org/presentationml/2006/main" showMasterSp="0" showMasterPhAnim="0">
   <p:cSld>
     <p:spTree>
       <p:nvGrpSpPr>
-        <p:cNvPr id="87" name="Shape 87"/>
+        <p:cNvPr id="1" name="Shape 87"/>
         <p:cNvGrpSpPr/>
         <p:nvPr/>
       </p:nvGrpSpPr>
@@ -1622,9 +1689,11 @@
       <p:sp>
         <p:nvSpPr>
           <p:cNvPr id="88" name="Google Shape;88;g5849337eb0_0_16:notes"/>
-          <p:cNvSpPr/>
+          <p:cNvSpPr>
+            <a:spLocks noGrp="1" noRot="1" noChangeAspect="1"/>
+          </p:cNvSpPr>
           <p:nvPr>
-            <p:ph idx="2" type="sldImg"/>
+            <p:ph type="sldImg" idx="2"/>
           </p:nvPr>
         </p:nvSpPr>
         <p:spPr>
@@ -1633,9 +1702,13 @@
             <a:ext cx="6096000" cy="3429000"/>
           </a:xfrm>
           <a:custGeom>
-            <a:rect b="b" l="l" r="r" t="t"/>
+            <a:avLst/>
+            <a:gdLst/>
+            <a:ahLst/>
+            <a:cxnLst/>
+            <a:rect l="l" t="t" r="r" b="b"/>
             <a:pathLst>
-              <a:path extrusionOk="0" h="120000" w="120000">
+              <a:path w="120000" h="120000" extrusionOk="0">
                 <a:moveTo>
                   <a:pt x="0" y="0"/>
                 </a:moveTo>
@@ -1657,9 +1730,11 @@
       <p:sp>
         <p:nvSpPr>
           <p:cNvPr id="89" name="Google Shape;89;g5849337eb0_0_16:notes"/>
-          <p:cNvSpPr txBox="1"/>
+          <p:cNvSpPr txBox="1">
+            <a:spLocks noGrp="1"/>
+          </p:cNvSpPr>
           <p:nvPr>
-            <p:ph idx="1" type="body"/>
+            <p:ph type="body" idx="1"/>
           </p:nvPr>
         </p:nvSpPr>
         <p:spPr>
@@ -1672,23 +1747,20 @@
           </a:prstGeom>
         </p:spPr>
         <p:txBody>
-          <a:bodyPr anchorCtr="0" anchor="t" bIns="91425" lIns="91425" spcFirstLastPara="1" rIns="91425" wrap="square" tIns="91425">
+          <a:bodyPr spcFirstLastPara="1" wrap="square" lIns="91425" tIns="91425" rIns="91425" bIns="91425" anchor="t" anchorCtr="0">
             <a:noAutofit/>
           </a:bodyPr>
           <a:lstStyle/>
           <a:p>
-            <a:pPr indent="0" lvl="0" marL="0" rtl="0" algn="l">
-              <a:spcBef>
-                <a:spcPts val="0"/>
-              </a:spcBef>
-              <a:spcAft>
-                <a:spcPts val="0"/>
-              </a:spcAft>
-              <a:buNone/>
-            </a:pPr>
-            <a:r>
-              <a:t/>
-            </a:r>
+            <a:pPr marL="0" lvl="0" indent="0" algn="l" rtl="0">
+              <a:spcBef>
+                <a:spcPts val="0"/>
+              </a:spcBef>
+              <a:spcAft>
+                <a:spcPts val="0"/>
+              </a:spcAft>
+              <a:buNone/>
+            </a:pPr>
             <a:endParaRPr/>
           </a:p>
         </p:txBody>
@@ -1702,11 +1774,11 @@
 </file>
 
 <file path=ppt/notesSlides/notesSlide6.xml><?xml version="1.0" encoding="utf-8"?>
-<p:notes xmlns:a="http://schemas.openxmlformats.org/drawingml/2006/main" xmlns:r="http://schemas.openxmlformats.org/officeDocument/2006/relationships" xmlns:mc="http://schemas.openxmlformats.org/markup-compatibility/2006" xmlns:mv="urn:schemas-microsoft-com:mac:vml" xmlns:p="http://schemas.openxmlformats.org/presentationml/2006/main" xmlns:c="http://schemas.openxmlformats.org/drawingml/2006/chart" xmlns:dgm="http://schemas.openxmlformats.org/drawingml/2006/diagram" xmlns:o="urn:schemas-microsoft-com:office:office" xmlns:v="urn:schemas-microsoft-com:vml" xmlns:pvml="urn:schemas-microsoft-com:office:powerpoint" xmlns:com="http://schemas.openxmlformats.org/drawingml/2006/compatibility" xmlns:p14="http://schemas.microsoft.com/office/powerpoint/2010/main" xmlns:p15="http://schemas.microsoft.com/office/powerpoint/2012/main" showMasterPhAnim="0" showMasterSp="0">
+<p:notes xmlns:a="http://schemas.openxmlformats.org/drawingml/2006/main" xmlns:r="http://schemas.openxmlformats.org/officeDocument/2006/relationships" xmlns:p="http://schemas.openxmlformats.org/presentationml/2006/main" showMasterSp="0" showMasterPhAnim="0">
   <p:cSld>
     <p:spTree>
       <p:nvGrpSpPr>
-        <p:cNvPr id="92" name="Shape 92"/>
+        <p:cNvPr id="1" name="Shape 92"/>
         <p:cNvGrpSpPr/>
         <p:nvPr/>
       </p:nvGrpSpPr>
@@ -1721,9 +1793,11 @@
       <p:sp>
         <p:nvSpPr>
           <p:cNvPr id="93" name="Google Shape;93;g5849337eb0_0_26:notes"/>
-          <p:cNvSpPr/>
+          <p:cNvSpPr>
+            <a:spLocks noGrp="1" noRot="1" noChangeAspect="1"/>
+          </p:cNvSpPr>
           <p:nvPr>
-            <p:ph idx="2" type="sldImg"/>
+            <p:ph type="sldImg" idx="2"/>
           </p:nvPr>
         </p:nvSpPr>
         <p:spPr>
@@ -1732,9 +1806,13 @@
             <a:ext cx="6096000" cy="3429000"/>
           </a:xfrm>
           <a:custGeom>
-            <a:rect b="b" l="l" r="r" t="t"/>
+            <a:avLst/>
+            <a:gdLst/>
+            <a:ahLst/>
+            <a:cxnLst/>
+            <a:rect l="l" t="t" r="r" b="b"/>
             <a:pathLst>
-              <a:path extrusionOk="0" h="120000" w="120000">
+              <a:path w="120000" h="120000" extrusionOk="0">
                 <a:moveTo>
                   <a:pt x="0" y="0"/>
                 </a:moveTo>
@@ -1756,9 +1834,11 @@
       <p:sp>
         <p:nvSpPr>
           <p:cNvPr id="94" name="Google Shape;94;g5849337eb0_0_26:notes"/>
-          <p:cNvSpPr txBox="1"/>
+          <p:cNvSpPr txBox="1">
+            <a:spLocks noGrp="1"/>
+          </p:cNvSpPr>
           <p:nvPr>
-            <p:ph idx="1" type="body"/>
+            <p:ph type="body" idx="1"/>
           </p:nvPr>
         </p:nvSpPr>
         <p:spPr>
@@ -1771,23 +1851,20 @@
           </a:prstGeom>
         </p:spPr>
         <p:txBody>
-          <a:bodyPr anchorCtr="0" anchor="t" bIns="91425" lIns="91425" spcFirstLastPara="1" rIns="91425" wrap="square" tIns="91425">
+          <a:bodyPr spcFirstLastPara="1" wrap="square" lIns="91425" tIns="91425" rIns="91425" bIns="91425" anchor="t" anchorCtr="0">
             <a:noAutofit/>
           </a:bodyPr>
           <a:lstStyle/>
           <a:p>
-            <a:pPr indent="0" lvl="0" marL="0" rtl="0" algn="l">
-              <a:spcBef>
-                <a:spcPts val="0"/>
-              </a:spcBef>
-              <a:spcAft>
-                <a:spcPts val="0"/>
-              </a:spcAft>
-              <a:buNone/>
-            </a:pPr>
-            <a:r>
-              <a:t/>
-            </a:r>
+            <a:pPr marL="0" lvl="0" indent="0" algn="l" rtl="0">
+              <a:spcBef>
+                <a:spcPts val="0"/>
+              </a:spcBef>
+              <a:spcAft>
+                <a:spcPts val="0"/>
+              </a:spcAft>
+              <a:buNone/>
+            </a:pPr>
             <a:endParaRPr/>
           </a:p>
         </p:txBody>
@@ -1801,11 +1878,11 @@
 </file>
 
 <file path=ppt/notesSlides/notesSlide7.xml><?xml version="1.0" encoding="utf-8"?>
-<p:notes xmlns:a="http://schemas.openxmlformats.org/drawingml/2006/main" xmlns:r="http://schemas.openxmlformats.org/officeDocument/2006/relationships" xmlns:mc="http://schemas.openxmlformats.org/markup-compatibility/2006" xmlns:mv="urn:schemas-microsoft-com:mac:vml" xmlns:p="http://schemas.openxmlformats.org/presentationml/2006/main" xmlns:c="http://schemas.openxmlformats.org/drawingml/2006/chart" xmlns:dgm="http://schemas.openxmlformats.org/drawingml/2006/diagram" xmlns:o="urn:schemas-microsoft-com:office:office" xmlns:v="urn:schemas-microsoft-com:vml" xmlns:pvml="urn:schemas-microsoft-com:office:powerpoint" xmlns:com="http://schemas.openxmlformats.org/drawingml/2006/compatibility" xmlns:p14="http://schemas.microsoft.com/office/powerpoint/2010/main" xmlns:p15="http://schemas.microsoft.com/office/powerpoint/2012/main" showMasterPhAnim="0" showMasterSp="0">
+<p:notes xmlns:a="http://schemas.openxmlformats.org/drawingml/2006/main" xmlns:r="http://schemas.openxmlformats.org/officeDocument/2006/relationships" xmlns:p="http://schemas.openxmlformats.org/presentationml/2006/main" showMasterSp="0" showMasterPhAnim="0">
   <p:cSld>
     <p:spTree>
       <p:nvGrpSpPr>
-        <p:cNvPr id="100" name="Shape 100"/>
+        <p:cNvPr id="1" name="Shape 100"/>
         <p:cNvGrpSpPr/>
         <p:nvPr/>
       </p:nvGrpSpPr>
@@ -1820,9 +1897,11 @@
       <p:sp>
         <p:nvSpPr>
           <p:cNvPr id="101" name="Google Shape;101;g5849337eb0_0_33:notes"/>
-          <p:cNvSpPr/>
+          <p:cNvSpPr>
+            <a:spLocks noGrp="1" noRot="1" noChangeAspect="1"/>
+          </p:cNvSpPr>
           <p:nvPr>
-            <p:ph idx="2" type="sldImg"/>
+            <p:ph type="sldImg" idx="2"/>
           </p:nvPr>
         </p:nvSpPr>
         <p:spPr>
@@ -1831,9 +1910,13 @@
             <a:ext cx="6096000" cy="3429000"/>
           </a:xfrm>
           <a:custGeom>
-            <a:rect b="b" l="l" r="r" t="t"/>
+            <a:avLst/>
+            <a:gdLst/>
+            <a:ahLst/>
+            <a:cxnLst/>
+            <a:rect l="l" t="t" r="r" b="b"/>
             <a:pathLst>
-              <a:path extrusionOk="0" h="120000" w="120000">
+              <a:path w="120000" h="120000" extrusionOk="0">
                 <a:moveTo>
                   <a:pt x="0" y="0"/>
                 </a:moveTo>
@@ -1855,9 +1938,11 @@
       <p:sp>
         <p:nvSpPr>
           <p:cNvPr id="102" name="Google Shape;102;g5849337eb0_0_33:notes"/>
-          <p:cNvSpPr txBox="1"/>
+          <p:cNvSpPr txBox="1">
+            <a:spLocks noGrp="1"/>
+          </p:cNvSpPr>
           <p:nvPr>
-            <p:ph idx="1" type="body"/>
+            <p:ph type="body" idx="1"/>
           </p:nvPr>
         </p:nvSpPr>
         <p:spPr>
@@ -1870,23 +1955,20 @@
           </a:prstGeom>
         </p:spPr>
         <p:txBody>
-          <a:bodyPr anchorCtr="0" anchor="t" bIns="91425" lIns="91425" spcFirstLastPara="1" rIns="91425" wrap="square" tIns="91425">
+          <a:bodyPr spcFirstLastPara="1" wrap="square" lIns="91425" tIns="91425" rIns="91425" bIns="91425" anchor="t" anchorCtr="0">
             <a:noAutofit/>
           </a:bodyPr>
           <a:lstStyle/>
           <a:p>
-            <a:pPr indent="0" lvl="0" marL="0" rtl="0" algn="l">
-              <a:spcBef>
-                <a:spcPts val="0"/>
-              </a:spcBef>
-              <a:spcAft>
-                <a:spcPts val="0"/>
-              </a:spcAft>
-              <a:buNone/>
-            </a:pPr>
-            <a:r>
-              <a:t/>
-            </a:r>
+            <a:pPr marL="0" lvl="0" indent="0" algn="l" rtl="0">
+              <a:spcBef>
+                <a:spcPts val="0"/>
+              </a:spcBef>
+              <a:spcAft>
+                <a:spcPts val="0"/>
+              </a:spcAft>
+              <a:buNone/>
+            </a:pPr>
             <a:endParaRPr/>
           </a:p>
         </p:txBody>
@@ -1900,11 +1982,11 @@
 </file>
 
 <file path=ppt/notesSlides/notesSlide8.xml><?xml version="1.0" encoding="utf-8"?>
-<p:notes xmlns:a="http://schemas.openxmlformats.org/drawingml/2006/main" xmlns:r="http://schemas.openxmlformats.org/officeDocument/2006/relationships" xmlns:mc="http://schemas.openxmlformats.org/markup-compatibility/2006" xmlns:mv="urn:schemas-microsoft-com:mac:vml" xmlns:p="http://schemas.openxmlformats.org/presentationml/2006/main" xmlns:c="http://schemas.openxmlformats.org/drawingml/2006/chart" xmlns:dgm="http://schemas.openxmlformats.org/drawingml/2006/diagram" xmlns:o="urn:schemas-microsoft-com:office:office" xmlns:v="urn:schemas-microsoft-com:vml" xmlns:pvml="urn:schemas-microsoft-com:office:powerpoint" xmlns:com="http://schemas.openxmlformats.org/drawingml/2006/compatibility" xmlns:p14="http://schemas.microsoft.com/office/powerpoint/2010/main" xmlns:p15="http://schemas.microsoft.com/office/powerpoint/2012/main" showMasterPhAnim="0" showMasterSp="0">
+<p:notes xmlns:a="http://schemas.openxmlformats.org/drawingml/2006/main" xmlns:r="http://schemas.openxmlformats.org/officeDocument/2006/relationships" xmlns:p="http://schemas.openxmlformats.org/presentationml/2006/main" showMasterSp="0" showMasterPhAnim="0">
   <p:cSld>
     <p:spTree>
       <p:nvGrpSpPr>
-        <p:cNvPr id="108" name="Shape 108"/>
+        <p:cNvPr id="1" name="Shape 108"/>
         <p:cNvGrpSpPr/>
         <p:nvPr/>
       </p:nvGrpSpPr>
@@ -1919,9 +2001,11 @@
       <p:sp>
         <p:nvSpPr>
           <p:cNvPr id="109" name="Google Shape;109;g5849337eb0_0_20:notes"/>
-          <p:cNvSpPr/>
+          <p:cNvSpPr>
+            <a:spLocks noGrp="1" noRot="1" noChangeAspect="1"/>
+          </p:cNvSpPr>
           <p:nvPr>
-            <p:ph idx="2" type="sldImg"/>
+            <p:ph type="sldImg" idx="2"/>
           </p:nvPr>
         </p:nvSpPr>
         <p:spPr>
@@ -1930,9 +2014,13 @@
             <a:ext cx="6096000" cy="3429000"/>
           </a:xfrm>
           <a:custGeom>
-            <a:rect b="b" l="l" r="r" t="t"/>
+            <a:avLst/>
+            <a:gdLst/>
+            <a:ahLst/>
+            <a:cxnLst/>
+            <a:rect l="l" t="t" r="r" b="b"/>
             <a:pathLst>
-              <a:path extrusionOk="0" h="120000" w="120000">
+              <a:path w="120000" h="120000" extrusionOk="0">
                 <a:moveTo>
                   <a:pt x="0" y="0"/>
                 </a:moveTo>
@@ -1954,9 +2042,11 @@
       <p:sp>
         <p:nvSpPr>
           <p:cNvPr id="110" name="Google Shape;110;g5849337eb0_0_20:notes"/>
-          <p:cNvSpPr txBox="1"/>
+          <p:cNvSpPr txBox="1">
+            <a:spLocks noGrp="1"/>
+          </p:cNvSpPr>
           <p:nvPr>
-            <p:ph idx="1" type="body"/>
+            <p:ph type="body" idx="1"/>
           </p:nvPr>
         </p:nvSpPr>
         <p:spPr>
@@ -1969,23 +2059,20 @@
           </a:prstGeom>
         </p:spPr>
         <p:txBody>
-          <a:bodyPr anchorCtr="0" anchor="t" bIns="91425" lIns="91425" spcFirstLastPara="1" rIns="91425" wrap="square" tIns="91425">
+          <a:bodyPr spcFirstLastPara="1" wrap="square" lIns="91425" tIns="91425" rIns="91425" bIns="91425" anchor="t" anchorCtr="0">
             <a:noAutofit/>
           </a:bodyPr>
           <a:lstStyle/>
           <a:p>
-            <a:pPr indent="0" lvl="0" marL="0" rtl="0" algn="l">
-              <a:spcBef>
-                <a:spcPts val="0"/>
-              </a:spcBef>
-              <a:spcAft>
-                <a:spcPts val="0"/>
-              </a:spcAft>
-              <a:buNone/>
-            </a:pPr>
-            <a:r>
-              <a:t/>
-            </a:r>
+            <a:pPr marL="0" lvl="0" indent="0" algn="l" rtl="0">
+              <a:spcBef>
+                <a:spcPts val="0"/>
+              </a:spcBef>
+              <a:spcAft>
+                <a:spcPts val="0"/>
+              </a:spcAft>
+              <a:buNone/>
+            </a:pPr>
             <a:endParaRPr/>
           </a:p>
         </p:txBody>
@@ -1999,11 +2086,11 @@
 </file>
 
 <file path=ppt/notesSlides/notesSlide9.xml><?xml version="1.0" encoding="utf-8"?>
-<p:notes xmlns:a="http://schemas.openxmlformats.org/drawingml/2006/main" xmlns:r="http://schemas.openxmlformats.org/officeDocument/2006/relationships" xmlns:mc="http://schemas.openxmlformats.org/markup-compatibility/2006" xmlns:mv="urn:schemas-microsoft-com:mac:vml" xmlns:p="http://schemas.openxmlformats.org/presentationml/2006/main" xmlns:c="http://schemas.openxmlformats.org/drawingml/2006/chart" xmlns:dgm="http://schemas.openxmlformats.org/drawingml/2006/diagram" xmlns:o="urn:schemas-microsoft-com:office:office" xmlns:v="urn:schemas-microsoft-com:vml" xmlns:pvml="urn:schemas-microsoft-com:office:powerpoint" xmlns:com="http://schemas.openxmlformats.org/drawingml/2006/compatibility" xmlns:p14="http://schemas.microsoft.com/office/powerpoint/2010/main" xmlns:p15="http://schemas.microsoft.com/office/powerpoint/2012/main" showMasterPhAnim="0" showMasterSp="0">
+<p:notes xmlns:a="http://schemas.openxmlformats.org/drawingml/2006/main" xmlns:r="http://schemas.openxmlformats.org/officeDocument/2006/relationships" xmlns:p="http://schemas.openxmlformats.org/presentationml/2006/main" showMasterSp="0" showMasterPhAnim="0">
   <p:cSld>
     <p:spTree>
       <p:nvGrpSpPr>
-        <p:cNvPr id="116" name="Shape 116"/>
+        <p:cNvPr id="1" name="Shape 116"/>
         <p:cNvGrpSpPr/>
         <p:nvPr/>
       </p:nvGrpSpPr>
@@ -2018,9 +2105,11 @@
       <p:sp>
         <p:nvSpPr>
           <p:cNvPr id="117" name="Google Shape;117;g5849337eb0_0_41:notes"/>
-          <p:cNvSpPr/>
+          <p:cNvSpPr>
+            <a:spLocks noGrp="1" noRot="1" noChangeAspect="1"/>
+          </p:cNvSpPr>
           <p:nvPr>
-            <p:ph idx="2" type="sldImg"/>
+            <p:ph type="sldImg" idx="2"/>
           </p:nvPr>
         </p:nvSpPr>
         <p:spPr>
@@ -2029,9 +2118,13 @@
             <a:ext cx="6096000" cy="3429000"/>
           </a:xfrm>
           <a:custGeom>
-            <a:rect b="b" l="l" r="r" t="t"/>
+            <a:avLst/>
+            <a:gdLst/>
+            <a:ahLst/>
+            <a:cxnLst/>
+            <a:rect l="l" t="t" r="r" b="b"/>
             <a:pathLst>
-              <a:path extrusionOk="0" h="120000" w="120000">
+              <a:path w="120000" h="120000" extrusionOk="0">
                 <a:moveTo>
                   <a:pt x="0" y="0"/>
                 </a:moveTo>
@@ -2053,9 +2146,11 @@
       <p:sp>
         <p:nvSpPr>
           <p:cNvPr id="118" name="Google Shape;118;g5849337eb0_0_41:notes"/>
-          <p:cNvSpPr txBox="1"/>
+          <p:cNvSpPr txBox="1">
+            <a:spLocks noGrp="1"/>
+          </p:cNvSpPr>
           <p:nvPr>
-            <p:ph idx="1" type="body"/>
+            <p:ph type="body" idx="1"/>
           </p:nvPr>
         </p:nvSpPr>
         <p:spPr>
@@ -2068,23 +2163,20 @@
           </a:prstGeom>
         </p:spPr>
         <p:txBody>
-          <a:bodyPr anchorCtr="0" anchor="t" bIns="91425" lIns="91425" spcFirstLastPara="1" rIns="91425" wrap="square" tIns="91425">
+          <a:bodyPr spcFirstLastPara="1" wrap="square" lIns="91425" tIns="91425" rIns="91425" bIns="91425" anchor="t" anchorCtr="0">
             <a:noAutofit/>
           </a:bodyPr>
           <a:lstStyle/>
           <a:p>
-            <a:pPr indent="0" lvl="0" marL="0" rtl="0" algn="l">
-              <a:spcBef>
-                <a:spcPts val="0"/>
-              </a:spcBef>
-              <a:spcAft>
-                <a:spcPts val="0"/>
-              </a:spcAft>
-              <a:buNone/>
-            </a:pPr>
-            <a:r>
-              <a:t/>
-            </a:r>
+            <a:pPr marL="0" lvl="0" indent="0" algn="l" rtl="0">
+              <a:spcBef>
+                <a:spcPts val="0"/>
+              </a:spcBef>
+              <a:spcAft>
+                <a:spcPts val="0"/>
+              </a:spcAft>
+              <a:buNone/>
+            </a:pPr>
             <a:endParaRPr/>
           </a:p>
         </p:txBody>
@@ -2098,11 +2190,11 @@
 </file>
 
 <file path=ppt/slideLayouts/slideLayout1.xml><?xml version="1.0" encoding="utf-8"?>
-<p:sldLayout xmlns:a="http://schemas.openxmlformats.org/drawingml/2006/main" xmlns:r="http://schemas.openxmlformats.org/officeDocument/2006/relationships" xmlns:mc="http://schemas.openxmlformats.org/markup-compatibility/2006" xmlns:mv="urn:schemas-microsoft-com:mac:vml" xmlns:p="http://schemas.openxmlformats.org/presentationml/2006/main" xmlns:c="http://schemas.openxmlformats.org/drawingml/2006/chart" xmlns:dgm="http://schemas.openxmlformats.org/drawingml/2006/diagram" xmlns:o="urn:schemas-microsoft-com:office:office" xmlns:v="urn:schemas-microsoft-com:vml" xmlns:pvml="urn:schemas-microsoft-com:office:powerpoint" xmlns:com="http://schemas.openxmlformats.org/drawingml/2006/compatibility" xmlns:p14="http://schemas.microsoft.com/office/powerpoint/2010/main" xmlns:p15="http://schemas.microsoft.com/office/powerpoint/2012/main" matchingName="Title slide" type="title">
+<p:sldLayout xmlns:a="http://schemas.openxmlformats.org/drawingml/2006/main" xmlns:r="http://schemas.openxmlformats.org/officeDocument/2006/relationships" xmlns:p="http://schemas.openxmlformats.org/presentationml/2006/main" matchingName="Title slide" type="title">
   <p:cSld name="TITLE">
     <p:spTree>
       <p:nvGrpSpPr>
-        <p:cNvPr id="9" name="Shape 9"/>
+        <p:cNvPr id="1" name="Shape 9"/>
         <p:cNvGrpSpPr/>
         <p:nvPr/>
       </p:nvGrpSpPr>
@@ -2129,14 +2221,14 @@
             <a:avLst/>
           </a:prstGeom>
           <a:noFill/>
-          <a:ln cap="flat" cmpd="sng" w="76200">
+          <a:ln w="76200" cap="flat" cmpd="sng">
             <a:solidFill>
               <a:schemeClr val="lt2"/>
             </a:solidFill>
             <a:prstDash val="solid"/>
             <a:round/>
-            <a:headEnd len="sm" w="sm" type="none"/>
-            <a:tailEnd len="sm" w="sm" type="none"/>
+            <a:headEnd type="none" w="sm" len="sm"/>
+            <a:tailEnd type="none" w="sm" len="sm"/>
           </a:ln>
         </p:spPr>
       </p:cxnSp>
@@ -2155,14 +2247,14 @@
             <a:avLst/>
           </a:prstGeom>
           <a:noFill/>
-          <a:ln cap="flat" cmpd="sng" w="76200">
+          <a:ln w="76200" cap="flat" cmpd="sng">
             <a:solidFill>
               <a:schemeClr val="lt2"/>
             </a:solidFill>
             <a:prstDash val="solid"/>
             <a:round/>
-            <a:headEnd len="sm" w="sm" type="none"/>
-            <a:tailEnd len="sm" w="sm" type="none"/>
+            <a:headEnd type="none" w="sm" len="sm"/>
+            <a:tailEnd type="none" w="sm" len="sm"/>
           </a:ln>
         </p:spPr>
       </p:cxnSp>
@@ -2195,14 +2287,14 @@
               <a:avLst/>
             </a:prstGeom>
             <a:noFill/>
-            <a:ln cap="flat" cmpd="sng" w="76200">
+            <a:ln w="76200" cap="flat" cmpd="sng">
               <a:solidFill>
                 <a:schemeClr val="accent3"/>
               </a:solidFill>
               <a:prstDash val="solid"/>
               <a:round/>
-              <a:headEnd len="sm" w="sm" type="none"/>
-              <a:tailEnd len="sm" w="sm" type="none"/>
+              <a:headEnd type="none" w="sm" len="sm"/>
+              <a:tailEnd type="none" w="sm" len="sm"/>
             </a:ln>
           </p:spPr>
         </p:cxnSp>
@@ -2221,14 +2313,14 @@
               <a:avLst/>
             </a:prstGeom>
             <a:noFill/>
-            <a:ln cap="flat" cmpd="sng" w="9525">
+            <a:ln w="9525" cap="flat" cmpd="sng">
               <a:solidFill>
                 <a:schemeClr val="accent3"/>
               </a:solidFill>
               <a:prstDash val="solid"/>
               <a:round/>
-              <a:headEnd len="sm" w="sm" type="none"/>
-              <a:tailEnd len="sm" w="sm" type="none"/>
+              <a:headEnd type="none" w="sm" len="sm"/>
+              <a:tailEnd type="none" w="sm" len="sm"/>
             </a:ln>
           </p:spPr>
         </p:cxnSp>
@@ -2262,14 +2354,14 @@
               <a:avLst/>
             </a:prstGeom>
             <a:noFill/>
-            <a:ln cap="flat" cmpd="sng" w="76200">
+            <a:ln w="76200" cap="flat" cmpd="sng">
               <a:solidFill>
                 <a:schemeClr val="accent3"/>
               </a:solidFill>
               <a:prstDash val="solid"/>
               <a:round/>
-              <a:headEnd len="sm" w="sm" type="none"/>
-              <a:tailEnd len="sm" w="sm" type="none"/>
+              <a:headEnd type="none" w="sm" len="sm"/>
+              <a:tailEnd type="none" w="sm" len="sm"/>
             </a:ln>
           </p:spPr>
         </p:cxnSp>
@@ -2288,14 +2380,14 @@
               <a:avLst/>
             </a:prstGeom>
             <a:noFill/>
-            <a:ln cap="flat" cmpd="sng" w="9525">
+            <a:ln w="9525" cap="flat" cmpd="sng">
               <a:solidFill>
                 <a:schemeClr val="accent3"/>
               </a:solidFill>
               <a:prstDash val="solid"/>
               <a:round/>
-              <a:headEnd len="sm" w="sm" type="none"/>
-              <a:tailEnd len="sm" w="sm" type="none"/>
+              <a:headEnd type="none" w="sm" len="sm"/>
+              <a:tailEnd type="none" w="sm" len="sm"/>
             </a:ln>
           </p:spPr>
         </p:cxnSp>
@@ -2303,7 +2395,9 @@
       <p:sp>
         <p:nvSpPr>
           <p:cNvPr id="18" name="Google Shape;18;p2"/>
-          <p:cNvSpPr txBox="1"/>
+          <p:cNvSpPr txBox="1">
+            <a:spLocks noGrp="1"/>
+          </p:cNvSpPr>
           <p:nvPr>
             <p:ph type="ctrTitle"/>
           </p:nvPr>
@@ -2318,7 +2412,7 @@
           </a:prstGeom>
         </p:spPr>
         <p:txBody>
-          <a:bodyPr anchorCtr="0" anchor="b" bIns="91425" lIns="91425" spcFirstLastPara="1" rIns="91425" wrap="square" tIns="91425"/>
+          <a:bodyPr spcFirstLastPara="1" wrap="square" lIns="91425" tIns="91425" rIns="91425" bIns="91425" anchor="b" anchorCtr="0"/>
           <a:lstStyle>
             <a:lvl1pPr lvl="0" algn="ctr">
               <a:spcBef>
@@ -2420,15 +2514,19 @@
               <a:defRPr sz="5400"/>
             </a:lvl9pPr>
           </a:lstStyle>
-          <a:p/>
+          <a:p>
+            <a:endParaRPr/>
+          </a:p>
         </p:txBody>
       </p:sp>
       <p:sp>
         <p:nvSpPr>
           <p:cNvPr id="19" name="Google Shape;19;p2"/>
-          <p:cNvSpPr txBox="1"/>
+          <p:cNvSpPr txBox="1">
+            <a:spLocks noGrp="1"/>
+          </p:cNvSpPr>
           <p:nvPr>
-            <p:ph idx="1" type="subTitle"/>
+            <p:ph type="subTitle" idx="1"/>
           </p:nvPr>
         </p:nvSpPr>
         <p:spPr>
@@ -2441,7 +2539,7 @@
           </a:prstGeom>
         </p:spPr>
         <p:txBody>
-          <a:bodyPr anchorCtr="0" anchor="t" bIns="91425" lIns="91425" spcFirstLastPara="1" rIns="91425" wrap="square" tIns="91425"/>
+          <a:bodyPr spcFirstLastPara="1" wrap="square" lIns="91425" tIns="91425" rIns="91425" bIns="91425" anchor="t" anchorCtr="0"/>
           <a:lstStyle>
             <a:lvl1pPr lvl="0" algn="ctr">
               <a:lnSpc>
@@ -2570,15 +2668,19 @@
               <a:defRPr sz="2400"/>
             </a:lvl9pPr>
           </a:lstStyle>
-          <a:p/>
+          <a:p>
+            <a:endParaRPr/>
+          </a:p>
         </p:txBody>
       </p:sp>
       <p:sp>
         <p:nvSpPr>
           <p:cNvPr id="20" name="Google Shape;20;p2"/>
-          <p:cNvSpPr txBox="1"/>
+          <p:cNvSpPr txBox="1">
+            <a:spLocks noGrp="1"/>
+          </p:cNvSpPr>
           <p:nvPr>
-            <p:ph idx="12" type="sldNum"/>
+            <p:ph type="sldNum" idx="12"/>
           </p:nvPr>
         </p:nvSpPr>
         <p:spPr>
@@ -2591,7 +2693,7 @@
           </a:prstGeom>
         </p:spPr>
         <p:txBody>
-          <a:bodyPr anchorCtr="0" anchor="ctr" bIns="91425" lIns="91425" spcFirstLastPara="1" rIns="91425" wrap="square" tIns="91425">
+          <a:bodyPr spcFirstLastPara="1" wrap="square" lIns="91425" tIns="91425" rIns="91425" bIns="91425" anchor="ctr" anchorCtr="0">
             <a:noAutofit/>
           </a:bodyPr>
           <a:lstStyle>
@@ -2633,7 +2735,7 @@
             </a:lvl9pPr>
           </a:lstStyle>
           <a:p>
-            <a:pPr indent="0" lvl="0" marL="0" rtl="0" algn="r">
+            <a:pPr marL="0" lvl="0" indent="0" algn="r" rtl="0">
               <a:spcBef>
                 <a:spcPts val="0"/>
               </a:spcBef>
@@ -2659,11 +2761,11 @@
 </file>
 
 <file path=ppt/slideLayouts/slideLayout10.xml><?xml version="1.0" encoding="utf-8"?>
-<p:sldLayout xmlns:a="http://schemas.openxmlformats.org/drawingml/2006/main" xmlns:r="http://schemas.openxmlformats.org/officeDocument/2006/relationships" xmlns:mc="http://schemas.openxmlformats.org/markup-compatibility/2006" xmlns:mv="urn:schemas-microsoft-com:mac:vml" xmlns:p="http://schemas.openxmlformats.org/presentationml/2006/main" xmlns:c="http://schemas.openxmlformats.org/drawingml/2006/chart" xmlns:dgm="http://schemas.openxmlformats.org/drawingml/2006/diagram" xmlns:o="urn:schemas-microsoft-com:office:office" xmlns:v="urn:schemas-microsoft-com:vml" xmlns:pvml="urn:schemas-microsoft-com:office:powerpoint" xmlns:com="http://schemas.openxmlformats.org/drawingml/2006/compatibility" xmlns:p14="http://schemas.microsoft.com/office/powerpoint/2010/main" xmlns:p15="http://schemas.microsoft.com/office/powerpoint/2012/main" matchingName="Big number">
+<p:sldLayout xmlns:a="http://schemas.openxmlformats.org/drawingml/2006/main" xmlns:r="http://schemas.openxmlformats.org/officeDocument/2006/relationships" xmlns:p="http://schemas.openxmlformats.org/presentationml/2006/main" matchingName="Big number">
   <p:cSld name="BIG_NUMBER">
     <p:spTree>
       <p:nvGrpSpPr>
-        <p:cNvPr id="55" name="Shape 55"/>
+        <p:cNvPr id="1" name="Shape 55"/>
         <p:cNvGrpSpPr/>
         <p:nvPr/>
       </p:nvGrpSpPr>
@@ -2697,23 +2799,20 @@
           </a:ln>
         </p:spPr>
         <p:txBody>
-          <a:bodyPr anchorCtr="0" anchor="ctr" bIns="91425" lIns="91425" spcFirstLastPara="1" rIns="91425" wrap="square" tIns="91425">
+          <a:bodyPr spcFirstLastPara="1" wrap="square" lIns="91425" tIns="91425" rIns="91425" bIns="91425" anchor="ctr" anchorCtr="0">
             <a:noAutofit/>
           </a:bodyPr>
           <a:lstStyle/>
           <a:p>
-            <a:pPr indent="0" lvl="0" marL="0" rtl="0" algn="l">
-              <a:spcBef>
-                <a:spcPts val="0"/>
-              </a:spcBef>
-              <a:spcAft>
-                <a:spcPts val="0"/>
-              </a:spcAft>
-              <a:buNone/>
-            </a:pPr>
-            <a:r>
-              <a:t/>
-            </a:r>
+            <a:pPr marL="0" lvl="0" indent="0" algn="l" rtl="0">
+              <a:spcBef>
+                <a:spcPts val="0"/>
+              </a:spcBef>
+              <a:spcAft>
+                <a:spcPts val="0"/>
+              </a:spcAft>
+              <a:buNone/>
+            </a:pPr>
             <a:endParaRPr/>
           </a:p>
         </p:txBody>
@@ -2721,9 +2820,11 @@
       <p:sp>
         <p:nvSpPr>
           <p:cNvPr id="57" name="Google Shape;57;p11"/>
-          <p:cNvSpPr txBox="1"/>
+          <p:cNvSpPr txBox="1">
+            <a:spLocks noGrp="1"/>
+          </p:cNvSpPr>
           <p:nvPr>
-            <p:ph hasCustomPrompt="1" type="title"/>
+            <p:ph type="title" hasCustomPrompt="1"/>
           </p:nvPr>
         </p:nvSpPr>
         <p:spPr>
@@ -2736,7 +2837,7 @@
           </a:prstGeom>
         </p:spPr>
         <p:txBody>
-          <a:bodyPr anchorCtr="0" anchor="ctr" bIns="91425" lIns="91425" spcFirstLastPara="1" rIns="91425" wrap="square" tIns="91425"/>
+          <a:bodyPr spcFirstLastPara="1" wrap="square" lIns="91425" tIns="91425" rIns="91425" bIns="91425" anchor="ctr" anchorCtr="0"/>
           <a:lstStyle>
             <a:lvl1pPr lvl="0" algn="ctr">
               <a:spcBef>
@@ -2911,9 +3012,11 @@
       <p:sp>
         <p:nvSpPr>
           <p:cNvPr id="58" name="Google Shape;58;p11"/>
-          <p:cNvSpPr txBox="1"/>
+          <p:cNvSpPr txBox="1">
+            <a:spLocks noGrp="1"/>
+          </p:cNvSpPr>
           <p:nvPr>
-            <p:ph idx="1" type="body"/>
+            <p:ph type="body" idx="1"/>
           </p:nvPr>
         </p:nvSpPr>
         <p:spPr>
@@ -2926,9 +3029,9 @@
           </a:prstGeom>
         </p:spPr>
         <p:txBody>
-          <a:bodyPr anchorCtr="0" anchor="t" bIns="91425" lIns="91425" spcFirstLastPara="1" rIns="91425" wrap="square" tIns="91425"/>
+          <a:bodyPr spcFirstLastPara="1" wrap="square" lIns="91425" tIns="91425" rIns="91425" bIns="91425" anchor="t" anchorCtr="0"/>
           <a:lstStyle>
-            <a:lvl1pPr indent="-342900" lvl="0" marL="457200" algn="ctr">
+            <a:lvl1pPr marL="457200" lvl="0" indent="-342900" algn="ctr">
               <a:spcBef>
                 <a:spcPts val="0"/>
               </a:spcBef>
@@ -2939,7 +3042,7 @@
               <a:buChar char="●"/>
               <a:defRPr/>
             </a:lvl1pPr>
-            <a:lvl2pPr indent="-317500" lvl="1" marL="914400" algn="ctr">
+            <a:lvl2pPr marL="914400" lvl="1" indent="-317500" algn="ctr">
               <a:spcBef>
                 <a:spcPts val="1600"/>
               </a:spcBef>
@@ -2950,7 +3053,7 @@
               <a:buChar char="○"/>
               <a:defRPr/>
             </a:lvl2pPr>
-            <a:lvl3pPr indent="-317500" lvl="2" marL="1371600" algn="ctr">
+            <a:lvl3pPr marL="1371600" lvl="2" indent="-317500" algn="ctr">
               <a:spcBef>
                 <a:spcPts val="1600"/>
               </a:spcBef>
@@ -2961,7 +3064,7 @@
               <a:buChar char="■"/>
               <a:defRPr/>
             </a:lvl3pPr>
-            <a:lvl4pPr indent="-317500" lvl="3" marL="1828800" algn="ctr">
+            <a:lvl4pPr marL="1828800" lvl="3" indent="-317500" algn="ctr">
               <a:spcBef>
                 <a:spcPts val="1600"/>
               </a:spcBef>
@@ -2972,7 +3075,7 @@
               <a:buChar char="●"/>
               <a:defRPr/>
             </a:lvl4pPr>
-            <a:lvl5pPr indent="-317500" lvl="4" marL="2286000" algn="ctr">
+            <a:lvl5pPr marL="2286000" lvl="4" indent="-317500" algn="ctr">
               <a:spcBef>
                 <a:spcPts val="1600"/>
               </a:spcBef>
@@ -2983,7 +3086,7 @@
               <a:buChar char="○"/>
               <a:defRPr/>
             </a:lvl5pPr>
-            <a:lvl6pPr indent="-317500" lvl="5" marL="2743200" algn="ctr">
+            <a:lvl6pPr marL="2743200" lvl="5" indent="-317500" algn="ctr">
               <a:spcBef>
                 <a:spcPts val="1600"/>
               </a:spcBef>
@@ -2994,7 +3097,7 @@
               <a:buChar char="■"/>
               <a:defRPr/>
             </a:lvl6pPr>
-            <a:lvl7pPr indent="-317500" lvl="6" marL="3200400" algn="ctr">
+            <a:lvl7pPr marL="3200400" lvl="6" indent="-317500" algn="ctr">
               <a:spcBef>
                 <a:spcPts val="1600"/>
               </a:spcBef>
@@ -3005,7 +3108,7 @@
               <a:buChar char="●"/>
               <a:defRPr/>
             </a:lvl7pPr>
-            <a:lvl8pPr indent="-317500" lvl="7" marL="3657600" algn="ctr">
+            <a:lvl8pPr marL="3657600" lvl="7" indent="-317500" algn="ctr">
               <a:spcBef>
                 <a:spcPts val="1600"/>
               </a:spcBef>
@@ -3016,7 +3119,7 @@
               <a:buChar char="○"/>
               <a:defRPr/>
             </a:lvl8pPr>
-            <a:lvl9pPr indent="-317500" lvl="8" marL="4114800" algn="ctr">
+            <a:lvl9pPr marL="4114800" lvl="8" indent="-317500" algn="ctr">
               <a:spcBef>
                 <a:spcPts val="1600"/>
               </a:spcBef>
@@ -3028,15 +3131,19 @@
               <a:defRPr/>
             </a:lvl9pPr>
           </a:lstStyle>
-          <a:p/>
+          <a:p>
+            <a:endParaRPr/>
+          </a:p>
         </p:txBody>
       </p:sp>
       <p:sp>
         <p:nvSpPr>
           <p:cNvPr id="59" name="Google Shape;59;p11"/>
-          <p:cNvSpPr txBox="1"/>
+          <p:cNvSpPr txBox="1">
+            <a:spLocks noGrp="1"/>
+          </p:cNvSpPr>
           <p:nvPr>
-            <p:ph idx="12" type="sldNum"/>
+            <p:ph type="sldNum" idx="12"/>
           </p:nvPr>
         </p:nvSpPr>
         <p:spPr>
@@ -3049,7 +3156,7 @@
           </a:prstGeom>
         </p:spPr>
         <p:txBody>
-          <a:bodyPr anchorCtr="0" anchor="ctr" bIns="91425" lIns="91425" spcFirstLastPara="1" rIns="91425" wrap="square" tIns="91425">
+          <a:bodyPr spcFirstLastPara="1" wrap="square" lIns="91425" tIns="91425" rIns="91425" bIns="91425" anchor="ctr" anchorCtr="0">
             <a:noAutofit/>
           </a:bodyPr>
           <a:lstStyle>
@@ -3091,7 +3198,7 @@
             </a:lvl9pPr>
           </a:lstStyle>
           <a:p>
-            <a:pPr indent="0" lvl="0" marL="0" rtl="0" algn="r">
+            <a:pPr marL="0" lvl="0" indent="0" algn="r" rtl="0">
               <a:spcBef>
                 <a:spcPts val="0"/>
               </a:spcBef>
@@ -3117,11 +3224,11 @@
 </file>
 
 <file path=ppt/slideLayouts/slideLayout11.xml><?xml version="1.0" encoding="utf-8"?>
-<p:sldLayout xmlns:a="http://schemas.openxmlformats.org/drawingml/2006/main" xmlns:r="http://schemas.openxmlformats.org/officeDocument/2006/relationships" xmlns:mc="http://schemas.openxmlformats.org/markup-compatibility/2006" xmlns:mv="urn:schemas-microsoft-com:mac:vml" xmlns:p="http://schemas.openxmlformats.org/presentationml/2006/main" xmlns:c="http://schemas.openxmlformats.org/drawingml/2006/chart" xmlns:dgm="http://schemas.openxmlformats.org/drawingml/2006/diagram" xmlns:o="urn:schemas-microsoft-com:office:office" xmlns:v="urn:schemas-microsoft-com:vml" xmlns:pvml="urn:schemas-microsoft-com:office:powerpoint" xmlns:com="http://schemas.openxmlformats.org/drawingml/2006/compatibility" xmlns:p14="http://schemas.microsoft.com/office/powerpoint/2010/main" xmlns:p15="http://schemas.microsoft.com/office/powerpoint/2012/main" matchingName="Blank" type="blank">
+<p:sldLayout xmlns:a="http://schemas.openxmlformats.org/drawingml/2006/main" xmlns:r="http://schemas.openxmlformats.org/officeDocument/2006/relationships" xmlns:p="http://schemas.openxmlformats.org/presentationml/2006/main" matchingName="Blank" type="blank">
   <p:cSld name="BLANK">
     <p:spTree>
       <p:nvGrpSpPr>
-        <p:cNvPr id="60" name="Shape 60"/>
+        <p:cNvPr id="1" name="Shape 60"/>
         <p:cNvGrpSpPr/>
         <p:nvPr/>
       </p:nvGrpSpPr>
@@ -3136,9 +3243,11 @@
       <p:sp>
         <p:nvSpPr>
           <p:cNvPr id="61" name="Google Shape;61;p12"/>
-          <p:cNvSpPr txBox="1"/>
+          <p:cNvSpPr txBox="1">
+            <a:spLocks noGrp="1"/>
+          </p:cNvSpPr>
           <p:nvPr>
-            <p:ph idx="12" type="sldNum"/>
+            <p:ph type="sldNum" idx="12"/>
           </p:nvPr>
         </p:nvSpPr>
         <p:spPr>
@@ -3151,7 +3260,7 @@
           </a:prstGeom>
         </p:spPr>
         <p:txBody>
-          <a:bodyPr anchorCtr="0" anchor="ctr" bIns="91425" lIns="91425" spcFirstLastPara="1" rIns="91425" wrap="square" tIns="91425">
+          <a:bodyPr spcFirstLastPara="1" wrap="square" lIns="91425" tIns="91425" rIns="91425" bIns="91425" anchor="ctr" anchorCtr="0">
             <a:noAutofit/>
           </a:bodyPr>
           <a:lstStyle>
@@ -3193,7 +3302,7 @@
             </a:lvl9pPr>
           </a:lstStyle>
           <a:p>
-            <a:pPr indent="0" lvl="0" marL="0" rtl="0" algn="r">
+            <a:pPr marL="0" lvl="0" indent="0" algn="r" rtl="0">
               <a:spcBef>
                 <a:spcPts val="0"/>
               </a:spcBef>
@@ -3219,11 +3328,11 @@
 </file>
 
 <file path=ppt/slideLayouts/slideLayout2.xml><?xml version="1.0" encoding="utf-8"?>
-<p:sldLayout xmlns:a="http://schemas.openxmlformats.org/drawingml/2006/main" xmlns:r="http://schemas.openxmlformats.org/officeDocument/2006/relationships" xmlns:mc="http://schemas.openxmlformats.org/markup-compatibility/2006" xmlns:mv="urn:schemas-microsoft-com:mac:vml" xmlns:p="http://schemas.openxmlformats.org/presentationml/2006/main" xmlns:c="http://schemas.openxmlformats.org/drawingml/2006/chart" xmlns:dgm="http://schemas.openxmlformats.org/drawingml/2006/diagram" xmlns:o="urn:schemas-microsoft-com:office:office" xmlns:v="urn:schemas-microsoft-com:vml" xmlns:pvml="urn:schemas-microsoft-com:office:powerpoint" xmlns:com="http://schemas.openxmlformats.org/drawingml/2006/compatibility" xmlns:p14="http://schemas.microsoft.com/office/powerpoint/2010/main" xmlns:p15="http://schemas.microsoft.com/office/powerpoint/2012/main" matchingName="Section header" type="secHead">
+<p:sldLayout xmlns:a="http://schemas.openxmlformats.org/drawingml/2006/main" xmlns:r="http://schemas.openxmlformats.org/officeDocument/2006/relationships" xmlns:p="http://schemas.openxmlformats.org/presentationml/2006/main" matchingName="Section header" type="secHead">
   <p:cSld name="SECTION_HEADER">
     <p:spTree>
       <p:nvGrpSpPr>
-        <p:cNvPr id="21" name="Shape 21"/>
+        <p:cNvPr id="1" name="Shape 21"/>
         <p:cNvGrpSpPr/>
         <p:nvPr/>
       </p:nvGrpSpPr>
@@ -3257,23 +3366,20 @@
           </a:ln>
         </p:spPr>
         <p:txBody>
-          <a:bodyPr anchorCtr="0" anchor="ctr" bIns="91425" lIns="91425" spcFirstLastPara="1" rIns="91425" wrap="square" tIns="91425">
+          <a:bodyPr spcFirstLastPara="1" wrap="square" lIns="91425" tIns="91425" rIns="91425" bIns="91425" anchor="ctr" anchorCtr="0">
             <a:noAutofit/>
           </a:bodyPr>
           <a:lstStyle/>
           <a:p>
-            <a:pPr indent="0" lvl="0" marL="0" rtl="0" algn="l">
-              <a:spcBef>
-                <a:spcPts val="0"/>
-              </a:spcBef>
-              <a:spcAft>
-                <a:spcPts val="0"/>
-              </a:spcAft>
-              <a:buNone/>
-            </a:pPr>
-            <a:r>
-              <a:t/>
-            </a:r>
+            <a:pPr marL="0" lvl="0" indent="0" algn="l" rtl="0">
+              <a:spcBef>
+                <a:spcPts val="0"/>
+              </a:spcBef>
+              <a:spcAft>
+                <a:spcPts val="0"/>
+              </a:spcAft>
+              <a:buNone/>
+            </a:pPr>
             <a:endParaRPr/>
           </a:p>
         </p:txBody>
@@ -3281,7 +3387,9 @@
       <p:sp>
         <p:nvSpPr>
           <p:cNvPr id="23" name="Google Shape;23;p3"/>
-          <p:cNvSpPr txBox="1"/>
+          <p:cNvSpPr txBox="1">
+            <a:spLocks noGrp="1"/>
+          </p:cNvSpPr>
           <p:nvPr>
             <p:ph type="title"/>
           </p:nvPr>
@@ -3296,7 +3404,7 @@
           </a:prstGeom>
         </p:spPr>
         <p:txBody>
-          <a:bodyPr anchorCtr="0" anchor="ctr" bIns="91425" lIns="91425" spcFirstLastPara="1" rIns="91425" wrap="square" tIns="91425"/>
+          <a:bodyPr spcFirstLastPara="1" wrap="square" lIns="91425" tIns="91425" rIns="91425" bIns="91425" anchor="ctr" anchorCtr="0"/>
           <a:lstStyle>
             <a:lvl1pPr lvl="0" algn="ctr">
               <a:spcBef>
@@ -3398,15 +3506,19 @@
               <a:defRPr/>
             </a:lvl9pPr>
           </a:lstStyle>
-          <a:p/>
+          <a:p>
+            <a:endParaRPr/>
+          </a:p>
         </p:txBody>
       </p:sp>
       <p:sp>
         <p:nvSpPr>
           <p:cNvPr id="24" name="Google Shape;24;p3"/>
-          <p:cNvSpPr txBox="1"/>
+          <p:cNvSpPr txBox="1">
+            <a:spLocks noGrp="1"/>
+          </p:cNvSpPr>
           <p:nvPr>
-            <p:ph idx="12" type="sldNum"/>
+            <p:ph type="sldNum" idx="12"/>
           </p:nvPr>
         </p:nvSpPr>
         <p:spPr>
@@ -3419,7 +3531,7 @@
           </a:prstGeom>
         </p:spPr>
         <p:txBody>
-          <a:bodyPr anchorCtr="0" anchor="ctr" bIns="91425" lIns="91425" spcFirstLastPara="1" rIns="91425" wrap="square" tIns="91425">
+          <a:bodyPr spcFirstLastPara="1" wrap="square" lIns="91425" tIns="91425" rIns="91425" bIns="91425" anchor="ctr" anchorCtr="0">
             <a:noAutofit/>
           </a:bodyPr>
           <a:lstStyle>
@@ -3497,7 +3609,7 @@
             </a:lvl9pPr>
           </a:lstStyle>
           <a:p>
-            <a:pPr indent="0" lvl="0" marL="0" rtl="0" algn="r">
+            <a:pPr marL="0" lvl="0" indent="0" algn="r" rtl="0">
               <a:spcBef>
                 <a:spcPts val="0"/>
               </a:spcBef>
@@ -3523,11 +3635,11 @@
 </file>
 
 <file path=ppt/slideLayouts/slideLayout3.xml><?xml version="1.0" encoding="utf-8"?>
-<p:sldLayout xmlns:a="http://schemas.openxmlformats.org/drawingml/2006/main" xmlns:r="http://schemas.openxmlformats.org/officeDocument/2006/relationships" xmlns:mc="http://schemas.openxmlformats.org/markup-compatibility/2006" xmlns:mv="urn:schemas-microsoft-com:mac:vml" xmlns:p="http://schemas.openxmlformats.org/presentationml/2006/main" xmlns:c="http://schemas.openxmlformats.org/drawingml/2006/chart" xmlns:dgm="http://schemas.openxmlformats.org/drawingml/2006/diagram" xmlns:o="urn:schemas-microsoft-com:office:office" xmlns:v="urn:schemas-microsoft-com:vml" xmlns:pvml="urn:schemas-microsoft-com:office:powerpoint" xmlns:com="http://schemas.openxmlformats.org/drawingml/2006/compatibility" xmlns:p14="http://schemas.microsoft.com/office/powerpoint/2010/main" xmlns:p15="http://schemas.microsoft.com/office/powerpoint/2012/main" matchingName="Title and body" type="tx">
+<p:sldLayout xmlns:a="http://schemas.openxmlformats.org/drawingml/2006/main" xmlns:r="http://schemas.openxmlformats.org/officeDocument/2006/relationships" xmlns:p="http://schemas.openxmlformats.org/presentationml/2006/main" matchingName="Title and body" type="tx">
   <p:cSld name="TITLE_AND_BODY">
     <p:spTree>
       <p:nvGrpSpPr>
-        <p:cNvPr id="25" name="Shape 25"/>
+        <p:cNvPr id="1" name="Shape 25"/>
         <p:cNvGrpSpPr/>
         <p:nvPr/>
       </p:nvGrpSpPr>
@@ -3561,23 +3673,20 @@
           </a:ln>
         </p:spPr>
         <p:txBody>
-          <a:bodyPr anchorCtr="0" anchor="ctr" bIns="91425" lIns="91425" spcFirstLastPara="1" rIns="91425" wrap="square" tIns="91425">
+          <a:bodyPr spcFirstLastPara="1" wrap="square" lIns="91425" tIns="91425" rIns="91425" bIns="91425" anchor="ctr" anchorCtr="0">
             <a:noAutofit/>
           </a:bodyPr>
           <a:lstStyle/>
           <a:p>
-            <a:pPr indent="0" lvl="0" marL="0" rtl="0" algn="l">
-              <a:spcBef>
-                <a:spcPts val="0"/>
-              </a:spcBef>
-              <a:spcAft>
-                <a:spcPts val="0"/>
-              </a:spcAft>
-              <a:buNone/>
-            </a:pPr>
-            <a:r>
-              <a:t/>
-            </a:r>
+            <a:pPr marL="0" lvl="0" indent="0" algn="l" rtl="0">
+              <a:spcBef>
+                <a:spcPts val="0"/>
+              </a:spcBef>
+              <a:spcAft>
+                <a:spcPts val="0"/>
+              </a:spcAft>
+              <a:buNone/>
+            </a:pPr>
             <a:endParaRPr/>
           </a:p>
         </p:txBody>
@@ -3585,7 +3694,9 @@
       <p:sp>
         <p:nvSpPr>
           <p:cNvPr id="27" name="Google Shape;27;p4"/>
-          <p:cNvSpPr txBox="1"/>
+          <p:cNvSpPr txBox="1">
+            <a:spLocks noGrp="1"/>
+          </p:cNvSpPr>
           <p:nvPr>
             <p:ph type="title"/>
           </p:nvPr>
@@ -3600,7 +3711,7 @@
           </a:prstGeom>
         </p:spPr>
         <p:txBody>
-          <a:bodyPr anchorCtr="0" anchor="t" bIns="91425" lIns="91425" spcFirstLastPara="1" rIns="91425" wrap="square" tIns="91425"/>
+          <a:bodyPr spcFirstLastPara="1" wrap="square" lIns="91425" tIns="91425" rIns="91425" bIns="91425" anchor="t" anchorCtr="0"/>
           <a:lstStyle>
             <a:lvl1pPr lvl="0">
               <a:spcBef>
@@ -3702,15 +3813,19 @@
               <a:defRPr/>
             </a:lvl9pPr>
           </a:lstStyle>
-          <a:p/>
+          <a:p>
+            <a:endParaRPr/>
+          </a:p>
         </p:txBody>
       </p:sp>
       <p:sp>
         <p:nvSpPr>
           <p:cNvPr id="28" name="Google Shape;28;p4"/>
-          <p:cNvSpPr txBox="1"/>
+          <p:cNvSpPr txBox="1">
+            <a:spLocks noGrp="1"/>
+          </p:cNvSpPr>
           <p:nvPr>
-            <p:ph idx="1" type="body"/>
+            <p:ph type="body" idx="1"/>
           </p:nvPr>
         </p:nvSpPr>
         <p:spPr>
@@ -3723,9 +3838,9 @@
           </a:prstGeom>
         </p:spPr>
         <p:txBody>
-          <a:bodyPr anchorCtr="0" anchor="t" bIns="91425" lIns="91425" spcFirstLastPara="1" rIns="91425" wrap="square" tIns="91425"/>
+          <a:bodyPr spcFirstLastPara="1" wrap="square" lIns="91425" tIns="91425" rIns="91425" bIns="91425" anchor="t" anchorCtr="0"/>
           <a:lstStyle>
-            <a:lvl1pPr indent="-342900" lvl="0" marL="457200">
+            <a:lvl1pPr marL="457200" lvl="0" indent="-342900">
               <a:spcBef>
                 <a:spcPts val="0"/>
               </a:spcBef>
@@ -3736,7 +3851,7 @@
               <a:buChar char="●"/>
               <a:defRPr/>
             </a:lvl1pPr>
-            <a:lvl2pPr indent="-317500" lvl="1" marL="914400">
+            <a:lvl2pPr marL="914400" lvl="1" indent="-317500">
               <a:spcBef>
                 <a:spcPts val="1600"/>
               </a:spcBef>
@@ -3747,7 +3862,7 @@
               <a:buChar char="○"/>
               <a:defRPr/>
             </a:lvl2pPr>
-            <a:lvl3pPr indent="-317500" lvl="2" marL="1371600">
+            <a:lvl3pPr marL="1371600" lvl="2" indent="-317500">
               <a:spcBef>
                 <a:spcPts val="1600"/>
               </a:spcBef>
@@ -3758,7 +3873,7 @@
               <a:buChar char="■"/>
               <a:defRPr/>
             </a:lvl3pPr>
-            <a:lvl4pPr indent="-317500" lvl="3" marL="1828800">
+            <a:lvl4pPr marL="1828800" lvl="3" indent="-317500">
               <a:spcBef>
                 <a:spcPts val="1600"/>
               </a:spcBef>
@@ -3769,7 +3884,7 @@
               <a:buChar char="●"/>
               <a:defRPr/>
             </a:lvl4pPr>
-            <a:lvl5pPr indent="-317500" lvl="4" marL="2286000">
+            <a:lvl5pPr marL="2286000" lvl="4" indent="-317500">
               <a:spcBef>
                 <a:spcPts val="1600"/>
               </a:spcBef>
@@ -3780,7 +3895,7 @@
               <a:buChar char="○"/>
               <a:defRPr/>
             </a:lvl5pPr>
-            <a:lvl6pPr indent="-317500" lvl="5" marL="2743200">
+            <a:lvl6pPr marL="2743200" lvl="5" indent="-317500">
               <a:spcBef>
                 <a:spcPts val="1600"/>
               </a:spcBef>
@@ -3791,7 +3906,7 @@
               <a:buChar char="■"/>
               <a:defRPr/>
             </a:lvl6pPr>
-            <a:lvl7pPr indent="-317500" lvl="6" marL="3200400">
+            <a:lvl7pPr marL="3200400" lvl="6" indent="-317500">
               <a:spcBef>
                 <a:spcPts val="1600"/>
               </a:spcBef>
@@ -3802,7 +3917,7 @@
               <a:buChar char="●"/>
               <a:defRPr/>
             </a:lvl7pPr>
-            <a:lvl8pPr indent="-317500" lvl="7" marL="3657600">
+            <a:lvl8pPr marL="3657600" lvl="7" indent="-317500">
               <a:spcBef>
                 <a:spcPts val="1600"/>
               </a:spcBef>
@@ -3813,7 +3928,7 @@
               <a:buChar char="○"/>
               <a:defRPr/>
             </a:lvl8pPr>
-            <a:lvl9pPr indent="-317500" lvl="8" marL="4114800">
+            <a:lvl9pPr marL="4114800" lvl="8" indent="-317500">
               <a:spcBef>
                 <a:spcPts val="1600"/>
               </a:spcBef>
@@ -3825,15 +3940,19 @@
               <a:defRPr/>
             </a:lvl9pPr>
           </a:lstStyle>
-          <a:p/>
+          <a:p>
+            <a:endParaRPr/>
+          </a:p>
         </p:txBody>
       </p:sp>
       <p:sp>
         <p:nvSpPr>
           <p:cNvPr id="29" name="Google Shape;29;p4"/>
-          <p:cNvSpPr txBox="1"/>
+          <p:cNvSpPr txBox="1">
+            <a:spLocks noGrp="1"/>
+          </p:cNvSpPr>
           <p:nvPr>
-            <p:ph idx="12" type="sldNum"/>
+            <p:ph type="sldNum" idx="12"/>
           </p:nvPr>
         </p:nvSpPr>
         <p:spPr>
@@ -3846,7 +3965,7 @@
           </a:prstGeom>
         </p:spPr>
         <p:txBody>
-          <a:bodyPr anchorCtr="0" anchor="ctr" bIns="91425" lIns="91425" spcFirstLastPara="1" rIns="91425" wrap="square" tIns="91425">
+          <a:bodyPr spcFirstLastPara="1" wrap="square" lIns="91425" tIns="91425" rIns="91425" bIns="91425" anchor="ctr" anchorCtr="0">
             <a:noAutofit/>
           </a:bodyPr>
           <a:lstStyle>
@@ -3888,7 +4007,7 @@
             </a:lvl9pPr>
           </a:lstStyle>
           <a:p>
-            <a:pPr indent="0" lvl="0" marL="0" rtl="0" algn="r">
+            <a:pPr marL="0" lvl="0" indent="0" algn="r" rtl="0">
               <a:spcBef>
                 <a:spcPts val="0"/>
               </a:spcBef>
@@ -3914,11 +4033,11 @@
 </file>
 
 <file path=ppt/slideLayouts/slideLayout4.xml><?xml version="1.0" encoding="utf-8"?>
-<p:sldLayout xmlns:a="http://schemas.openxmlformats.org/drawingml/2006/main" xmlns:r="http://schemas.openxmlformats.org/officeDocument/2006/relationships" xmlns:mc="http://schemas.openxmlformats.org/markup-compatibility/2006" xmlns:mv="urn:schemas-microsoft-com:mac:vml" xmlns:p="http://schemas.openxmlformats.org/presentationml/2006/main" xmlns:c="http://schemas.openxmlformats.org/drawingml/2006/chart" xmlns:dgm="http://schemas.openxmlformats.org/drawingml/2006/diagram" xmlns:o="urn:schemas-microsoft-com:office:office" xmlns:v="urn:schemas-microsoft-com:vml" xmlns:pvml="urn:schemas-microsoft-com:office:powerpoint" xmlns:com="http://schemas.openxmlformats.org/drawingml/2006/compatibility" xmlns:p14="http://schemas.microsoft.com/office/powerpoint/2010/main" xmlns:p15="http://schemas.microsoft.com/office/powerpoint/2012/main" matchingName="Title and two columns" type="twoColTx">
+<p:sldLayout xmlns:a="http://schemas.openxmlformats.org/drawingml/2006/main" xmlns:r="http://schemas.openxmlformats.org/officeDocument/2006/relationships" xmlns:p="http://schemas.openxmlformats.org/presentationml/2006/main" matchingName="Title and two columns" type="twoColTx">
   <p:cSld name="TITLE_AND_TWO_COLUMNS">
     <p:spTree>
       <p:nvGrpSpPr>
-        <p:cNvPr id="30" name="Shape 30"/>
+        <p:cNvPr id="1" name="Shape 30"/>
         <p:cNvGrpSpPr/>
         <p:nvPr/>
       </p:nvGrpSpPr>
@@ -3933,7 +4052,9 @@
       <p:sp>
         <p:nvSpPr>
           <p:cNvPr id="31" name="Google Shape;31;p5"/>
-          <p:cNvSpPr txBox="1"/>
+          <p:cNvSpPr txBox="1">
+            <a:spLocks noGrp="1"/>
+          </p:cNvSpPr>
           <p:nvPr>
             <p:ph type="title"/>
           </p:nvPr>
@@ -3948,7 +4069,7 @@
           </a:prstGeom>
         </p:spPr>
         <p:txBody>
-          <a:bodyPr anchorCtr="0" anchor="t" bIns="91425" lIns="91425" spcFirstLastPara="1" rIns="91425" wrap="square" tIns="91425"/>
+          <a:bodyPr spcFirstLastPara="1" wrap="square" lIns="91425" tIns="91425" rIns="91425" bIns="91425" anchor="t" anchorCtr="0"/>
           <a:lstStyle>
             <a:lvl1pPr lvl="0">
               <a:spcBef>
@@ -4050,15 +4171,19 @@
               <a:defRPr/>
             </a:lvl9pPr>
           </a:lstStyle>
-          <a:p/>
+          <a:p>
+            <a:endParaRPr/>
+          </a:p>
         </p:txBody>
       </p:sp>
       <p:sp>
         <p:nvSpPr>
           <p:cNvPr id="32" name="Google Shape;32;p5"/>
-          <p:cNvSpPr txBox="1"/>
+          <p:cNvSpPr txBox="1">
+            <a:spLocks noGrp="1"/>
+          </p:cNvSpPr>
           <p:nvPr>
-            <p:ph idx="1" type="body"/>
+            <p:ph type="body" idx="1"/>
           </p:nvPr>
         </p:nvSpPr>
         <p:spPr>
@@ -4071,9 +4196,9 @@
           </a:prstGeom>
         </p:spPr>
         <p:txBody>
-          <a:bodyPr anchorCtr="0" anchor="t" bIns="91425" lIns="91425" spcFirstLastPara="1" rIns="91425" wrap="square" tIns="91425"/>
+          <a:bodyPr spcFirstLastPara="1" wrap="square" lIns="91425" tIns="91425" rIns="91425" bIns="91425" anchor="t" anchorCtr="0"/>
           <a:lstStyle>
-            <a:lvl1pPr indent="-317500" lvl="0" marL="457200">
+            <a:lvl1pPr marL="457200" lvl="0" indent="-317500">
               <a:spcBef>
                 <a:spcPts val="0"/>
               </a:spcBef>
@@ -4084,7 +4209,7 @@
               <a:buChar char="●"/>
               <a:defRPr sz="1400"/>
             </a:lvl1pPr>
-            <a:lvl2pPr indent="-304800" lvl="1" marL="914400">
+            <a:lvl2pPr marL="914400" lvl="1" indent="-304800">
               <a:spcBef>
                 <a:spcPts val="1600"/>
               </a:spcBef>
@@ -4095,7 +4220,7 @@
               <a:buChar char="○"/>
               <a:defRPr sz="1200"/>
             </a:lvl2pPr>
-            <a:lvl3pPr indent="-304800" lvl="2" marL="1371600">
+            <a:lvl3pPr marL="1371600" lvl="2" indent="-304800">
               <a:spcBef>
                 <a:spcPts val="1600"/>
               </a:spcBef>
@@ -4106,7 +4231,7 @@
               <a:buChar char="■"/>
               <a:defRPr sz="1200"/>
             </a:lvl3pPr>
-            <a:lvl4pPr indent="-304800" lvl="3" marL="1828800">
+            <a:lvl4pPr marL="1828800" lvl="3" indent="-304800">
               <a:spcBef>
                 <a:spcPts val="1600"/>
               </a:spcBef>
@@ -4117,7 +4242,7 @@
               <a:buChar char="●"/>
               <a:defRPr sz="1200"/>
             </a:lvl4pPr>
-            <a:lvl5pPr indent="-304800" lvl="4" marL="2286000">
+            <a:lvl5pPr marL="2286000" lvl="4" indent="-304800">
               <a:spcBef>
                 <a:spcPts val="1600"/>
               </a:spcBef>
@@ -4128,7 +4253,7 @@
               <a:buChar char="○"/>
               <a:defRPr sz="1200"/>
             </a:lvl5pPr>
-            <a:lvl6pPr indent="-304800" lvl="5" marL="2743200">
+            <a:lvl6pPr marL="2743200" lvl="5" indent="-304800">
               <a:spcBef>
                 <a:spcPts val="1600"/>
               </a:spcBef>
@@ -4139,7 +4264,7 @@
               <a:buChar char="■"/>
               <a:defRPr sz="1200"/>
             </a:lvl6pPr>
-            <a:lvl7pPr indent="-304800" lvl="6" marL="3200400">
+            <a:lvl7pPr marL="3200400" lvl="6" indent="-304800">
               <a:spcBef>
                 <a:spcPts val="1600"/>
               </a:spcBef>
@@ -4150,7 +4275,7 @@
               <a:buChar char="●"/>
               <a:defRPr sz="1200"/>
             </a:lvl7pPr>
-            <a:lvl8pPr indent="-304800" lvl="7" marL="3657600">
+            <a:lvl8pPr marL="3657600" lvl="7" indent="-304800">
               <a:spcBef>
                 <a:spcPts val="1600"/>
               </a:spcBef>
@@ -4161,7 +4286,7 @@
               <a:buChar char="○"/>
               <a:defRPr sz="1200"/>
             </a:lvl8pPr>
-            <a:lvl9pPr indent="-304800" lvl="8" marL="4114800">
+            <a:lvl9pPr marL="4114800" lvl="8" indent="-304800">
               <a:spcBef>
                 <a:spcPts val="1600"/>
               </a:spcBef>
@@ -4173,15 +4298,19 @@
               <a:defRPr sz="1200"/>
             </a:lvl9pPr>
           </a:lstStyle>
-          <a:p/>
+          <a:p>
+            <a:endParaRPr/>
+          </a:p>
         </p:txBody>
       </p:sp>
       <p:sp>
         <p:nvSpPr>
           <p:cNvPr id="33" name="Google Shape;33;p5"/>
-          <p:cNvSpPr txBox="1"/>
+          <p:cNvSpPr txBox="1">
+            <a:spLocks noGrp="1"/>
+          </p:cNvSpPr>
           <p:nvPr>
-            <p:ph idx="2" type="body"/>
+            <p:ph type="body" idx="2"/>
           </p:nvPr>
         </p:nvSpPr>
         <p:spPr>
@@ -4194,9 +4323,9 @@
           </a:prstGeom>
         </p:spPr>
         <p:txBody>
-          <a:bodyPr anchorCtr="0" anchor="t" bIns="91425" lIns="91425" spcFirstLastPara="1" rIns="91425" wrap="square" tIns="91425"/>
+          <a:bodyPr spcFirstLastPara="1" wrap="square" lIns="91425" tIns="91425" rIns="91425" bIns="91425" anchor="t" anchorCtr="0"/>
           <a:lstStyle>
-            <a:lvl1pPr indent="-317500" lvl="0" marL="457200">
+            <a:lvl1pPr marL="457200" lvl="0" indent="-317500">
               <a:spcBef>
                 <a:spcPts val="0"/>
               </a:spcBef>
@@ -4207,7 +4336,7 @@
               <a:buChar char="●"/>
               <a:defRPr sz="1400"/>
             </a:lvl1pPr>
-            <a:lvl2pPr indent="-304800" lvl="1" marL="914400">
+            <a:lvl2pPr marL="914400" lvl="1" indent="-304800">
               <a:spcBef>
                 <a:spcPts val="1600"/>
               </a:spcBef>
@@ -4218,7 +4347,7 @@
               <a:buChar char="○"/>
               <a:defRPr sz="1200"/>
             </a:lvl2pPr>
-            <a:lvl3pPr indent="-304800" lvl="2" marL="1371600">
+            <a:lvl3pPr marL="1371600" lvl="2" indent="-304800">
               <a:spcBef>
                 <a:spcPts val="1600"/>
               </a:spcBef>
@@ -4229,7 +4358,7 @@
               <a:buChar char="■"/>
               <a:defRPr sz="1200"/>
             </a:lvl3pPr>
-            <a:lvl4pPr indent="-304800" lvl="3" marL="1828800">
+            <a:lvl4pPr marL="1828800" lvl="3" indent="-304800">
               <a:spcBef>
                 <a:spcPts val="1600"/>
               </a:spcBef>
@@ -4240,7 +4369,7 @@
               <a:buChar char="●"/>
               <a:defRPr sz="1200"/>
             </a:lvl4pPr>
-            <a:lvl5pPr indent="-304800" lvl="4" marL="2286000">
+            <a:lvl5pPr marL="2286000" lvl="4" indent="-304800">
               <a:spcBef>
                 <a:spcPts val="1600"/>
               </a:spcBef>
@@ -4251,7 +4380,7 @@
               <a:buChar char="○"/>
               <a:defRPr sz="1200"/>
             </a:lvl5pPr>
-            <a:lvl6pPr indent="-304800" lvl="5" marL="2743200">
+            <a:lvl6pPr marL="2743200" lvl="5" indent="-304800">
               <a:spcBef>
                 <a:spcPts val="1600"/>
               </a:spcBef>
@@ -4262,7 +4391,7 @@
               <a:buChar char="■"/>
               <a:defRPr sz="1200"/>
             </a:lvl6pPr>
-            <a:lvl7pPr indent="-304800" lvl="6" marL="3200400">
+            <a:lvl7pPr marL="3200400" lvl="6" indent="-304800">
               <a:spcBef>
                 <a:spcPts val="1600"/>
               </a:spcBef>
@@ -4273,7 +4402,7 @@
               <a:buChar char="●"/>
               <a:defRPr sz="1200"/>
             </a:lvl7pPr>
-            <a:lvl8pPr indent="-304800" lvl="7" marL="3657600">
+            <a:lvl8pPr marL="3657600" lvl="7" indent="-304800">
               <a:spcBef>
                 <a:spcPts val="1600"/>
               </a:spcBef>
@@ -4284,7 +4413,7 @@
               <a:buChar char="○"/>
               <a:defRPr sz="1200"/>
             </a:lvl8pPr>
-            <a:lvl9pPr indent="-304800" lvl="8" marL="4114800">
+            <a:lvl9pPr marL="4114800" lvl="8" indent="-304800">
               <a:spcBef>
                 <a:spcPts val="1600"/>
               </a:spcBef>
@@ -4296,15 +4425,19 @@
               <a:defRPr sz="1200"/>
             </a:lvl9pPr>
           </a:lstStyle>
-          <a:p/>
+          <a:p>
+            <a:endParaRPr/>
+          </a:p>
         </p:txBody>
       </p:sp>
       <p:sp>
         <p:nvSpPr>
           <p:cNvPr id="34" name="Google Shape;34;p5"/>
-          <p:cNvSpPr txBox="1"/>
+          <p:cNvSpPr txBox="1">
+            <a:spLocks noGrp="1"/>
+          </p:cNvSpPr>
           <p:nvPr>
-            <p:ph idx="12" type="sldNum"/>
+            <p:ph type="sldNum" idx="12"/>
           </p:nvPr>
         </p:nvSpPr>
         <p:spPr>
@@ -4317,7 +4450,7 @@
           </a:prstGeom>
         </p:spPr>
         <p:txBody>
-          <a:bodyPr anchorCtr="0" anchor="ctr" bIns="91425" lIns="91425" spcFirstLastPara="1" rIns="91425" wrap="square" tIns="91425">
+          <a:bodyPr spcFirstLastPara="1" wrap="square" lIns="91425" tIns="91425" rIns="91425" bIns="91425" anchor="ctr" anchorCtr="0">
             <a:noAutofit/>
           </a:bodyPr>
           <a:lstStyle>
@@ -4359,7 +4492,7 @@
             </a:lvl9pPr>
           </a:lstStyle>
           <a:p>
-            <a:pPr indent="0" lvl="0" marL="0" rtl="0" algn="r">
+            <a:pPr marL="0" lvl="0" indent="0" algn="r" rtl="0">
               <a:spcBef>
                 <a:spcPts val="0"/>
               </a:spcBef>
@@ -4385,11 +4518,11 @@
 </file>
 
 <file path=ppt/slideLayouts/slideLayout5.xml><?xml version="1.0" encoding="utf-8"?>
-<p:sldLayout xmlns:a="http://schemas.openxmlformats.org/drawingml/2006/main" xmlns:r="http://schemas.openxmlformats.org/officeDocument/2006/relationships" xmlns:mc="http://schemas.openxmlformats.org/markup-compatibility/2006" xmlns:mv="urn:schemas-microsoft-com:mac:vml" xmlns:p="http://schemas.openxmlformats.org/presentationml/2006/main" xmlns:c="http://schemas.openxmlformats.org/drawingml/2006/chart" xmlns:dgm="http://schemas.openxmlformats.org/drawingml/2006/diagram" xmlns:o="urn:schemas-microsoft-com:office:office" xmlns:v="urn:schemas-microsoft-com:vml" xmlns:pvml="urn:schemas-microsoft-com:office:powerpoint" xmlns:com="http://schemas.openxmlformats.org/drawingml/2006/compatibility" xmlns:p14="http://schemas.microsoft.com/office/powerpoint/2010/main" xmlns:p15="http://schemas.microsoft.com/office/powerpoint/2012/main" matchingName="Title only" type="titleOnly">
+<p:sldLayout xmlns:a="http://schemas.openxmlformats.org/drawingml/2006/main" xmlns:r="http://schemas.openxmlformats.org/officeDocument/2006/relationships" xmlns:p="http://schemas.openxmlformats.org/presentationml/2006/main" matchingName="Title only" type="titleOnly">
   <p:cSld name="TITLE_ONLY">
     <p:spTree>
       <p:nvGrpSpPr>
-        <p:cNvPr id="35" name="Shape 35"/>
+        <p:cNvPr id="1" name="Shape 35"/>
         <p:cNvGrpSpPr/>
         <p:nvPr/>
       </p:nvGrpSpPr>
@@ -4404,7 +4537,9 @@
       <p:sp>
         <p:nvSpPr>
           <p:cNvPr id="36" name="Google Shape;36;p6"/>
-          <p:cNvSpPr txBox="1"/>
+          <p:cNvSpPr txBox="1">
+            <a:spLocks noGrp="1"/>
+          </p:cNvSpPr>
           <p:nvPr>
             <p:ph type="title"/>
           </p:nvPr>
@@ -4419,7 +4554,7 @@
           </a:prstGeom>
         </p:spPr>
         <p:txBody>
-          <a:bodyPr anchorCtr="0" anchor="t" bIns="91425" lIns="91425" spcFirstLastPara="1" rIns="91425" wrap="square" tIns="91425"/>
+          <a:bodyPr spcFirstLastPara="1" wrap="square" lIns="91425" tIns="91425" rIns="91425" bIns="91425" anchor="t" anchorCtr="0"/>
           <a:lstStyle>
             <a:lvl1pPr lvl="0">
               <a:spcBef>
@@ -4521,15 +4656,19 @@
               <a:defRPr/>
             </a:lvl9pPr>
           </a:lstStyle>
-          <a:p/>
+          <a:p>
+            <a:endParaRPr/>
+          </a:p>
         </p:txBody>
       </p:sp>
       <p:sp>
         <p:nvSpPr>
           <p:cNvPr id="37" name="Google Shape;37;p6"/>
-          <p:cNvSpPr txBox="1"/>
+          <p:cNvSpPr txBox="1">
+            <a:spLocks noGrp="1"/>
+          </p:cNvSpPr>
           <p:nvPr>
-            <p:ph idx="12" type="sldNum"/>
+            <p:ph type="sldNum" idx="12"/>
           </p:nvPr>
         </p:nvSpPr>
         <p:spPr>
@@ -4542,7 +4681,7 @@
           </a:prstGeom>
         </p:spPr>
         <p:txBody>
-          <a:bodyPr anchorCtr="0" anchor="ctr" bIns="91425" lIns="91425" spcFirstLastPara="1" rIns="91425" wrap="square" tIns="91425">
+          <a:bodyPr spcFirstLastPara="1" wrap="square" lIns="91425" tIns="91425" rIns="91425" bIns="91425" anchor="ctr" anchorCtr="0">
             <a:noAutofit/>
           </a:bodyPr>
           <a:lstStyle>
@@ -4584,7 +4723,7 @@
             </a:lvl9pPr>
           </a:lstStyle>
           <a:p>
-            <a:pPr indent="0" lvl="0" marL="0" rtl="0" algn="r">
+            <a:pPr marL="0" lvl="0" indent="0" algn="r" rtl="0">
               <a:spcBef>
                 <a:spcPts val="0"/>
               </a:spcBef>
@@ -4610,11 +4749,11 @@
 </file>
 
 <file path=ppt/slideLayouts/slideLayout6.xml><?xml version="1.0" encoding="utf-8"?>
-<p:sldLayout xmlns:a="http://schemas.openxmlformats.org/drawingml/2006/main" xmlns:r="http://schemas.openxmlformats.org/officeDocument/2006/relationships" xmlns:mc="http://schemas.openxmlformats.org/markup-compatibility/2006" xmlns:mv="urn:schemas-microsoft-com:mac:vml" xmlns:p="http://schemas.openxmlformats.org/presentationml/2006/main" xmlns:c="http://schemas.openxmlformats.org/drawingml/2006/chart" xmlns:dgm="http://schemas.openxmlformats.org/drawingml/2006/diagram" xmlns:o="urn:schemas-microsoft-com:office:office" xmlns:v="urn:schemas-microsoft-com:vml" xmlns:pvml="urn:schemas-microsoft-com:office:powerpoint" xmlns:com="http://schemas.openxmlformats.org/drawingml/2006/compatibility" xmlns:p14="http://schemas.microsoft.com/office/powerpoint/2010/main" xmlns:p15="http://schemas.microsoft.com/office/powerpoint/2012/main" matchingName="One column text">
+<p:sldLayout xmlns:a="http://schemas.openxmlformats.org/drawingml/2006/main" xmlns:r="http://schemas.openxmlformats.org/officeDocument/2006/relationships" xmlns:p="http://schemas.openxmlformats.org/presentationml/2006/main" matchingName="One column text">
   <p:cSld name="ONE_COLUMN_TEXT">
     <p:spTree>
       <p:nvGrpSpPr>
-        <p:cNvPr id="38" name="Shape 38"/>
+        <p:cNvPr id="1" name="Shape 38"/>
         <p:cNvGrpSpPr/>
         <p:nvPr/>
       </p:nvGrpSpPr>
@@ -4629,7 +4768,9 @@
       <p:sp>
         <p:nvSpPr>
           <p:cNvPr id="39" name="Google Shape;39;p7"/>
-          <p:cNvSpPr txBox="1"/>
+          <p:cNvSpPr txBox="1">
+            <a:spLocks noGrp="1"/>
+          </p:cNvSpPr>
           <p:nvPr>
             <p:ph type="title"/>
           </p:nvPr>
@@ -4644,7 +4785,7 @@
           </a:prstGeom>
         </p:spPr>
         <p:txBody>
-          <a:bodyPr anchorCtr="0" anchor="b" bIns="91425" lIns="91425" spcFirstLastPara="1" rIns="91425" wrap="square" tIns="91425"/>
+          <a:bodyPr spcFirstLastPara="1" wrap="square" lIns="91425" tIns="91425" rIns="91425" bIns="91425" anchor="b" anchorCtr="0"/>
           <a:lstStyle>
             <a:lvl1pPr lvl="0">
               <a:spcBef>
@@ -4746,15 +4887,19 @@
               <a:defRPr sz="2400"/>
             </a:lvl9pPr>
           </a:lstStyle>
-          <a:p/>
+          <a:p>
+            <a:endParaRPr/>
+          </a:p>
         </p:txBody>
       </p:sp>
       <p:sp>
         <p:nvSpPr>
           <p:cNvPr id="40" name="Google Shape;40;p7"/>
-          <p:cNvSpPr txBox="1"/>
+          <p:cNvSpPr txBox="1">
+            <a:spLocks noGrp="1"/>
+          </p:cNvSpPr>
           <p:nvPr>
-            <p:ph idx="1" type="body"/>
+            <p:ph type="body" idx="1"/>
           </p:nvPr>
         </p:nvSpPr>
         <p:spPr>
@@ -4767,9 +4912,9 @@
           </a:prstGeom>
         </p:spPr>
         <p:txBody>
-          <a:bodyPr anchorCtr="0" anchor="t" bIns="91425" lIns="91425" spcFirstLastPara="1" rIns="91425" wrap="square" tIns="91425"/>
+          <a:bodyPr spcFirstLastPara="1" wrap="square" lIns="91425" tIns="91425" rIns="91425" bIns="91425" anchor="t" anchorCtr="0"/>
           <a:lstStyle>
-            <a:lvl1pPr indent="-304800" lvl="0" marL="457200">
+            <a:lvl1pPr marL="457200" lvl="0" indent="-304800">
               <a:spcBef>
                 <a:spcPts val="0"/>
               </a:spcBef>
@@ -4780,7 +4925,7 @@
               <a:buChar char="●"/>
               <a:defRPr sz="1200"/>
             </a:lvl1pPr>
-            <a:lvl2pPr indent="-304800" lvl="1" marL="914400">
+            <a:lvl2pPr marL="914400" lvl="1" indent="-304800">
               <a:spcBef>
                 <a:spcPts val="1600"/>
               </a:spcBef>
@@ -4791,7 +4936,7 @@
               <a:buChar char="○"/>
               <a:defRPr sz="1200"/>
             </a:lvl2pPr>
-            <a:lvl3pPr indent="-304800" lvl="2" marL="1371600">
+            <a:lvl3pPr marL="1371600" lvl="2" indent="-304800">
               <a:spcBef>
                 <a:spcPts val="1600"/>
               </a:spcBef>
@@ -4802,7 +4947,7 @@
               <a:buChar char="■"/>
               <a:defRPr sz="1200"/>
             </a:lvl3pPr>
-            <a:lvl4pPr indent="-304800" lvl="3" marL="1828800">
+            <a:lvl4pPr marL="1828800" lvl="3" indent="-304800">
               <a:spcBef>
                 <a:spcPts val="1600"/>
               </a:spcBef>
@@ -4813,7 +4958,7 @@
               <a:buChar char="●"/>
               <a:defRPr sz="1200"/>
             </a:lvl4pPr>
-            <a:lvl5pPr indent="-304800" lvl="4" marL="2286000">
+            <a:lvl5pPr marL="2286000" lvl="4" indent="-304800">
               <a:spcBef>
                 <a:spcPts val="1600"/>
               </a:spcBef>
@@ -4824,7 +4969,7 @@
               <a:buChar char="○"/>
               <a:defRPr sz="1200"/>
             </a:lvl5pPr>
-            <a:lvl6pPr indent="-304800" lvl="5" marL="2743200">
+            <a:lvl6pPr marL="2743200" lvl="5" indent="-304800">
               <a:spcBef>
                 <a:spcPts val="1600"/>
               </a:spcBef>
@@ -4835,7 +4980,7 @@
               <a:buChar char="■"/>
               <a:defRPr sz="1200"/>
             </a:lvl6pPr>
-            <a:lvl7pPr indent="-304800" lvl="6" marL="3200400">
+            <a:lvl7pPr marL="3200400" lvl="6" indent="-304800">
               <a:spcBef>
                 <a:spcPts val="1600"/>
               </a:spcBef>
@@ -4846,7 +4991,7 @@
               <a:buChar char="●"/>
               <a:defRPr sz="1200"/>
             </a:lvl7pPr>
-            <a:lvl8pPr indent="-304800" lvl="7" marL="3657600">
+            <a:lvl8pPr marL="3657600" lvl="7" indent="-304800">
               <a:spcBef>
                 <a:spcPts val="1600"/>
               </a:spcBef>
@@ -4857,7 +5002,7 @@
               <a:buChar char="○"/>
               <a:defRPr sz="1200"/>
             </a:lvl8pPr>
-            <a:lvl9pPr indent="-304800" lvl="8" marL="4114800">
+            <a:lvl9pPr marL="4114800" lvl="8" indent="-304800">
               <a:spcBef>
                 <a:spcPts val="1600"/>
               </a:spcBef>
@@ -4869,15 +5014,19 @@
               <a:defRPr sz="1200"/>
             </a:lvl9pPr>
           </a:lstStyle>
-          <a:p/>
+          <a:p>
+            <a:endParaRPr/>
+          </a:p>
         </p:txBody>
       </p:sp>
       <p:sp>
         <p:nvSpPr>
           <p:cNvPr id="41" name="Google Shape;41;p7"/>
-          <p:cNvSpPr txBox="1"/>
+          <p:cNvSpPr txBox="1">
+            <a:spLocks noGrp="1"/>
+          </p:cNvSpPr>
           <p:nvPr>
-            <p:ph idx="12" type="sldNum"/>
+            <p:ph type="sldNum" idx="12"/>
           </p:nvPr>
         </p:nvSpPr>
         <p:spPr>
@@ -4890,7 +5039,7 @@
           </a:prstGeom>
         </p:spPr>
         <p:txBody>
-          <a:bodyPr anchorCtr="0" anchor="ctr" bIns="91425" lIns="91425" spcFirstLastPara="1" rIns="91425" wrap="square" tIns="91425">
+          <a:bodyPr spcFirstLastPara="1" wrap="square" lIns="91425" tIns="91425" rIns="91425" bIns="91425" anchor="ctr" anchorCtr="0">
             <a:noAutofit/>
           </a:bodyPr>
           <a:lstStyle>
@@ -4932,7 +5081,7 @@
             </a:lvl9pPr>
           </a:lstStyle>
           <a:p>
-            <a:pPr indent="0" lvl="0" marL="0" rtl="0" algn="r">
+            <a:pPr marL="0" lvl="0" indent="0" algn="r" rtl="0">
               <a:spcBef>
                 <a:spcPts val="0"/>
               </a:spcBef>
@@ -4958,18 +5107,19 @@
 </file>
 
 <file path=ppt/slideLayouts/slideLayout7.xml><?xml version="1.0" encoding="utf-8"?>
-<p:sldLayout xmlns:a="http://schemas.openxmlformats.org/drawingml/2006/main" xmlns:r="http://schemas.openxmlformats.org/officeDocument/2006/relationships" xmlns:mc="http://schemas.openxmlformats.org/markup-compatibility/2006" xmlns:mv="urn:schemas-microsoft-com:mac:vml" xmlns:p="http://schemas.openxmlformats.org/presentationml/2006/main" xmlns:c="http://schemas.openxmlformats.org/drawingml/2006/chart" xmlns:dgm="http://schemas.openxmlformats.org/drawingml/2006/diagram" xmlns:o="urn:schemas-microsoft-com:office:office" xmlns:v="urn:schemas-microsoft-com:vml" xmlns:pvml="urn:schemas-microsoft-com:office:powerpoint" xmlns:com="http://schemas.openxmlformats.org/drawingml/2006/compatibility" xmlns:p14="http://schemas.microsoft.com/office/powerpoint/2010/main" xmlns:p15="http://schemas.microsoft.com/office/powerpoint/2012/main" matchingName="Main point">
+<p:sldLayout xmlns:a="http://schemas.openxmlformats.org/drawingml/2006/main" xmlns:r="http://schemas.openxmlformats.org/officeDocument/2006/relationships" xmlns:p="http://schemas.openxmlformats.org/presentationml/2006/main" matchingName="Main point">
   <p:cSld name="MAIN_POINT">
     <p:bg>
       <p:bgPr>
         <a:solidFill>
           <a:schemeClr val="accent6"/>
         </a:solidFill>
+        <a:effectLst/>
       </p:bgPr>
     </p:bg>
     <p:spTree>
       <p:nvGrpSpPr>
-        <p:cNvPr id="42" name="Shape 42"/>
+        <p:cNvPr id="1" name="Shape 42"/>
         <p:cNvGrpSpPr/>
         <p:nvPr/>
       </p:nvGrpSpPr>
@@ -4984,7 +5134,9 @@
       <p:sp>
         <p:nvSpPr>
           <p:cNvPr id="43" name="Google Shape;43;p8"/>
-          <p:cNvSpPr txBox="1"/>
+          <p:cNvSpPr txBox="1">
+            <a:spLocks noGrp="1"/>
+          </p:cNvSpPr>
           <p:nvPr>
             <p:ph type="title"/>
           </p:nvPr>
@@ -4999,7 +5151,7 @@
           </a:prstGeom>
         </p:spPr>
         <p:txBody>
-          <a:bodyPr anchorCtr="0" anchor="ctr" bIns="91425" lIns="91425" spcFirstLastPara="1" rIns="91425" wrap="square" tIns="91425"/>
+          <a:bodyPr spcFirstLastPara="1" wrap="square" lIns="91425" tIns="91425" rIns="91425" bIns="91425" anchor="ctr" anchorCtr="0"/>
           <a:lstStyle>
             <a:lvl1pPr lvl="0">
               <a:spcBef>
@@ -5013,7 +5165,7 @@
               </a:buClr>
               <a:buSzPts val="5400"/>
               <a:buNone/>
-              <a:defRPr b="0" sz="5400">
+              <a:defRPr sz="5400" b="0">
                 <a:solidFill>
                   <a:schemeClr val="dk2"/>
                 </a:solidFill>
@@ -5031,7 +5183,7 @@
               </a:buClr>
               <a:buSzPts val="5400"/>
               <a:buNone/>
-              <a:defRPr b="0" sz="5400">
+              <a:defRPr sz="5400" b="0">
                 <a:solidFill>
                   <a:schemeClr val="dk2"/>
                 </a:solidFill>
@@ -5049,7 +5201,7 @@
               </a:buClr>
               <a:buSzPts val="5400"/>
               <a:buNone/>
-              <a:defRPr b="0" sz="5400">
+              <a:defRPr sz="5400" b="0">
                 <a:solidFill>
                   <a:schemeClr val="dk2"/>
                 </a:solidFill>
@@ -5067,7 +5219,7 @@
               </a:buClr>
               <a:buSzPts val="5400"/>
               <a:buNone/>
-              <a:defRPr b="0" sz="5400">
+              <a:defRPr sz="5400" b="0">
                 <a:solidFill>
                   <a:schemeClr val="dk2"/>
                 </a:solidFill>
@@ -5085,7 +5237,7 @@
               </a:buClr>
               <a:buSzPts val="5400"/>
               <a:buNone/>
-              <a:defRPr b="0" sz="5400">
+              <a:defRPr sz="5400" b="0">
                 <a:solidFill>
                   <a:schemeClr val="dk2"/>
                 </a:solidFill>
@@ -5103,7 +5255,7 @@
               </a:buClr>
               <a:buSzPts val="5400"/>
               <a:buNone/>
-              <a:defRPr b="0" sz="5400">
+              <a:defRPr sz="5400" b="0">
                 <a:solidFill>
                   <a:schemeClr val="dk2"/>
                 </a:solidFill>
@@ -5121,7 +5273,7 @@
               </a:buClr>
               <a:buSzPts val="5400"/>
               <a:buNone/>
-              <a:defRPr b="0" sz="5400">
+              <a:defRPr sz="5400" b="0">
                 <a:solidFill>
                   <a:schemeClr val="dk2"/>
                 </a:solidFill>
@@ -5139,7 +5291,7 @@
               </a:buClr>
               <a:buSzPts val="5400"/>
               <a:buNone/>
-              <a:defRPr b="0" sz="5400">
+              <a:defRPr sz="5400" b="0">
                 <a:solidFill>
                   <a:schemeClr val="dk2"/>
                 </a:solidFill>
@@ -5157,22 +5309,26 @@
               </a:buClr>
               <a:buSzPts val="5400"/>
               <a:buNone/>
-              <a:defRPr b="0" sz="5400">
+              <a:defRPr sz="5400" b="0">
                 <a:solidFill>
                   <a:schemeClr val="dk2"/>
                 </a:solidFill>
               </a:defRPr>
             </a:lvl9pPr>
           </a:lstStyle>
-          <a:p/>
+          <a:p>
+            <a:endParaRPr/>
+          </a:p>
         </p:txBody>
       </p:sp>
       <p:sp>
         <p:nvSpPr>
           <p:cNvPr id="44" name="Google Shape;44;p8"/>
-          <p:cNvSpPr txBox="1"/>
+          <p:cNvSpPr txBox="1">
+            <a:spLocks noGrp="1"/>
+          </p:cNvSpPr>
           <p:nvPr>
-            <p:ph idx="12" type="sldNum"/>
+            <p:ph type="sldNum" idx="12"/>
           </p:nvPr>
         </p:nvSpPr>
         <p:spPr>
@@ -5185,7 +5341,7 @@
           </a:prstGeom>
         </p:spPr>
         <p:txBody>
-          <a:bodyPr anchorCtr="0" anchor="ctr" bIns="91425" lIns="91425" spcFirstLastPara="1" rIns="91425" wrap="square" tIns="91425">
+          <a:bodyPr spcFirstLastPara="1" wrap="square" lIns="91425" tIns="91425" rIns="91425" bIns="91425" anchor="ctr" anchorCtr="0">
             <a:noAutofit/>
           </a:bodyPr>
           <a:lstStyle>
@@ -5227,7 +5383,7 @@
             </a:lvl9pPr>
           </a:lstStyle>
           <a:p>
-            <a:pPr indent="0" lvl="0" marL="0" rtl="0" algn="r">
+            <a:pPr marL="0" lvl="0" indent="0" algn="r" rtl="0">
               <a:spcBef>
                 <a:spcPts val="0"/>
               </a:spcBef>
@@ -5253,11 +5409,11 @@
 </file>
 
 <file path=ppt/slideLayouts/slideLayout8.xml><?xml version="1.0" encoding="utf-8"?>
-<p:sldLayout xmlns:a="http://schemas.openxmlformats.org/drawingml/2006/main" xmlns:r="http://schemas.openxmlformats.org/officeDocument/2006/relationships" xmlns:mc="http://schemas.openxmlformats.org/markup-compatibility/2006" xmlns:mv="urn:schemas-microsoft-com:mac:vml" xmlns:p="http://schemas.openxmlformats.org/presentationml/2006/main" xmlns:c="http://schemas.openxmlformats.org/drawingml/2006/chart" xmlns:dgm="http://schemas.openxmlformats.org/drawingml/2006/diagram" xmlns:o="urn:schemas-microsoft-com:office:office" xmlns:v="urn:schemas-microsoft-com:vml" xmlns:pvml="urn:schemas-microsoft-com:office:powerpoint" xmlns:com="http://schemas.openxmlformats.org/drawingml/2006/compatibility" xmlns:p14="http://schemas.microsoft.com/office/powerpoint/2010/main" xmlns:p15="http://schemas.microsoft.com/office/powerpoint/2012/main" matchingName="Section title and description">
+<p:sldLayout xmlns:a="http://schemas.openxmlformats.org/drawingml/2006/main" xmlns:r="http://schemas.openxmlformats.org/officeDocument/2006/relationships" xmlns:p="http://schemas.openxmlformats.org/presentationml/2006/main" matchingName="Section title and description">
   <p:cSld name="SECTION_TITLE_AND_DESCRIPTION">
     <p:spTree>
       <p:nvGrpSpPr>
-        <p:cNvPr id="45" name="Shape 45"/>
+        <p:cNvPr id="1" name="Shape 45"/>
         <p:cNvGrpSpPr/>
         <p:nvPr/>
       </p:nvGrpSpPr>
@@ -5291,23 +5447,20 @@
           </a:ln>
         </p:spPr>
         <p:txBody>
-          <a:bodyPr anchorCtr="0" anchor="ctr" bIns="91425" lIns="91425" spcFirstLastPara="1" rIns="91425" wrap="square" tIns="91425">
+          <a:bodyPr spcFirstLastPara="1" wrap="square" lIns="91425" tIns="91425" rIns="91425" bIns="91425" anchor="ctr" anchorCtr="0">
             <a:noAutofit/>
           </a:bodyPr>
           <a:lstStyle/>
           <a:p>
-            <a:pPr indent="0" lvl="0" marL="0" rtl="0" algn="l">
-              <a:spcBef>
-                <a:spcPts val="0"/>
-              </a:spcBef>
-              <a:spcAft>
-                <a:spcPts val="0"/>
-              </a:spcAft>
-              <a:buNone/>
-            </a:pPr>
-            <a:r>
-              <a:t/>
-            </a:r>
+            <a:pPr marL="0" lvl="0" indent="0" algn="l" rtl="0">
+              <a:spcBef>
+                <a:spcPts val="0"/>
+              </a:spcBef>
+              <a:spcAft>
+                <a:spcPts val="0"/>
+              </a:spcAft>
+              <a:buNone/>
+            </a:pPr>
             <a:endParaRPr/>
           </a:p>
         </p:txBody>
@@ -5327,21 +5480,23 @@
             <a:avLst/>
           </a:prstGeom>
           <a:noFill/>
-          <a:ln cap="flat" cmpd="sng" w="19050">
+          <a:ln w="19050" cap="flat" cmpd="sng">
             <a:solidFill>
               <a:schemeClr val="lt1"/>
             </a:solidFill>
             <a:prstDash val="solid"/>
             <a:round/>
-            <a:headEnd len="sm" w="sm" type="none"/>
-            <a:tailEnd len="sm" w="sm" type="none"/>
+            <a:headEnd type="none" w="sm" len="sm"/>
+            <a:tailEnd type="none" w="sm" len="sm"/>
           </a:ln>
         </p:spPr>
       </p:cxnSp>
       <p:sp>
         <p:nvSpPr>
           <p:cNvPr id="48" name="Google Shape;48;p9"/>
-          <p:cNvSpPr txBox="1"/>
+          <p:cNvSpPr txBox="1">
+            <a:spLocks noGrp="1"/>
+          </p:cNvSpPr>
           <p:nvPr>
             <p:ph type="title"/>
           </p:nvPr>
@@ -5356,7 +5511,7 @@
           </a:prstGeom>
         </p:spPr>
         <p:txBody>
-          <a:bodyPr anchorCtr="0" anchor="b" bIns="91425" lIns="91425" spcFirstLastPara="1" rIns="91425" wrap="square" tIns="91425"/>
+          <a:bodyPr spcFirstLastPara="1" wrap="square" lIns="91425" tIns="91425" rIns="91425" bIns="91425" anchor="b" anchorCtr="0"/>
           <a:lstStyle>
             <a:lvl1pPr lvl="0" algn="ctr">
               <a:spcBef>
@@ -5458,15 +5613,19 @@
               <a:defRPr sz="4200"/>
             </a:lvl9pPr>
           </a:lstStyle>
-          <a:p/>
+          <a:p>
+            <a:endParaRPr/>
+          </a:p>
         </p:txBody>
       </p:sp>
       <p:sp>
         <p:nvSpPr>
           <p:cNvPr id="49" name="Google Shape;49;p9"/>
-          <p:cNvSpPr txBox="1"/>
+          <p:cNvSpPr txBox="1">
+            <a:spLocks noGrp="1"/>
+          </p:cNvSpPr>
           <p:nvPr>
-            <p:ph idx="1" type="subTitle"/>
+            <p:ph type="subTitle" idx="1"/>
           </p:nvPr>
         </p:nvSpPr>
         <p:spPr>
@@ -5479,7 +5638,7 @@
           </a:prstGeom>
         </p:spPr>
         <p:txBody>
-          <a:bodyPr anchorCtr="0" anchor="t" bIns="91425" lIns="91425" spcFirstLastPara="1" rIns="91425" wrap="square" tIns="91425"/>
+          <a:bodyPr spcFirstLastPara="1" wrap="square" lIns="91425" tIns="91425" rIns="91425" bIns="91425" anchor="t" anchorCtr="0"/>
           <a:lstStyle>
             <a:lvl1pPr lvl="0" algn="ctr">
               <a:lnSpc>
@@ -5608,15 +5767,19 @@
               <a:defRPr sz="2100"/>
             </a:lvl9pPr>
           </a:lstStyle>
-          <a:p/>
+          <a:p>
+            <a:endParaRPr/>
+          </a:p>
         </p:txBody>
       </p:sp>
       <p:sp>
         <p:nvSpPr>
           <p:cNvPr id="50" name="Google Shape;50;p9"/>
-          <p:cNvSpPr txBox="1"/>
+          <p:cNvSpPr txBox="1">
+            <a:spLocks noGrp="1"/>
+          </p:cNvSpPr>
           <p:nvPr>
-            <p:ph idx="2" type="body"/>
+            <p:ph type="body" idx="2"/>
           </p:nvPr>
         </p:nvSpPr>
         <p:spPr>
@@ -5629,9 +5792,9 @@
           </a:prstGeom>
         </p:spPr>
         <p:txBody>
-          <a:bodyPr anchorCtr="0" anchor="ctr" bIns="91425" lIns="91425" spcFirstLastPara="1" rIns="91425" wrap="square" tIns="91425"/>
+          <a:bodyPr spcFirstLastPara="1" wrap="square" lIns="91425" tIns="91425" rIns="91425" bIns="91425" anchor="ctr" anchorCtr="0"/>
           <a:lstStyle>
-            <a:lvl1pPr indent="-342900" lvl="0" marL="457200">
+            <a:lvl1pPr marL="457200" lvl="0" indent="-342900">
               <a:spcBef>
                 <a:spcPts val="0"/>
               </a:spcBef>
@@ -5649,7 +5812,7 @@
                 </a:solidFill>
               </a:defRPr>
             </a:lvl1pPr>
-            <a:lvl2pPr indent="-317500" lvl="1" marL="914400">
+            <a:lvl2pPr marL="914400" lvl="1" indent="-317500">
               <a:spcBef>
                 <a:spcPts val="1600"/>
               </a:spcBef>
@@ -5667,7 +5830,7 @@
                 </a:solidFill>
               </a:defRPr>
             </a:lvl2pPr>
-            <a:lvl3pPr indent="-317500" lvl="2" marL="1371600">
+            <a:lvl3pPr marL="1371600" lvl="2" indent="-317500">
               <a:spcBef>
                 <a:spcPts val="1600"/>
               </a:spcBef>
@@ -5685,7 +5848,7 @@
                 </a:solidFill>
               </a:defRPr>
             </a:lvl3pPr>
-            <a:lvl4pPr indent="-317500" lvl="3" marL="1828800">
+            <a:lvl4pPr marL="1828800" lvl="3" indent="-317500">
               <a:spcBef>
                 <a:spcPts val="1600"/>
               </a:spcBef>
@@ -5703,7 +5866,7 @@
                 </a:solidFill>
               </a:defRPr>
             </a:lvl4pPr>
-            <a:lvl5pPr indent="-317500" lvl="4" marL="2286000">
+            <a:lvl5pPr marL="2286000" lvl="4" indent="-317500">
               <a:spcBef>
                 <a:spcPts val="1600"/>
               </a:spcBef>
@@ -5721,7 +5884,7 @@
                 </a:solidFill>
               </a:defRPr>
             </a:lvl5pPr>
-            <a:lvl6pPr indent="-317500" lvl="5" marL="2743200">
+            <a:lvl6pPr marL="2743200" lvl="5" indent="-317500">
               <a:spcBef>
                 <a:spcPts val="1600"/>
               </a:spcBef>
@@ -5739,7 +5902,7 @@
                 </a:solidFill>
               </a:defRPr>
             </a:lvl6pPr>
-            <a:lvl7pPr indent="-317500" lvl="6" marL="3200400">
+            <a:lvl7pPr marL="3200400" lvl="6" indent="-317500">
               <a:spcBef>
                 <a:spcPts val="1600"/>
               </a:spcBef>
@@ -5757,7 +5920,7 @@
                 </a:solidFill>
               </a:defRPr>
             </a:lvl7pPr>
-            <a:lvl8pPr indent="-317500" lvl="7" marL="3657600">
+            <a:lvl8pPr marL="3657600" lvl="7" indent="-317500">
               <a:spcBef>
                 <a:spcPts val="1600"/>
               </a:spcBef>
@@ -5775,7 +5938,7 @@
                 </a:solidFill>
               </a:defRPr>
             </a:lvl8pPr>
-            <a:lvl9pPr indent="-317500" lvl="8" marL="4114800">
+            <a:lvl9pPr marL="4114800" lvl="8" indent="-317500">
               <a:spcBef>
                 <a:spcPts val="1600"/>
               </a:spcBef>
@@ -5794,15 +5957,19 @@
               </a:defRPr>
             </a:lvl9pPr>
           </a:lstStyle>
-          <a:p/>
+          <a:p>
+            <a:endParaRPr/>
+          </a:p>
         </p:txBody>
       </p:sp>
       <p:sp>
         <p:nvSpPr>
           <p:cNvPr id="51" name="Google Shape;51;p9"/>
-          <p:cNvSpPr txBox="1"/>
+          <p:cNvSpPr txBox="1">
+            <a:spLocks noGrp="1"/>
+          </p:cNvSpPr>
           <p:nvPr>
-            <p:ph idx="12" type="sldNum"/>
+            <p:ph type="sldNum" idx="12"/>
           </p:nvPr>
         </p:nvSpPr>
         <p:spPr>
@@ -5815,7 +5982,7 @@
           </a:prstGeom>
         </p:spPr>
         <p:txBody>
-          <a:bodyPr anchorCtr="0" anchor="ctr" bIns="91425" lIns="91425" spcFirstLastPara="1" rIns="91425" wrap="square" tIns="91425">
+          <a:bodyPr spcFirstLastPara="1" wrap="square" lIns="91425" tIns="91425" rIns="91425" bIns="91425" anchor="ctr" anchorCtr="0">
             <a:noAutofit/>
           </a:bodyPr>
           <a:lstStyle>
@@ -5893,7 +6060,7 @@
             </a:lvl9pPr>
           </a:lstStyle>
           <a:p>
-            <a:pPr indent="0" lvl="0" marL="0" rtl="0" algn="r">
+            <a:pPr marL="0" lvl="0" indent="0" algn="r" rtl="0">
               <a:spcBef>
                 <a:spcPts val="0"/>
               </a:spcBef>
@@ -5919,11 +6086,11 @@
 </file>
 
 <file path=ppt/slideLayouts/slideLayout9.xml><?xml version="1.0" encoding="utf-8"?>
-<p:sldLayout xmlns:a="http://schemas.openxmlformats.org/drawingml/2006/main" xmlns:r="http://schemas.openxmlformats.org/officeDocument/2006/relationships" xmlns:mc="http://schemas.openxmlformats.org/markup-compatibility/2006" xmlns:mv="urn:schemas-microsoft-com:mac:vml" xmlns:p="http://schemas.openxmlformats.org/presentationml/2006/main" xmlns:c="http://schemas.openxmlformats.org/drawingml/2006/chart" xmlns:dgm="http://schemas.openxmlformats.org/drawingml/2006/diagram" xmlns:o="urn:schemas-microsoft-com:office:office" xmlns:v="urn:schemas-microsoft-com:vml" xmlns:pvml="urn:schemas-microsoft-com:office:powerpoint" xmlns:com="http://schemas.openxmlformats.org/drawingml/2006/compatibility" xmlns:p14="http://schemas.microsoft.com/office/powerpoint/2010/main" xmlns:p15="http://schemas.microsoft.com/office/powerpoint/2012/main" matchingName="Caption">
+<p:sldLayout xmlns:a="http://schemas.openxmlformats.org/drawingml/2006/main" xmlns:r="http://schemas.openxmlformats.org/officeDocument/2006/relationships" xmlns:p="http://schemas.openxmlformats.org/presentationml/2006/main" matchingName="Caption">
   <p:cSld name="CAPTION_ONLY">
     <p:spTree>
       <p:nvGrpSpPr>
-        <p:cNvPr id="52" name="Shape 52"/>
+        <p:cNvPr id="1" name="Shape 52"/>
         <p:cNvGrpSpPr/>
         <p:nvPr/>
       </p:nvGrpSpPr>
@@ -5938,9 +6105,11 @@
       <p:sp>
         <p:nvSpPr>
           <p:cNvPr id="53" name="Google Shape;53;p10"/>
-          <p:cNvSpPr txBox="1"/>
+          <p:cNvSpPr txBox="1">
+            <a:spLocks noGrp="1"/>
+          </p:cNvSpPr>
           <p:nvPr>
-            <p:ph idx="1" type="body"/>
+            <p:ph type="body" idx="1"/>
           </p:nvPr>
         </p:nvSpPr>
         <p:spPr>
@@ -5953,9 +6122,9 @@
           </a:prstGeom>
         </p:spPr>
         <p:txBody>
-          <a:bodyPr anchorCtr="0" anchor="ctr" bIns="91425" lIns="91425" spcFirstLastPara="1" rIns="91425" wrap="square" tIns="91425"/>
+          <a:bodyPr spcFirstLastPara="1" wrap="square" lIns="91425" tIns="91425" rIns="91425" bIns="91425" anchor="ctr" anchorCtr="0"/>
           <a:lstStyle>
-            <a:lvl1pPr indent="-228600" lvl="0" marL="457200">
+            <a:lvl1pPr marL="457200" lvl="0" indent="-228600">
               <a:lnSpc>
                 <a:spcPct val="100000"/>
               </a:lnSpc>
@@ -5976,15 +6145,19 @@
               </a:defRPr>
             </a:lvl1pPr>
           </a:lstStyle>
-          <a:p/>
+          <a:p>
+            <a:endParaRPr/>
+          </a:p>
         </p:txBody>
       </p:sp>
       <p:sp>
         <p:nvSpPr>
           <p:cNvPr id="54" name="Google Shape;54;p10"/>
-          <p:cNvSpPr txBox="1"/>
+          <p:cNvSpPr txBox="1">
+            <a:spLocks noGrp="1"/>
+          </p:cNvSpPr>
           <p:nvPr>
-            <p:ph idx="12" type="sldNum"/>
+            <p:ph type="sldNum" idx="12"/>
           </p:nvPr>
         </p:nvSpPr>
         <p:spPr>
@@ -5997,7 +6170,7 @@
           </a:prstGeom>
         </p:spPr>
         <p:txBody>
-          <a:bodyPr anchorCtr="0" anchor="ctr" bIns="91425" lIns="91425" spcFirstLastPara="1" rIns="91425" wrap="square" tIns="91425">
+          <a:bodyPr spcFirstLastPara="1" wrap="square" lIns="91425" tIns="91425" rIns="91425" bIns="91425" anchor="ctr" anchorCtr="0">
             <a:noAutofit/>
           </a:bodyPr>
           <a:lstStyle>
@@ -6039,7 +6212,7 @@
             </a:lvl9pPr>
           </a:lstStyle>
           <a:p>
-            <a:pPr indent="0" lvl="0" marL="0" rtl="0" algn="r">
+            <a:pPr marL="0" lvl="0" indent="0" algn="r" rtl="0">
               <a:spcBef>
                 <a:spcPts val="0"/>
               </a:spcBef>
@@ -6065,18 +6238,19 @@
 </file>
 
 <file path=ppt/slideMasters/slideMaster1.xml><?xml version="1.0" encoding="utf-8"?>
-<p:sldMaster xmlns:a="http://schemas.openxmlformats.org/drawingml/2006/main" xmlns:r="http://schemas.openxmlformats.org/officeDocument/2006/relationships" xmlns:mc="http://schemas.openxmlformats.org/markup-compatibility/2006" xmlns:mv="urn:schemas-microsoft-com:mac:vml" xmlns:p="http://schemas.openxmlformats.org/presentationml/2006/main" xmlns:c="http://schemas.openxmlformats.org/drawingml/2006/chart" xmlns:dgm="http://schemas.openxmlformats.org/drawingml/2006/diagram" xmlns:o="urn:schemas-microsoft-com:office:office" xmlns:v="urn:schemas-microsoft-com:vml" xmlns:pvml="urn:schemas-microsoft-com:office:powerpoint" xmlns:com="http://schemas.openxmlformats.org/drawingml/2006/compatibility" xmlns:p14="http://schemas.microsoft.com/office/powerpoint/2010/main" xmlns:p15="http://schemas.microsoft.com/office/powerpoint/2012/main">
+<p:sldMaster xmlns:a="http://schemas.openxmlformats.org/drawingml/2006/main" xmlns:r="http://schemas.openxmlformats.org/officeDocument/2006/relationships" xmlns:p="http://schemas.openxmlformats.org/presentationml/2006/main">
   <p:cSld name="tropic">
     <p:bg>
       <p:bgPr>
         <a:solidFill>
           <a:schemeClr val="lt1"/>
         </a:solidFill>
+        <a:effectLst/>
       </p:bgPr>
     </p:bg>
     <p:spTree>
       <p:nvGrpSpPr>
-        <p:cNvPr id="5" name="Shape 5"/>
+        <p:cNvPr id="1" name="Shape 5"/>
         <p:cNvGrpSpPr/>
         <p:nvPr/>
       </p:nvGrpSpPr>
@@ -6091,7 +6265,9 @@
       <p:sp>
         <p:nvSpPr>
           <p:cNvPr id="6" name="Google Shape;6;p1"/>
-          <p:cNvSpPr txBox="1"/>
+          <p:cNvSpPr txBox="1">
+            <a:spLocks noGrp="1"/>
+          </p:cNvSpPr>
           <p:nvPr>
             <p:ph type="title"/>
           </p:nvPr>
@@ -6110,7 +6286,7 @@
           </a:ln>
         </p:spPr>
         <p:txBody>
-          <a:bodyPr anchorCtr="0" anchor="t" bIns="91425" lIns="91425" spcFirstLastPara="1" rIns="91425" wrap="square" tIns="91425"/>
+          <a:bodyPr spcFirstLastPara="1" wrap="square" lIns="91425" tIns="91425" rIns="91425" bIns="91425" anchor="t" anchorCtr="0"/>
           <a:lstStyle>
             <a:lvl1pPr lvl="0">
               <a:spcBef>
@@ -6125,7 +6301,7 @@
               <a:buSzPts val="3600"/>
               <a:buFont typeface="PT Sans Narrow"/>
               <a:buNone/>
-              <a:defRPr b="1" sz="3600">
+              <a:defRPr sz="3600" b="1">
                 <a:solidFill>
                   <a:schemeClr val="accent1"/>
                 </a:solidFill>
@@ -6148,7 +6324,7 @@
               <a:buSzPts val="3600"/>
               <a:buFont typeface="PT Sans Narrow"/>
               <a:buNone/>
-              <a:defRPr b="1" sz="3600">
+              <a:defRPr sz="3600" b="1">
                 <a:solidFill>
                   <a:schemeClr val="accent1"/>
                 </a:solidFill>
@@ -6171,7 +6347,7 @@
               <a:buSzPts val="3600"/>
               <a:buFont typeface="PT Sans Narrow"/>
               <a:buNone/>
-              <a:defRPr b="1" sz="3600">
+              <a:defRPr sz="3600" b="1">
                 <a:solidFill>
                   <a:schemeClr val="accent1"/>
                 </a:solidFill>
@@ -6194,7 +6370,7 @@
               <a:buSzPts val="3600"/>
               <a:buFont typeface="PT Sans Narrow"/>
               <a:buNone/>
-              <a:defRPr b="1" sz="3600">
+              <a:defRPr sz="3600" b="1">
                 <a:solidFill>
                   <a:schemeClr val="accent1"/>
                 </a:solidFill>
@@ -6217,7 +6393,7 @@
               <a:buSzPts val="3600"/>
               <a:buFont typeface="PT Sans Narrow"/>
               <a:buNone/>
-              <a:defRPr b="1" sz="3600">
+              <a:defRPr sz="3600" b="1">
                 <a:solidFill>
                   <a:schemeClr val="accent1"/>
                 </a:solidFill>
@@ -6240,7 +6416,7 @@
               <a:buSzPts val="3600"/>
               <a:buFont typeface="PT Sans Narrow"/>
               <a:buNone/>
-              <a:defRPr b="1" sz="3600">
+              <a:defRPr sz="3600" b="1">
                 <a:solidFill>
                   <a:schemeClr val="accent1"/>
                 </a:solidFill>
@@ -6263,7 +6439,7 @@
               <a:buSzPts val="3600"/>
               <a:buFont typeface="PT Sans Narrow"/>
               <a:buNone/>
-              <a:defRPr b="1" sz="3600">
+              <a:defRPr sz="3600" b="1">
                 <a:solidFill>
                   <a:schemeClr val="accent1"/>
                 </a:solidFill>
@@ -6286,7 +6462,7 @@
               <a:buSzPts val="3600"/>
               <a:buFont typeface="PT Sans Narrow"/>
               <a:buNone/>
-              <a:defRPr b="1" sz="3600">
+              <a:defRPr sz="3600" b="1">
                 <a:solidFill>
                   <a:schemeClr val="accent1"/>
                 </a:solidFill>
@@ -6309,7 +6485,7 @@
               <a:buSzPts val="3600"/>
               <a:buFont typeface="PT Sans Narrow"/>
               <a:buNone/>
-              <a:defRPr b="1" sz="3600">
+              <a:defRPr sz="3600" b="1">
                 <a:solidFill>
                   <a:schemeClr val="accent1"/>
                 </a:solidFill>
@@ -6320,15 +6496,19 @@
               </a:defRPr>
             </a:lvl9pPr>
           </a:lstStyle>
-          <a:p/>
+          <a:p>
+            <a:endParaRPr/>
+          </a:p>
         </p:txBody>
       </p:sp>
       <p:sp>
         <p:nvSpPr>
           <p:cNvPr id="7" name="Google Shape;7;p1"/>
-          <p:cNvSpPr txBox="1"/>
+          <p:cNvSpPr txBox="1">
+            <a:spLocks noGrp="1"/>
+          </p:cNvSpPr>
           <p:nvPr>
-            <p:ph idx="1" type="body"/>
+            <p:ph type="body" idx="1"/>
           </p:nvPr>
         </p:nvSpPr>
         <p:spPr>
@@ -6345,9 +6525,9 @@
           </a:ln>
         </p:spPr>
         <p:txBody>
-          <a:bodyPr anchorCtr="0" anchor="t" bIns="91425" lIns="91425" spcFirstLastPara="1" rIns="91425" wrap="square" tIns="91425"/>
+          <a:bodyPr spcFirstLastPara="1" wrap="square" lIns="91425" tIns="91425" rIns="91425" bIns="91425" anchor="t" anchorCtr="0"/>
           <a:lstStyle>
-            <a:lvl1pPr indent="-342900" lvl="0" marL="457200">
+            <a:lvl1pPr marL="457200" lvl="0" indent="-342900">
               <a:lnSpc>
                 <a:spcPct val="115000"/>
               </a:lnSpc>
@@ -6373,7 +6553,7 @@
                 <a:sym typeface="Open Sans"/>
               </a:defRPr>
             </a:lvl1pPr>
-            <a:lvl2pPr indent="-317500" lvl="1" marL="914400">
+            <a:lvl2pPr marL="914400" lvl="1" indent="-317500">
               <a:lnSpc>
                 <a:spcPct val="115000"/>
               </a:lnSpc>
@@ -6399,7 +6579,7 @@
                 <a:sym typeface="Open Sans"/>
               </a:defRPr>
             </a:lvl2pPr>
-            <a:lvl3pPr indent="-317500" lvl="2" marL="1371600">
+            <a:lvl3pPr marL="1371600" lvl="2" indent="-317500">
               <a:lnSpc>
                 <a:spcPct val="115000"/>
               </a:lnSpc>
@@ -6425,7 +6605,7 @@
                 <a:sym typeface="Open Sans"/>
               </a:defRPr>
             </a:lvl3pPr>
-            <a:lvl4pPr indent="-317500" lvl="3" marL="1828800">
+            <a:lvl4pPr marL="1828800" lvl="3" indent="-317500">
               <a:lnSpc>
                 <a:spcPct val="115000"/>
               </a:lnSpc>
@@ -6451,7 +6631,7 @@
                 <a:sym typeface="Open Sans"/>
               </a:defRPr>
             </a:lvl4pPr>
-            <a:lvl5pPr indent="-317500" lvl="4" marL="2286000">
+            <a:lvl5pPr marL="2286000" lvl="4" indent="-317500">
               <a:lnSpc>
                 <a:spcPct val="115000"/>
               </a:lnSpc>
@@ -6477,7 +6657,7 @@
                 <a:sym typeface="Open Sans"/>
               </a:defRPr>
             </a:lvl5pPr>
-            <a:lvl6pPr indent="-317500" lvl="5" marL="2743200">
+            <a:lvl6pPr marL="2743200" lvl="5" indent="-317500">
               <a:lnSpc>
                 <a:spcPct val="115000"/>
               </a:lnSpc>
@@ -6503,7 +6683,7 @@
                 <a:sym typeface="Open Sans"/>
               </a:defRPr>
             </a:lvl6pPr>
-            <a:lvl7pPr indent="-317500" lvl="6" marL="3200400">
+            <a:lvl7pPr marL="3200400" lvl="6" indent="-317500">
               <a:lnSpc>
                 <a:spcPct val="115000"/>
               </a:lnSpc>
@@ -6529,7 +6709,7 @@
                 <a:sym typeface="Open Sans"/>
               </a:defRPr>
             </a:lvl7pPr>
-            <a:lvl8pPr indent="-317500" lvl="7" marL="3657600">
+            <a:lvl8pPr marL="3657600" lvl="7" indent="-317500">
               <a:lnSpc>
                 <a:spcPct val="115000"/>
               </a:lnSpc>
@@ -6555,7 +6735,7 @@
                 <a:sym typeface="Open Sans"/>
               </a:defRPr>
             </a:lvl8pPr>
-            <a:lvl9pPr indent="-317500" lvl="8" marL="4114800">
+            <a:lvl9pPr marL="4114800" lvl="8" indent="-317500">
               <a:lnSpc>
                 <a:spcPct val="115000"/>
               </a:lnSpc>
@@ -6582,15 +6762,19 @@
               </a:defRPr>
             </a:lvl9pPr>
           </a:lstStyle>
-          <a:p/>
+          <a:p>
+            <a:endParaRPr/>
+          </a:p>
         </p:txBody>
       </p:sp>
       <p:sp>
         <p:nvSpPr>
           <p:cNvPr id="8" name="Google Shape;8;p1"/>
-          <p:cNvSpPr txBox="1"/>
+          <p:cNvSpPr txBox="1">
+            <a:spLocks noGrp="1"/>
+          </p:cNvSpPr>
           <p:nvPr>
-            <p:ph idx="12" type="sldNum"/>
+            <p:ph type="sldNum" idx="12"/>
           </p:nvPr>
         </p:nvSpPr>
         <p:spPr>
@@ -6607,7 +6791,7 @@
           </a:ln>
         </p:spPr>
         <p:txBody>
-          <a:bodyPr anchorCtr="0" anchor="ctr" bIns="91425" lIns="91425" spcFirstLastPara="1" rIns="91425" wrap="square" tIns="91425">
+          <a:bodyPr spcFirstLastPara="1" wrap="square" lIns="91425" tIns="91425" rIns="91425" bIns="91425" anchor="ctr" anchorCtr="0">
             <a:noAutofit/>
           </a:bodyPr>
           <a:lstStyle>
@@ -6721,7 +6905,7 @@
             </a:lvl9pPr>
           </a:lstStyle>
           <a:p>
-            <a:pPr indent="0" lvl="0" marL="0" rtl="0" algn="r">
+            <a:pPr marL="0" lvl="0" indent="0" algn="r" rtl="0">
               <a:spcBef>
                 <a:spcPts val="0"/>
               </a:spcBef>
@@ -6740,7 +6924,7 @@
       </p:sp>
     </p:spTree>
   </p:cSld>
-  <p:clrMap accent1="accent1" accent2="accent2" accent3="accent3" accent4="accent4" accent5="accent5" accent6="accent6" bg1="lt1" bg2="dk2" tx1="dk1" tx2="lt2" folHlink="folHlink" hlink="hlink"/>
+  <p:clrMap bg1="lt1" tx1="dk1" bg2="dk2" tx2="lt2" accent1="accent1" accent2="accent2" accent3="accent3" accent4="accent4" accent5="accent5" accent6="accent6" hlink="hlink" folHlink="folHlink"/>
   <p:sldLayoutIdLst>
     <p:sldLayoutId id="2147483648" r:id="rId1"/>
     <p:sldLayoutId id="2147483649" r:id="rId2"/>
@@ -6754,10 +6938,10 @@
     <p:sldLayoutId id="2147483657" r:id="rId10"/>
     <p:sldLayoutId id="2147483658" r:id="rId11"/>
   </p:sldLayoutIdLst>
-  <p:hf dt="0" ftr="0" hdr="0" sldNum="0"/>
+  <p:hf sldNum="0" hdr="0" ftr="0" dt="0"/>
   <p:txStyles>
     <p:titleStyle>
-      <a:defPPr lvl="0" marR="0" rtl="0" algn="l">
+      <a:defPPr marR="0" lvl="0" algn="l" rtl="0">
         <a:lnSpc>
           <a:spcPct val="100000"/>
         </a:lnSpc>
@@ -6768,7 +6952,7 @@
           <a:spcPts val="0"/>
         </a:spcAft>
       </a:defPPr>
-      <a:lvl1pPr lvl="0" marR="0" rtl="0" algn="l">
+      <a:lvl1pPr marR="0" lvl="0" algn="l" rtl="0">
         <a:lnSpc>
           <a:spcPct val="100000"/>
         </a:lnSpc>
@@ -6782,7 +6966,7 @@
           <a:srgbClr val="000000"/>
         </a:buClr>
         <a:buFont typeface="Arial"/>
-        <a:defRPr b="0" i="0" sz="1400" u="none" cap="none" strike="noStrike">
+        <a:defRPr sz="1400" b="0" i="0" u="none" strike="noStrike" cap="none">
           <a:solidFill>
             <a:srgbClr val="000000"/>
           </a:solidFill>
@@ -6792,7 +6976,7 @@
           <a:sym typeface="Arial"/>
         </a:defRPr>
       </a:lvl1pPr>
-      <a:lvl2pPr lvl="1" marR="0" rtl="0" algn="l">
+      <a:lvl2pPr marR="0" lvl="1" algn="l" rtl="0">
         <a:lnSpc>
           <a:spcPct val="100000"/>
         </a:lnSpc>
@@ -6806,7 +6990,7 @@
           <a:srgbClr val="000000"/>
         </a:buClr>
         <a:buFont typeface="Arial"/>
-        <a:defRPr b="0" i="0" sz="1400" u="none" cap="none" strike="noStrike">
+        <a:defRPr sz="1400" b="0" i="0" u="none" strike="noStrike" cap="none">
           <a:solidFill>
             <a:srgbClr val="000000"/>
           </a:solidFill>
@@ -6816,7 +7000,7 @@
           <a:sym typeface="Arial"/>
         </a:defRPr>
       </a:lvl2pPr>
-      <a:lvl3pPr lvl="2" marR="0" rtl="0" algn="l">
+      <a:lvl3pPr marR="0" lvl="2" algn="l" rtl="0">
         <a:lnSpc>
           <a:spcPct val="100000"/>
         </a:lnSpc>
@@ -6830,7 +7014,7 @@
           <a:srgbClr val="000000"/>
         </a:buClr>
         <a:buFont typeface="Arial"/>
-        <a:defRPr b="0" i="0" sz="1400" u="none" cap="none" strike="noStrike">
+        <a:defRPr sz="1400" b="0" i="0" u="none" strike="noStrike" cap="none">
           <a:solidFill>
             <a:srgbClr val="000000"/>
           </a:solidFill>
@@ -6840,7 +7024,7 @@
           <a:sym typeface="Arial"/>
         </a:defRPr>
       </a:lvl3pPr>
-      <a:lvl4pPr lvl="3" marR="0" rtl="0" algn="l">
+      <a:lvl4pPr marR="0" lvl="3" algn="l" rtl="0">
         <a:lnSpc>
           <a:spcPct val="100000"/>
         </a:lnSpc>
@@ -6854,7 +7038,7 @@
           <a:srgbClr val="000000"/>
         </a:buClr>
         <a:buFont typeface="Arial"/>
-        <a:defRPr b="0" i="0" sz="1400" u="none" cap="none" strike="noStrike">
+        <a:defRPr sz="1400" b="0" i="0" u="none" strike="noStrike" cap="none">
           <a:solidFill>
             <a:srgbClr val="000000"/>
           </a:solidFill>
@@ -6864,7 +7048,7 @@
           <a:sym typeface="Arial"/>
         </a:defRPr>
       </a:lvl4pPr>
-      <a:lvl5pPr lvl="4" marR="0" rtl="0" algn="l">
+      <a:lvl5pPr marR="0" lvl="4" algn="l" rtl="0">
         <a:lnSpc>
           <a:spcPct val="100000"/>
         </a:lnSpc>
@@ -6878,7 +7062,7 @@
           <a:srgbClr val="000000"/>
         </a:buClr>
         <a:buFont typeface="Arial"/>
-        <a:defRPr b="0" i="0" sz="1400" u="none" cap="none" strike="noStrike">
+        <a:defRPr sz="1400" b="0" i="0" u="none" strike="noStrike" cap="none">
           <a:solidFill>
             <a:srgbClr val="000000"/>
           </a:solidFill>
@@ -6888,7 +7072,7 @@
           <a:sym typeface="Arial"/>
         </a:defRPr>
       </a:lvl5pPr>
-      <a:lvl6pPr lvl="5" marR="0" rtl="0" algn="l">
+      <a:lvl6pPr marR="0" lvl="5" algn="l" rtl="0">
         <a:lnSpc>
           <a:spcPct val="100000"/>
         </a:lnSpc>
@@ -6902,7 +7086,7 @@
           <a:srgbClr val="000000"/>
         </a:buClr>
         <a:buFont typeface="Arial"/>
-        <a:defRPr b="0" i="0" sz="1400" u="none" cap="none" strike="noStrike">
+        <a:defRPr sz="1400" b="0" i="0" u="none" strike="noStrike" cap="none">
           <a:solidFill>
             <a:srgbClr val="000000"/>
           </a:solidFill>
@@ -6912,7 +7096,7 @@
           <a:sym typeface="Arial"/>
         </a:defRPr>
       </a:lvl6pPr>
-      <a:lvl7pPr lvl="6" marR="0" rtl="0" algn="l">
+      <a:lvl7pPr marR="0" lvl="6" algn="l" rtl="0">
         <a:lnSpc>
           <a:spcPct val="100000"/>
         </a:lnSpc>
@@ -6926,7 +7110,7 @@
           <a:srgbClr val="000000"/>
         </a:buClr>
         <a:buFont typeface="Arial"/>
-        <a:defRPr b="0" i="0" sz="1400" u="none" cap="none" strike="noStrike">
+        <a:defRPr sz="1400" b="0" i="0" u="none" strike="noStrike" cap="none">
           <a:solidFill>
             <a:srgbClr val="000000"/>
           </a:solidFill>
@@ -6936,7 +7120,7 @@
           <a:sym typeface="Arial"/>
         </a:defRPr>
       </a:lvl7pPr>
-      <a:lvl8pPr lvl="7" marR="0" rtl="0" algn="l">
+      <a:lvl8pPr marR="0" lvl="7" algn="l" rtl="0">
         <a:lnSpc>
           <a:spcPct val="100000"/>
         </a:lnSpc>
@@ -6950,7 +7134,7 @@
           <a:srgbClr val="000000"/>
         </a:buClr>
         <a:buFont typeface="Arial"/>
-        <a:defRPr b="0" i="0" sz="1400" u="none" cap="none" strike="noStrike">
+        <a:defRPr sz="1400" b="0" i="0" u="none" strike="noStrike" cap="none">
           <a:solidFill>
             <a:srgbClr val="000000"/>
           </a:solidFill>
@@ -6960,7 +7144,7 @@
           <a:sym typeface="Arial"/>
         </a:defRPr>
       </a:lvl8pPr>
-      <a:lvl9pPr lvl="8" marR="0" rtl="0" algn="l">
+      <a:lvl9pPr marR="0" lvl="8" algn="l" rtl="0">
         <a:lnSpc>
           <a:spcPct val="100000"/>
         </a:lnSpc>
@@ -6974,7 +7158,7 @@
           <a:srgbClr val="000000"/>
         </a:buClr>
         <a:buFont typeface="Arial"/>
-        <a:defRPr b="0" i="0" sz="1400" u="none" cap="none" strike="noStrike">
+        <a:defRPr sz="1400" b="0" i="0" u="none" strike="noStrike" cap="none">
           <a:solidFill>
             <a:srgbClr val="000000"/>
           </a:solidFill>
@@ -6986,7 +7170,7 @@
       </a:lvl9pPr>
     </p:titleStyle>
     <p:bodyStyle>
-      <a:defPPr lvl="0" marR="0" rtl="0" algn="l">
+      <a:defPPr marR="0" lvl="0" algn="l" rtl="0">
         <a:lnSpc>
           <a:spcPct val="100000"/>
         </a:lnSpc>
@@ -6997,7 +7181,7 @@
           <a:spcPts val="0"/>
         </a:spcAft>
       </a:defPPr>
-      <a:lvl1pPr lvl="0" marR="0" rtl="0" algn="l">
+      <a:lvl1pPr marR="0" lvl="0" algn="l" rtl="0">
         <a:lnSpc>
           <a:spcPct val="100000"/>
         </a:lnSpc>
@@ -7011,7 +7195,7 @@
           <a:srgbClr val="000000"/>
         </a:buClr>
         <a:buFont typeface="Arial"/>
-        <a:defRPr b="0" i="0" sz="1400" u="none" cap="none" strike="noStrike">
+        <a:defRPr sz="1400" b="0" i="0" u="none" strike="noStrike" cap="none">
           <a:solidFill>
             <a:srgbClr val="000000"/>
           </a:solidFill>
@@ -7021,7 +7205,7 @@
           <a:sym typeface="Arial"/>
         </a:defRPr>
       </a:lvl1pPr>
-      <a:lvl2pPr lvl="1" marR="0" rtl="0" algn="l">
+      <a:lvl2pPr marR="0" lvl="1" algn="l" rtl="0">
         <a:lnSpc>
           <a:spcPct val="100000"/>
         </a:lnSpc>
@@ -7035,7 +7219,7 @@
           <a:srgbClr val="000000"/>
         </a:buClr>
         <a:buFont typeface="Arial"/>
-        <a:defRPr b="0" i="0" sz="1400" u="none" cap="none" strike="noStrike">
+        <a:defRPr sz="1400" b="0" i="0" u="none" strike="noStrike" cap="none">
           <a:solidFill>
             <a:srgbClr val="000000"/>
           </a:solidFill>
@@ -7045,7 +7229,7 @@
           <a:sym typeface="Arial"/>
         </a:defRPr>
       </a:lvl2pPr>
-      <a:lvl3pPr lvl="2" marR="0" rtl="0" algn="l">
+      <a:lvl3pPr marR="0" lvl="2" algn="l" rtl="0">
         <a:lnSpc>
           <a:spcPct val="100000"/>
         </a:lnSpc>
@@ -7059,7 +7243,7 @@
           <a:srgbClr val="000000"/>
         </a:buClr>
         <a:buFont typeface="Arial"/>
-        <a:defRPr b="0" i="0" sz="1400" u="none" cap="none" strike="noStrike">
+        <a:defRPr sz="1400" b="0" i="0" u="none" strike="noStrike" cap="none">
           <a:solidFill>
             <a:srgbClr val="000000"/>
           </a:solidFill>
@@ -7069,7 +7253,7 @@
           <a:sym typeface="Arial"/>
         </a:defRPr>
       </a:lvl3pPr>
-      <a:lvl4pPr lvl="3" marR="0" rtl="0" algn="l">
+      <a:lvl4pPr marR="0" lvl="3" algn="l" rtl="0">
         <a:lnSpc>
           <a:spcPct val="100000"/>
         </a:lnSpc>
@@ -7083,7 +7267,7 @@
           <a:srgbClr val="000000"/>
         </a:buClr>
         <a:buFont typeface="Arial"/>
-        <a:defRPr b="0" i="0" sz="1400" u="none" cap="none" strike="noStrike">
+        <a:defRPr sz="1400" b="0" i="0" u="none" strike="noStrike" cap="none">
           <a:solidFill>
             <a:srgbClr val="000000"/>
           </a:solidFill>
@@ -7093,7 +7277,7 @@
           <a:sym typeface="Arial"/>
         </a:defRPr>
       </a:lvl4pPr>
-      <a:lvl5pPr lvl="4" marR="0" rtl="0" algn="l">
+      <a:lvl5pPr marR="0" lvl="4" algn="l" rtl="0">
         <a:lnSpc>
           <a:spcPct val="100000"/>
         </a:lnSpc>
@@ -7107,7 +7291,7 @@
           <a:srgbClr val="000000"/>
         </a:buClr>
         <a:buFont typeface="Arial"/>
-        <a:defRPr b="0" i="0" sz="1400" u="none" cap="none" strike="noStrike">
+        <a:defRPr sz="1400" b="0" i="0" u="none" strike="noStrike" cap="none">
           <a:solidFill>
             <a:srgbClr val="000000"/>
           </a:solidFill>
@@ -7117,7 +7301,7 @@
           <a:sym typeface="Arial"/>
         </a:defRPr>
       </a:lvl5pPr>
-      <a:lvl6pPr lvl="5" marR="0" rtl="0" algn="l">
+      <a:lvl6pPr marR="0" lvl="5" algn="l" rtl="0">
         <a:lnSpc>
           <a:spcPct val="100000"/>
         </a:lnSpc>
@@ -7131,7 +7315,7 @@
           <a:srgbClr val="000000"/>
         </a:buClr>
         <a:buFont typeface="Arial"/>
-        <a:defRPr b="0" i="0" sz="1400" u="none" cap="none" strike="noStrike">
+        <a:defRPr sz="1400" b="0" i="0" u="none" strike="noStrike" cap="none">
           <a:solidFill>
             <a:srgbClr val="000000"/>
           </a:solidFill>
@@ -7141,7 +7325,7 @@
           <a:sym typeface="Arial"/>
         </a:defRPr>
       </a:lvl6pPr>
-      <a:lvl7pPr lvl="6" marR="0" rtl="0" algn="l">
+      <a:lvl7pPr marR="0" lvl="6" algn="l" rtl="0">
         <a:lnSpc>
           <a:spcPct val="100000"/>
         </a:lnSpc>
@@ -7155,7 +7339,7 @@
           <a:srgbClr val="000000"/>
         </a:buClr>
         <a:buFont typeface="Arial"/>
-        <a:defRPr b="0" i="0" sz="1400" u="none" cap="none" strike="noStrike">
+        <a:defRPr sz="1400" b="0" i="0" u="none" strike="noStrike" cap="none">
           <a:solidFill>
             <a:srgbClr val="000000"/>
           </a:solidFill>
@@ -7165,7 +7349,7 @@
           <a:sym typeface="Arial"/>
         </a:defRPr>
       </a:lvl7pPr>
-      <a:lvl8pPr lvl="7" marR="0" rtl="0" algn="l">
+      <a:lvl8pPr marR="0" lvl="7" algn="l" rtl="0">
         <a:lnSpc>
           <a:spcPct val="100000"/>
         </a:lnSpc>
@@ -7179,7 +7363,7 @@
           <a:srgbClr val="000000"/>
         </a:buClr>
         <a:buFont typeface="Arial"/>
-        <a:defRPr b="0" i="0" sz="1400" u="none" cap="none" strike="noStrike">
+        <a:defRPr sz="1400" b="0" i="0" u="none" strike="noStrike" cap="none">
           <a:solidFill>
             <a:srgbClr val="000000"/>
           </a:solidFill>
@@ -7189,7 +7373,7 @@
           <a:sym typeface="Arial"/>
         </a:defRPr>
       </a:lvl8pPr>
-      <a:lvl9pPr lvl="8" marR="0" rtl="0" algn="l">
+      <a:lvl9pPr marR="0" lvl="8" algn="l" rtl="0">
         <a:lnSpc>
           <a:spcPct val="100000"/>
         </a:lnSpc>
@@ -7203,7 +7387,7 @@
           <a:srgbClr val="000000"/>
         </a:buClr>
         <a:buFont typeface="Arial"/>
-        <a:defRPr b="0" i="0" sz="1400" u="none" cap="none" strike="noStrike">
+        <a:defRPr sz="1400" b="0" i="0" u="none" strike="noStrike" cap="none">
           <a:solidFill>
             <a:srgbClr val="000000"/>
           </a:solidFill>
@@ -7215,7 +7399,7 @@
       </a:lvl9pPr>
     </p:bodyStyle>
     <p:otherStyle>
-      <a:defPPr lvl="0" marR="0" rtl="0" algn="l">
+      <a:defPPr marR="0" lvl="0" algn="l" rtl="0">
         <a:lnSpc>
           <a:spcPct val="100000"/>
         </a:lnSpc>
@@ -7226,7 +7410,7 @@
           <a:spcPts val="0"/>
         </a:spcAft>
       </a:defPPr>
-      <a:lvl1pPr lvl="0" marR="0" rtl="0" algn="l">
+      <a:lvl1pPr marR="0" lvl="0" algn="l" rtl="0">
         <a:lnSpc>
           <a:spcPct val="100000"/>
         </a:lnSpc>
@@ -7240,7 +7424,7 @@
           <a:srgbClr val="000000"/>
         </a:buClr>
         <a:buFont typeface="Arial"/>
-        <a:defRPr b="0" i="0" sz="1400" u="none" cap="none" strike="noStrike">
+        <a:defRPr sz="1400" b="0" i="0" u="none" strike="noStrike" cap="none">
           <a:solidFill>
             <a:srgbClr val="000000"/>
           </a:solidFill>
@@ -7250,7 +7434,7 @@
           <a:sym typeface="Arial"/>
         </a:defRPr>
       </a:lvl1pPr>
-      <a:lvl2pPr lvl="1" marR="0" rtl="0" algn="l">
+      <a:lvl2pPr marR="0" lvl="1" algn="l" rtl="0">
         <a:lnSpc>
           <a:spcPct val="100000"/>
         </a:lnSpc>
@@ -7264,7 +7448,7 @@
           <a:srgbClr val="000000"/>
         </a:buClr>
         <a:buFont typeface="Arial"/>
-        <a:defRPr b="0" i="0" sz="1400" u="none" cap="none" strike="noStrike">
+        <a:defRPr sz="1400" b="0" i="0" u="none" strike="noStrike" cap="none">
           <a:solidFill>
             <a:srgbClr val="000000"/>
           </a:solidFill>
@@ -7274,7 +7458,7 @@
           <a:sym typeface="Arial"/>
         </a:defRPr>
       </a:lvl2pPr>
-      <a:lvl3pPr lvl="2" marR="0" rtl="0" algn="l">
+      <a:lvl3pPr marR="0" lvl="2" algn="l" rtl="0">
         <a:lnSpc>
           <a:spcPct val="100000"/>
         </a:lnSpc>
@@ -7288,7 +7472,7 @@
           <a:srgbClr val="000000"/>
         </a:buClr>
         <a:buFont typeface="Arial"/>
-        <a:defRPr b="0" i="0" sz="1400" u="none" cap="none" strike="noStrike">
+        <a:defRPr sz="1400" b="0" i="0" u="none" strike="noStrike" cap="none">
           <a:solidFill>
             <a:srgbClr val="000000"/>
           </a:solidFill>
@@ -7298,7 +7482,7 @@
           <a:sym typeface="Arial"/>
         </a:defRPr>
       </a:lvl3pPr>
-      <a:lvl4pPr lvl="3" marR="0" rtl="0" algn="l">
+      <a:lvl4pPr marR="0" lvl="3" algn="l" rtl="0">
         <a:lnSpc>
           <a:spcPct val="100000"/>
         </a:lnSpc>
@@ -7312,7 +7496,7 @@
           <a:srgbClr val="000000"/>
         </a:buClr>
         <a:buFont typeface="Arial"/>
-        <a:defRPr b="0" i="0" sz="1400" u="none" cap="none" strike="noStrike">
+        <a:defRPr sz="1400" b="0" i="0" u="none" strike="noStrike" cap="none">
           <a:solidFill>
             <a:srgbClr val="000000"/>
           </a:solidFill>
@@ -7322,7 +7506,7 @@
           <a:sym typeface="Arial"/>
         </a:defRPr>
       </a:lvl4pPr>
-      <a:lvl5pPr lvl="4" marR="0" rtl="0" algn="l">
+      <a:lvl5pPr marR="0" lvl="4" algn="l" rtl="0">
         <a:lnSpc>
           <a:spcPct val="100000"/>
         </a:lnSpc>
@@ -7336,7 +7520,7 @@
           <a:srgbClr val="000000"/>
         </a:buClr>
         <a:buFont typeface="Arial"/>
-        <a:defRPr b="0" i="0" sz="1400" u="none" cap="none" strike="noStrike">
+        <a:defRPr sz="1400" b="0" i="0" u="none" strike="noStrike" cap="none">
           <a:solidFill>
             <a:srgbClr val="000000"/>
           </a:solidFill>
@@ -7346,7 +7530,7 @@
           <a:sym typeface="Arial"/>
         </a:defRPr>
       </a:lvl5pPr>
-      <a:lvl6pPr lvl="5" marR="0" rtl="0" algn="l">
+      <a:lvl6pPr marR="0" lvl="5" algn="l" rtl="0">
         <a:lnSpc>
           <a:spcPct val="100000"/>
         </a:lnSpc>
@@ -7360,7 +7544,7 @@
           <a:srgbClr val="000000"/>
         </a:buClr>
         <a:buFont typeface="Arial"/>
-        <a:defRPr b="0" i="0" sz="1400" u="none" cap="none" strike="noStrike">
+        <a:defRPr sz="1400" b="0" i="0" u="none" strike="noStrike" cap="none">
           <a:solidFill>
             <a:srgbClr val="000000"/>
           </a:solidFill>
@@ -7370,7 +7554,7 @@
           <a:sym typeface="Arial"/>
         </a:defRPr>
       </a:lvl6pPr>
-      <a:lvl7pPr lvl="6" marR="0" rtl="0" algn="l">
+      <a:lvl7pPr marR="0" lvl="6" algn="l" rtl="0">
         <a:lnSpc>
           <a:spcPct val="100000"/>
         </a:lnSpc>
@@ -7384,7 +7568,7 @@
           <a:srgbClr val="000000"/>
         </a:buClr>
         <a:buFont typeface="Arial"/>
-        <a:defRPr b="0" i="0" sz="1400" u="none" cap="none" strike="noStrike">
+        <a:defRPr sz="1400" b="0" i="0" u="none" strike="noStrike" cap="none">
           <a:solidFill>
             <a:srgbClr val="000000"/>
           </a:solidFill>
@@ -7394,7 +7578,7 @@
           <a:sym typeface="Arial"/>
         </a:defRPr>
       </a:lvl7pPr>
-      <a:lvl8pPr lvl="7" marR="0" rtl="0" algn="l">
+      <a:lvl8pPr marR="0" lvl="7" algn="l" rtl="0">
         <a:lnSpc>
           <a:spcPct val="100000"/>
         </a:lnSpc>
@@ -7408,7 +7592,7 @@
           <a:srgbClr val="000000"/>
         </a:buClr>
         <a:buFont typeface="Arial"/>
-        <a:defRPr b="0" i="0" sz="1400" u="none" cap="none" strike="noStrike">
+        <a:defRPr sz="1400" b="0" i="0" u="none" strike="noStrike" cap="none">
           <a:solidFill>
             <a:srgbClr val="000000"/>
           </a:solidFill>
@@ -7418,7 +7602,7 @@
           <a:sym typeface="Arial"/>
         </a:defRPr>
       </a:lvl8pPr>
-      <a:lvl9pPr lvl="8" marR="0" rtl="0" algn="l">
+      <a:lvl9pPr marR="0" lvl="8" algn="l" rtl="0">
         <a:lnSpc>
           <a:spcPct val="100000"/>
         </a:lnSpc>
@@ -7432,7 +7616,7 @@
           <a:srgbClr val="000000"/>
         </a:buClr>
         <a:buFont typeface="Arial"/>
-        <a:defRPr b="0" i="0" sz="1400" u="none" cap="none" strike="noStrike">
+        <a:defRPr sz="1400" b="0" i="0" u="none" strike="noStrike" cap="none">
           <a:solidFill>
             <a:srgbClr val="000000"/>
           </a:solidFill>
@@ -7448,11 +7632,11 @@
 </file>
 
 <file path=ppt/slides/slide1.xml><?xml version="1.0" encoding="utf-8"?>
-<p:sld xmlns:a="http://schemas.openxmlformats.org/drawingml/2006/main" xmlns:r="http://schemas.openxmlformats.org/officeDocument/2006/relationships" xmlns:mc="http://schemas.openxmlformats.org/markup-compatibility/2006" xmlns:mv="urn:schemas-microsoft-com:mac:vml" xmlns:p="http://schemas.openxmlformats.org/presentationml/2006/main" xmlns:c="http://schemas.openxmlformats.org/drawingml/2006/chart" xmlns:dgm="http://schemas.openxmlformats.org/drawingml/2006/diagram" xmlns:o="urn:schemas-microsoft-com:office:office" xmlns:v="urn:schemas-microsoft-com:vml" xmlns:pvml="urn:schemas-microsoft-com:office:powerpoint" xmlns:com="http://schemas.openxmlformats.org/drawingml/2006/compatibility" xmlns:p14="http://schemas.microsoft.com/office/powerpoint/2010/main" xmlns:p15="http://schemas.microsoft.com/office/powerpoint/2012/main">
+<p:sld xmlns:a="http://schemas.openxmlformats.org/drawingml/2006/main" xmlns:r="http://schemas.openxmlformats.org/officeDocument/2006/relationships" xmlns:p="http://schemas.openxmlformats.org/presentationml/2006/main">
   <p:cSld>
     <p:spTree>
       <p:nvGrpSpPr>
-        <p:cNvPr id="65" name="Shape 65"/>
+        <p:cNvPr id="1" name="Shape 65"/>
         <p:cNvGrpSpPr/>
         <p:nvPr/>
       </p:nvGrpSpPr>
@@ -7467,7 +7651,9 @@
       <p:sp>
         <p:nvSpPr>
           <p:cNvPr id="66" name="Google Shape;66;p13"/>
-          <p:cNvSpPr txBox="1"/>
+          <p:cNvSpPr txBox="1">
+            <a:spLocks noGrp="1"/>
+          </p:cNvSpPr>
           <p:nvPr>
             <p:ph type="ctrTitle"/>
           </p:nvPr>
@@ -7482,12 +7668,12 @@
           </a:prstGeom>
         </p:spPr>
         <p:txBody>
-          <a:bodyPr anchorCtr="0" anchor="b" bIns="91425" lIns="91425" spcFirstLastPara="1" rIns="91425" wrap="square" tIns="91425">
+          <a:bodyPr spcFirstLastPara="1" wrap="square" lIns="91425" tIns="91425" rIns="91425" bIns="91425" anchor="b" anchorCtr="0">
             <a:noAutofit/>
           </a:bodyPr>
           <a:lstStyle/>
           <a:p>
-            <a:pPr indent="0" lvl="0" marL="0" rtl="0" algn="ctr">
+            <a:pPr marL="0" lvl="0" indent="0" algn="ctr" rtl="0">
               <a:spcBef>
                 <a:spcPts val="0"/>
               </a:spcBef>
@@ -7507,9 +7693,11 @@
       <p:sp>
         <p:nvSpPr>
           <p:cNvPr id="67" name="Google Shape;67;p13"/>
-          <p:cNvSpPr txBox="1"/>
+          <p:cNvSpPr txBox="1">
+            <a:spLocks noGrp="1"/>
+          </p:cNvSpPr>
           <p:nvPr>
-            <p:ph idx="1" type="subTitle"/>
+            <p:ph type="subTitle" idx="1"/>
           </p:nvPr>
         </p:nvSpPr>
         <p:spPr>
@@ -7522,12 +7710,12 @@
           </a:prstGeom>
         </p:spPr>
         <p:txBody>
-          <a:bodyPr anchorCtr="0" anchor="t" bIns="91425" lIns="91425" spcFirstLastPara="1" rIns="91425" wrap="square" tIns="91425">
+          <a:bodyPr spcFirstLastPara="1" wrap="square" lIns="91425" tIns="91425" rIns="91425" bIns="91425" anchor="t" anchorCtr="0">
             <a:noAutofit/>
           </a:bodyPr>
           <a:lstStyle/>
           <a:p>
-            <a:pPr indent="0" lvl="0" marL="0" rtl="0" algn="ctr">
+            <a:pPr marL="0" lvl="0" indent="0" algn="ctr" rtl="0">
               <a:spcBef>
                 <a:spcPts val="0"/>
               </a:spcBef>
@@ -7543,7 +7731,7 @@
             <a:endParaRPr/>
           </a:p>
           <a:p>
-            <a:pPr indent="0" lvl="0" marL="0" rtl="0" algn="ctr">
+            <a:pPr marL="0" lvl="0" indent="0" algn="ctr" rtl="0">
               <a:spcBef>
                 <a:spcPts val="0"/>
               </a:spcBef>
@@ -7565,15 +7753,22 @@
   <p:clrMapOvr>
     <a:masterClrMapping/>
   </p:clrMapOvr>
+  <p:timing>
+    <p:tnLst>
+      <p:par>
+        <p:cTn id="1" dur="indefinite" restart="never" nodeType="tmRoot"/>
+      </p:par>
+    </p:tnLst>
+  </p:timing>
 </p:sld>
 </file>
 
 <file path=ppt/slides/slide10.xml><?xml version="1.0" encoding="utf-8"?>
-<p:sld xmlns:a="http://schemas.openxmlformats.org/drawingml/2006/main" xmlns:r="http://schemas.openxmlformats.org/officeDocument/2006/relationships" xmlns:mc="http://schemas.openxmlformats.org/markup-compatibility/2006" xmlns:mv="urn:schemas-microsoft-com:mac:vml" xmlns:p="http://schemas.openxmlformats.org/presentationml/2006/main" xmlns:c="http://schemas.openxmlformats.org/drawingml/2006/chart" xmlns:dgm="http://schemas.openxmlformats.org/drawingml/2006/diagram" xmlns:o="urn:schemas-microsoft-com:office:office" xmlns:v="urn:schemas-microsoft-com:vml" xmlns:pvml="urn:schemas-microsoft-com:office:powerpoint" xmlns:com="http://schemas.openxmlformats.org/drawingml/2006/compatibility" xmlns:p14="http://schemas.microsoft.com/office/powerpoint/2010/main" xmlns:p15="http://schemas.microsoft.com/office/powerpoint/2012/main">
+<p:sld xmlns:a="http://schemas.openxmlformats.org/drawingml/2006/main" xmlns:r="http://schemas.openxmlformats.org/officeDocument/2006/relationships" xmlns:p="http://schemas.openxmlformats.org/presentationml/2006/main">
   <p:cSld>
     <p:spTree>
       <p:nvGrpSpPr>
-        <p:cNvPr id="125" name="Shape 125"/>
+        <p:cNvPr id="1" name="Shape 125"/>
         <p:cNvGrpSpPr/>
         <p:nvPr/>
       </p:nvGrpSpPr>
@@ -7588,7 +7783,9 @@
       <p:sp>
         <p:nvSpPr>
           <p:cNvPr id="126" name="Google Shape;126;p22"/>
-          <p:cNvSpPr txBox="1"/>
+          <p:cNvSpPr txBox="1">
+            <a:spLocks noGrp="1"/>
+          </p:cNvSpPr>
           <p:nvPr>
             <p:ph type="title"/>
           </p:nvPr>
@@ -7603,12 +7800,12 @@
           </a:prstGeom>
         </p:spPr>
         <p:txBody>
-          <a:bodyPr anchorCtr="0" anchor="t" bIns="91425" lIns="91425" spcFirstLastPara="1" rIns="91425" wrap="square" tIns="91425">
+          <a:bodyPr spcFirstLastPara="1" wrap="square" lIns="91425" tIns="91425" rIns="91425" bIns="91425" anchor="t" anchorCtr="0">
             <a:noAutofit/>
           </a:bodyPr>
           <a:lstStyle/>
           <a:p>
-            <a:pPr indent="0" lvl="0" marL="0" rtl="0" algn="l">
+            <a:pPr marL="0" lvl="0" indent="0" algn="l" rtl="0">
               <a:spcBef>
                 <a:spcPts val="0"/>
               </a:spcBef>
@@ -7640,23 +7837,23 @@
             <a:avLst/>
           </a:prstGeom>
           <a:noFill/>
-          <a:ln cap="flat" cmpd="sng" w="9525">
+          <a:ln w="9525" cap="flat" cmpd="sng">
             <a:solidFill>
               <a:srgbClr val="434343"/>
             </a:solidFill>
             <a:prstDash val="solid"/>
             <a:round/>
-            <a:headEnd len="sm" w="sm" type="none"/>
-            <a:tailEnd len="sm" w="sm" type="none"/>
+            <a:headEnd type="none" w="sm" len="sm"/>
+            <a:tailEnd type="none" w="sm" len="sm"/>
           </a:ln>
         </p:spPr>
         <p:txBody>
-          <a:bodyPr anchorCtr="0" anchor="t" bIns="91425" lIns="91425" spcFirstLastPara="1" rIns="91425" wrap="square" tIns="91425">
+          <a:bodyPr spcFirstLastPara="1" wrap="square" lIns="91425" tIns="91425" rIns="91425" bIns="91425" anchor="t" anchorCtr="0">
             <a:noAutofit/>
           </a:bodyPr>
           <a:lstStyle/>
           <a:p>
-            <a:pPr indent="0" lvl="0" marL="0" rtl="0" algn="l">
+            <a:pPr marL="0" lvl="0" indent="0" algn="l" rtl="0">
               <a:spcBef>
                 <a:spcPts val="0"/>
               </a:spcBef>
@@ -7682,7 +7879,7 @@
             </a:endParaRPr>
           </a:p>
           <a:p>
-            <a:pPr indent="0" lvl="0" marL="0" rtl="0" algn="l">
+            <a:pPr marL="0" lvl="0" indent="0" algn="l" rtl="0">
               <a:spcBef>
                 <a:spcPts val="0"/>
               </a:spcBef>
@@ -7708,7 +7905,7 @@
             </a:endParaRPr>
           </a:p>
           <a:p>
-            <a:pPr indent="0" lvl="0" marL="0" rtl="0" algn="l">
+            <a:pPr marL="0" lvl="0" indent="0" algn="l" rtl="0">
               <a:spcBef>
                 <a:spcPts val="0"/>
               </a:spcBef>
@@ -7734,7 +7931,7 @@
             </a:endParaRPr>
           </a:p>
           <a:p>
-            <a:pPr indent="0" lvl="0" marL="0" rtl="0" algn="l">
+            <a:pPr marL="0" lvl="0" indent="0" algn="l" rtl="0">
               <a:spcBef>
                 <a:spcPts val="0"/>
               </a:spcBef>
@@ -7760,7 +7957,7 @@
             </a:endParaRPr>
           </a:p>
           <a:p>
-            <a:pPr indent="0" lvl="0" marL="0" rtl="0" algn="l">
+            <a:pPr marL="0" lvl="0" indent="0" algn="l" rtl="0">
               <a:spcBef>
                 <a:spcPts val="0"/>
               </a:spcBef>
@@ -7786,7 +7983,7 @@
             </a:endParaRPr>
           </a:p>
           <a:p>
-            <a:pPr indent="0" lvl="0" marL="0" rtl="0" algn="l">
+            <a:pPr marL="0" lvl="0" indent="0" algn="l" rtl="0">
               <a:spcBef>
                 <a:spcPts val="0"/>
               </a:spcBef>
@@ -7812,7 +8009,7 @@
             </a:endParaRPr>
           </a:p>
           <a:p>
-            <a:pPr indent="0" lvl="0" marL="0" rtl="0" algn="l">
+            <a:pPr marL="0" lvl="0" indent="0" algn="l" rtl="0">
               <a:spcBef>
                 <a:spcPts val="0"/>
               </a:spcBef>
@@ -7838,18 +8035,15 @@
             </a:endParaRPr>
           </a:p>
           <a:p>
-            <a:pPr indent="0" lvl="0" marL="0" rtl="0" algn="l">
-              <a:spcBef>
-                <a:spcPts val="0"/>
-              </a:spcBef>
-              <a:spcAft>
-                <a:spcPts val="0"/>
-              </a:spcAft>
-              <a:buNone/>
-            </a:pPr>
-            <a:r>
-              <a:t/>
-            </a:r>
+            <a:pPr marL="0" lvl="0" indent="0" algn="l" rtl="0">
+              <a:spcBef>
+                <a:spcPts val="0"/>
+              </a:spcBef>
+              <a:spcAft>
+                <a:spcPts val="0"/>
+              </a:spcAft>
+              <a:buNone/>
+            </a:pPr>
             <a:endParaRPr>
               <a:latin typeface="Open Sans"/>
               <a:ea typeface="Open Sans"/>
@@ -7858,7 +8052,7 @@
             </a:endParaRPr>
           </a:p>
           <a:p>
-            <a:pPr indent="0" lvl="0" marL="0" rtl="0" algn="l">
+            <a:pPr marL="0" lvl="0" indent="0" algn="l" rtl="0">
               <a:spcBef>
                 <a:spcPts val="0"/>
               </a:spcBef>
@@ -7884,7 +8078,7 @@
             </a:endParaRPr>
           </a:p>
           <a:p>
-            <a:pPr indent="0" lvl="0" marL="0" rtl="0" algn="l">
+            <a:pPr marL="0" lvl="0" indent="0" algn="l" rtl="0">
               <a:spcBef>
                 <a:spcPts val="0"/>
               </a:spcBef>
@@ -7910,7 +8104,7 @@
             </a:endParaRPr>
           </a:p>
           <a:p>
-            <a:pPr indent="0" lvl="0" marL="0" rtl="0" algn="l">
+            <a:pPr marL="0" lvl="0" indent="0" algn="l" rtl="0">
               <a:spcBef>
                 <a:spcPts val="0"/>
               </a:spcBef>
@@ -7936,7 +8130,7 @@
             </a:endParaRPr>
           </a:p>
           <a:p>
-            <a:pPr indent="0" lvl="0" marL="0" rtl="0" algn="l">
+            <a:pPr marL="0" lvl="0" indent="0" algn="l" rtl="0">
               <a:spcBef>
                 <a:spcPts val="0"/>
               </a:spcBef>
@@ -7962,7 +8156,7 @@
             </a:endParaRPr>
           </a:p>
           <a:p>
-            <a:pPr indent="0" lvl="0" marL="0" rtl="0" algn="l">
+            <a:pPr marL="0" lvl="0" indent="0" algn="l" rtl="0">
               <a:spcBef>
                 <a:spcPts val="0"/>
               </a:spcBef>
@@ -7988,7 +8182,7 @@
             </a:endParaRPr>
           </a:p>
           <a:p>
-            <a:pPr indent="0" lvl="0" marL="0" rtl="0" algn="l">
+            <a:pPr marL="0" lvl="0" indent="0" algn="l" rtl="0">
               <a:spcBef>
                 <a:spcPts val="0"/>
               </a:spcBef>
@@ -8014,18 +8208,15 @@
             </a:endParaRPr>
           </a:p>
           <a:p>
-            <a:pPr indent="0" lvl="0" marL="0" rtl="0" algn="l">
-              <a:spcBef>
-                <a:spcPts val="0"/>
-              </a:spcBef>
-              <a:spcAft>
-                <a:spcPts val="0"/>
-              </a:spcAft>
-              <a:buNone/>
-            </a:pPr>
-            <a:r>
-              <a:t/>
-            </a:r>
+            <a:pPr marL="0" lvl="0" indent="0" algn="l" rtl="0">
+              <a:spcBef>
+                <a:spcPts val="0"/>
+              </a:spcBef>
+              <a:spcAft>
+                <a:spcPts val="0"/>
+              </a:spcAft>
+              <a:buNone/>
+            </a:pPr>
             <a:endParaRPr>
               <a:latin typeface="Open Sans"/>
               <a:ea typeface="Open Sans"/>
@@ -8034,18 +8225,15 @@
             </a:endParaRPr>
           </a:p>
           <a:p>
-            <a:pPr indent="0" lvl="0" marL="0" rtl="0" algn="l">
-              <a:spcBef>
-                <a:spcPts val="0"/>
-              </a:spcBef>
-              <a:spcAft>
-                <a:spcPts val="0"/>
-              </a:spcAft>
-              <a:buNone/>
-            </a:pPr>
-            <a:r>
-              <a:t/>
-            </a:r>
+            <a:pPr marL="0" lvl="0" indent="0" algn="l" rtl="0">
+              <a:spcBef>
+                <a:spcPts val="0"/>
+              </a:spcBef>
+              <a:spcAft>
+                <a:spcPts val="0"/>
+              </a:spcAft>
+              <a:buNone/>
+            </a:pPr>
             <a:endParaRPr>
               <a:latin typeface="Open Sans"/>
               <a:ea typeface="Open Sans"/>
@@ -8060,15 +8248,22 @@
   <p:clrMapOvr>
     <a:masterClrMapping/>
   </p:clrMapOvr>
+  <p:timing>
+    <p:tnLst>
+      <p:par>
+        <p:cTn id="1" dur="indefinite" restart="never" nodeType="tmRoot"/>
+      </p:par>
+    </p:tnLst>
+  </p:timing>
 </p:sld>
 </file>
 
 <file path=ppt/slides/slide11.xml><?xml version="1.0" encoding="utf-8"?>
-<p:sld xmlns:a="http://schemas.openxmlformats.org/drawingml/2006/main" xmlns:r="http://schemas.openxmlformats.org/officeDocument/2006/relationships" xmlns:mc="http://schemas.openxmlformats.org/markup-compatibility/2006" xmlns:mv="urn:schemas-microsoft-com:mac:vml" xmlns:p="http://schemas.openxmlformats.org/presentationml/2006/main" xmlns:c="http://schemas.openxmlformats.org/drawingml/2006/chart" xmlns:dgm="http://schemas.openxmlformats.org/drawingml/2006/diagram" xmlns:o="urn:schemas-microsoft-com:office:office" xmlns:v="urn:schemas-microsoft-com:vml" xmlns:pvml="urn:schemas-microsoft-com:office:powerpoint" xmlns:com="http://schemas.openxmlformats.org/drawingml/2006/compatibility" xmlns:p14="http://schemas.microsoft.com/office/powerpoint/2010/main" xmlns:p15="http://schemas.microsoft.com/office/powerpoint/2012/main">
+<p:sld xmlns:a="http://schemas.openxmlformats.org/drawingml/2006/main" xmlns:r="http://schemas.openxmlformats.org/officeDocument/2006/relationships" xmlns:p="http://schemas.openxmlformats.org/presentationml/2006/main">
   <p:cSld>
     <p:spTree>
       <p:nvGrpSpPr>
-        <p:cNvPr id="131" name="Shape 131"/>
+        <p:cNvPr id="1" name="Shape 131"/>
         <p:cNvGrpSpPr/>
         <p:nvPr/>
       </p:nvGrpSpPr>
@@ -8083,7 +8278,9 @@
       <p:sp>
         <p:nvSpPr>
           <p:cNvPr id="132" name="Google Shape;132;p23"/>
-          <p:cNvSpPr txBox="1"/>
+          <p:cNvSpPr txBox="1">
+            <a:spLocks noGrp="1"/>
+          </p:cNvSpPr>
           <p:nvPr>
             <p:ph type="title"/>
           </p:nvPr>
@@ -8098,23 +8295,20 @@
           </a:prstGeom>
         </p:spPr>
         <p:txBody>
-          <a:bodyPr anchorCtr="0" anchor="t" bIns="91425" lIns="91425" spcFirstLastPara="1" rIns="91425" wrap="square" tIns="91425">
+          <a:bodyPr spcFirstLastPara="1" wrap="square" lIns="91425" tIns="91425" rIns="91425" bIns="91425" anchor="t" anchorCtr="0">
             <a:noAutofit/>
           </a:bodyPr>
           <a:lstStyle/>
           <a:p>
-            <a:pPr indent="0" lvl="0" marL="0" rtl="0" algn="l">
-              <a:spcBef>
-                <a:spcPts val="0"/>
-              </a:spcBef>
-              <a:spcAft>
-                <a:spcPts val="0"/>
-              </a:spcAft>
-              <a:buNone/>
-            </a:pPr>
-            <a:r>
-              <a:t/>
-            </a:r>
+            <a:pPr marL="0" lvl="0" indent="0" algn="l" rtl="0">
+              <a:spcBef>
+                <a:spcPts val="0"/>
+              </a:spcBef>
+              <a:spcAft>
+                <a:spcPts val="0"/>
+              </a:spcAft>
+              <a:buNone/>
+            </a:pPr>
             <a:endParaRPr/>
           </a:p>
         </p:txBody>
@@ -8134,23 +8328,23 @@
             <a:avLst/>
           </a:prstGeom>
           <a:noFill/>
-          <a:ln cap="flat" cmpd="sng" w="9525">
+          <a:ln w="9525" cap="flat" cmpd="sng">
             <a:solidFill>
               <a:srgbClr val="434343"/>
             </a:solidFill>
             <a:prstDash val="solid"/>
             <a:round/>
-            <a:headEnd len="sm" w="sm" type="none"/>
-            <a:tailEnd len="sm" w="sm" type="none"/>
+            <a:headEnd type="none" w="sm" len="sm"/>
+            <a:tailEnd type="none" w="sm" len="sm"/>
           </a:ln>
         </p:spPr>
         <p:txBody>
-          <a:bodyPr anchorCtr="0" anchor="t" bIns="91425" lIns="91425" spcFirstLastPara="1" rIns="91425" wrap="square" tIns="91425">
+          <a:bodyPr spcFirstLastPara="1" wrap="square" lIns="91425" tIns="91425" rIns="91425" bIns="91425" anchor="t" anchorCtr="0">
             <a:noAutofit/>
           </a:bodyPr>
           <a:lstStyle/>
           <a:p>
-            <a:pPr indent="0" lvl="0" marL="0" rtl="0" algn="l">
+            <a:pPr marL="0" lvl="0" indent="0" algn="l" rtl="0">
               <a:spcBef>
                 <a:spcPts val="0"/>
               </a:spcBef>
@@ -8176,7 +8370,7 @@
             </a:endParaRPr>
           </a:p>
           <a:p>
-            <a:pPr indent="0" lvl="0" marL="0" rtl="0" algn="l">
+            <a:pPr marL="0" lvl="0" indent="0" algn="l" rtl="0">
               <a:spcBef>
                 <a:spcPts val="0"/>
               </a:spcBef>
@@ -8202,7 +8396,7 @@
             </a:endParaRPr>
           </a:p>
           <a:p>
-            <a:pPr indent="0" lvl="0" marL="0" rtl="0" algn="l">
+            <a:pPr marL="0" lvl="0" indent="0" algn="l" rtl="0">
               <a:spcBef>
                 <a:spcPts val="0"/>
               </a:spcBef>
@@ -8228,7 +8422,7 @@
             </a:endParaRPr>
           </a:p>
           <a:p>
-            <a:pPr indent="0" lvl="0" marL="0" rtl="0" algn="l">
+            <a:pPr marL="0" lvl="0" indent="0" algn="l" rtl="0">
               <a:spcBef>
                 <a:spcPts val="0"/>
               </a:spcBef>
@@ -8254,18 +8448,15 @@
             </a:endParaRPr>
           </a:p>
           <a:p>
-            <a:pPr indent="0" lvl="0" marL="0" rtl="0" algn="l">
-              <a:spcBef>
-                <a:spcPts val="0"/>
-              </a:spcBef>
-              <a:spcAft>
-                <a:spcPts val="0"/>
-              </a:spcAft>
-              <a:buNone/>
-            </a:pPr>
-            <a:r>
-              <a:t/>
-            </a:r>
+            <a:pPr marL="0" lvl="0" indent="0" algn="l" rtl="0">
+              <a:spcBef>
+                <a:spcPts val="0"/>
+              </a:spcBef>
+              <a:spcAft>
+                <a:spcPts val="0"/>
+              </a:spcAft>
+              <a:buNone/>
+            </a:pPr>
             <a:endParaRPr>
               <a:latin typeface="Open Sans"/>
               <a:ea typeface="Open Sans"/>
@@ -8274,7 +8465,7 @@
             </a:endParaRPr>
           </a:p>
           <a:p>
-            <a:pPr indent="0" lvl="0" marL="0" rtl="0" algn="l">
+            <a:pPr marL="0" lvl="0" indent="0" algn="l" rtl="0">
               <a:spcBef>
                 <a:spcPts val="0"/>
               </a:spcBef>
@@ -8300,7 +8491,7 @@
             </a:endParaRPr>
           </a:p>
           <a:p>
-            <a:pPr indent="0" lvl="0" marL="0" rtl="0" algn="l">
+            <a:pPr marL="0" lvl="0" indent="0" algn="l" rtl="0">
               <a:spcBef>
                 <a:spcPts val="0"/>
               </a:spcBef>
@@ -8326,7 +8517,7 @@
             </a:endParaRPr>
           </a:p>
           <a:p>
-            <a:pPr indent="0" lvl="0" marL="0" rtl="0" algn="l">
+            <a:pPr marL="0" lvl="0" indent="0" algn="l" rtl="0">
               <a:spcBef>
                 <a:spcPts val="0"/>
               </a:spcBef>
@@ -8352,7 +8543,7 @@
             </a:endParaRPr>
           </a:p>
           <a:p>
-            <a:pPr indent="0" lvl="0" marL="0" rtl="0" algn="l">
+            <a:pPr marL="0" lvl="0" indent="0" algn="l" rtl="0">
               <a:spcBef>
                 <a:spcPts val="0"/>
               </a:spcBef>
@@ -8378,18 +8569,15 @@
             </a:endParaRPr>
           </a:p>
           <a:p>
-            <a:pPr indent="0" lvl="0" marL="0" rtl="0" algn="l">
-              <a:spcBef>
-                <a:spcPts val="0"/>
-              </a:spcBef>
-              <a:spcAft>
-                <a:spcPts val="0"/>
-              </a:spcAft>
-              <a:buNone/>
-            </a:pPr>
-            <a:r>
-              <a:t/>
-            </a:r>
+            <a:pPr marL="0" lvl="0" indent="0" algn="l" rtl="0">
+              <a:spcBef>
+                <a:spcPts val="0"/>
+              </a:spcBef>
+              <a:spcAft>
+                <a:spcPts val="0"/>
+              </a:spcAft>
+              <a:buNone/>
+            </a:pPr>
             <a:endParaRPr>
               <a:latin typeface="Open Sans"/>
               <a:ea typeface="Open Sans"/>
@@ -8398,7 +8586,7 @@
             </a:endParaRPr>
           </a:p>
           <a:p>
-            <a:pPr indent="0" lvl="0" marL="0" rtl="0" algn="l">
+            <a:pPr marL="0" lvl="0" indent="0" algn="l" rtl="0">
               <a:spcBef>
                 <a:spcPts val="0"/>
               </a:spcBef>
@@ -8424,7 +8612,7 @@
             </a:endParaRPr>
           </a:p>
           <a:p>
-            <a:pPr indent="0" lvl="0" marL="0" rtl="0" algn="l">
+            <a:pPr marL="0" lvl="0" indent="0" algn="l" rtl="0">
               <a:spcBef>
                 <a:spcPts val="0"/>
               </a:spcBef>
@@ -8450,7 +8638,7 @@
             </a:endParaRPr>
           </a:p>
           <a:p>
-            <a:pPr indent="0" lvl="0" marL="0" rtl="0" algn="l">
+            <a:pPr marL="0" lvl="0" indent="0" algn="l" rtl="0">
               <a:spcBef>
                 <a:spcPts val="0"/>
               </a:spcBef>
@@ -8476,7 +8664,7 @@
             </a:endParaRPr>
           </a:p>
           <a:p>
-            <a:pPr indent="0" lvl="0" marL="0" rtl="0" algn="l">
+            <a:pPr marL="0" lvl="0" indent="0" algn="l" rtl="0">
               <a:spcBef>
                 <a:spcPts val="0"/>
               </a:spcBef>
@@ -8502,18 +8690,15 @@
             </a:endParaRPr>
           </a:p>
           <a:p>
-            <a:pPr indent="0" lvl="0" marL="0" rtl="0" algn="l">
-              <a:spcBef>
-                <a:spcPts val="0"/>
-              </a:spcBef>
-              <a:spcAft>
-                <a:spcPts val="0"/>
-              </a:spcAft>
-              <a:buNone/>
-            </a:pPr>
-            <a:r>
-              <a:t/>
-            </a:r>
+            <a:pPr marL="0" lvl="0" indent="0" algn="l" rtl="0">
+              <a:spcBef>
+                <a:spcPts val="0"/>
+              </a:spcBef>
+              <a:spcAft>
+                <a:spcPts val="0"/>
+              </a:spcAft>
+              <a:buNone/>
+            </a:pPr>
             <a:endParaRPr>
               <a:latin typeface="Open Sans"/>
               <a:ea typeface="Open Sans"/>
@@ -8522,18 +8707,15 @@
             </a:endParaRPr>
           </a:p>
           <a:p>
-            <a:pPr indent="0" lvl="0" marL="0" rtl="0" algn="l">
-              <a:spcBef>
-                <a:spcPts val="0"/>
-              </a:spcBef>
-              <a:spcAft>
-                <a:spcPts val="0"/>
-              </a:spcAft>
-              <a:buNone/>
-            </a:pPr>
-            <a:r>
-              <a:t/>
-            </a:r>
+            <a:pPr marL="0" lvl="0" indent="0" algn="l" rtl="0">
+              <a:spcBef>
+                <a:spcPts val="0"/>
+              </a:spcBef>
+              <a:spcAft>
+                <a:spcPts val="0"/>
+              </a:spcAft>
+              <a:buNone/>
+            </a:pPr>
             <a:endParaRPr>
               <a:latin typeface="Open Sans"/>
               <a:ea typeface="Open Sans"/>
@@ -8548,15 +8730,1136 @@
   <p:clrMapOvr>
     <a:masterClrMapping/>
   </p:clrMapOvr>
+  <p:timing>
+    <p:tnLst>
+      <p:par>
+        <p:cTn id="1" dur="indefinite" restart="never" nodeType="tmRoot"/>
+      </p:par>
+    </p:tnLst>
+  </p:timing>
 </p:sld>
 </file>
 
 <file path=ppt/slides/slide12.xml><?xml version="1.0" encoding="utf-8"?>
-<p:sld xmlns:a="http://schemas.openxmlformats.org/drawingml/2006/main" xmlns:r="http://schemas.openxmlformats.org/officeDocument/2006/relationships" xmlns:mc="http://schemas.openxmlformats.org/markup-compatibility/2006" xmlns:mv="urn:schemas-microsoft-com:mac:vml" xmlns:p="http://schemas.openxmlformats.org/presentationml/2006/main" xmlns:c="http://schemas.openxmlformats.org/drawingml/2006/chart" xmlns:dgm="http://schemas.openxmlformats.org/drawingml/2006/diagram" xmlns:o="urn:schemas-microsoft-com:office:office" xmlns:v="urn:schemas-microsoft-com:vml" xmlns:pvml="urn:schemas-microsoft-com:office:powerpoint" xmlns:com="http://schemas.openxmlformats.org/drawingml/2006/compatibility" xmlns:p14="http://schemas.microsoft.com/office/powerpoint/2010/main" xmlns:p15="http://schemas.microsoft.com/office/powerpoint/2012/main">
+<p:sld xmlns:a="http://schemas.openxmlformats.org/drawingml/2006/main" xmlns:r="http://schemas.openxmlformats.org/officeDocument/2006/relationships" xmlns:p="http://schemas.openxmlformats.org/presentationml/2006/main">
   <p:cSld>
     <p:spTree>
       <p:nvGrpSpPr>
-        <p:cNvPr id="137" name="Shape 137"/>
+        <p:cNvPr id="1" name=""/>
+        <p:cNvGrpSpPr/>
+        <p:nvPr/>
+      </p:nvGrpSpPr>
+      <p:grpSpPr>
+        <a:xfrm>
+          <a:off x="0" y="0"/>
+          <a:ext cx="0" cy="0"/>
+          <a:chOff x="0" y="0"/>
+          <a:chExt cx="0" cy="0"/>
+        </a:xfrm>
+      </p:grpSpPr>
+      <p:sp>
+        <p:nvSpPr>
+          <p:cNvPr id="2" name="Title 1"/>
+          <p:cNvSpPr>
+            <a:spLocks noGrp="1"/>
+          </p:cNvSpPr>
+          <p:nvPr>
+            <p:ph type="title"/>
+          </p:nvPr>
+        </p:nvSpPr>
+        <p:spPr>
+          <a:xfrm>
+            <a:off x="302463" y="186406"/>
+            <a:ext cx="8520600" cy="707400"/>
+          </a:xfrm>
+        </p:spPr>
+        <p:txBody>
+          <a:bodyPr/>
+          <a:lstStyle/>
+          <a:p>
+            <a:r>
+              <a:rPr lang="en-US" dirty="0" smtClean="0"/>
+              <a:t>Program</a:t>
+            </a:r>
+            <a:endParaRPr lang="id-ID" dirty="0"/>
+          </a:p>
+        </p:txBody>
+      </p:sp>
+      <p:sp>
+        <p:nvSpPr>
+          <p:cNvPr id="3" name="Text Placeholder 2"/>
+          <p:cNvSpPr>
+            <a:spLocks noGrp="1"/>
+          </p:cNvSpPr>
+          <p:nvPr>
+            <p:ph type="body" idx="1"/>
+          </p:nvPr>
+        </p:nvSpPr>
+        <p:spPr>
+          <a:xfrm>
+            <a:off x="219337" y="1023421"/>
+            <a:ext cx="4426554" cy="3302700"/>
+          </a:xfrm>
+        </p:spPr>
+        <p:txBody>
+          <a:bodyPr/>
+          <a:lstStyle/>
+          <a:p>
+            <a:pPr marL="114300" indent="0">
+              <a:buNone/>
+            </a:pPr>
+            <a:r>
+              <a:rPr lang="en-US" sz="1200" dirty="0"/>
+              <a:t>// C++ implementation of the approach </a:t>
+            </a:r>
+          </a:p>
+          <a:p>
+            <a:pPr marL="114300" indent="0">
+              <a:buNone/>
+            </a:pPr>
+            <a:r>
+              <a:rPr lang="en-US" sz="1200" dirty="0"/>
+              <a:t>#include &lt;bits/</a:t>
+            </a:r>
+            <a:r>
+              <a:rPr lang="en-US" sz="1200" dirty="0" err="1"/>
+              <a:t>stdc</a:t>
+            </a:r>
+            <a:r>
+              <a:rPr lang="en-US" sz="1200" dirty="0"/>
+              <a:t>++.h&gt; </a:t>
+            </a:r>
+          </a:p>
+          <a:p>
+            <a:pPr marL="114300" indent="0">
+              <a:buNone/>
+            </a:pPr>
+            <a:r>
+              <a:rPr lang="en-US" sz="1200" dirty="0"/>
+              <a:t>using namespace </a:t>
+            </a:r>
+            <a:r>
+              <a:rPr lang="en-US" sz="1200" dirty="0" err="1"/>
+              <a:t>std</a:t>
+            </a:r>
+            <a:r>
+              <a:rPr lang="en-US" sz="1200" dirty="0"/>
+              <a:t>; </a:t>
+            </a:r>
+          </a:p>
+          <a:p>
+            <a:pPr marL="114300" indent="0">
+              <a:buNone/>
+            </a:pPr>
+            <a:r>
+              <a:rPr lang="en-US" sz="1200" dirty="0"/>
+              <a:t>#define V 4 </a:t>
+            </a:r>
+          </a:p>
+          <a:p>
+            <a:endParaRPr lang="en-US" sz="1200" dirty="0"/>
+          </a:p>
+          <a:p>
+            <a:pPr marL="114300" indent="0">
+              <a:buNone/>
+            </a:pPr>
+            <a:r>
+              <a:rPr lang="en-US" sz="1200" dirty="0"/>
+              <a:t>// Function to find the minimum weight Hamiltonian Cycle </a:t>
+            </a:r>
+          </a:p>
+          <a:p>
+            <a:pPr marL="114300" indent="0">
+              <a:buNone/>
+            </a:pPr>
+            <a:r>
+              <a:rPr lang="en-US" sz="1200" dirty="0"/>
+              <a:t>void </a:t>
+            </a:r>
+            <a:r>
+              <a:rPr lang="en-US" sz="1200" dirty="0" err="1"/>
+              <a:t>tsp</a:t>
+            </a:r>
+            <a:r>
+              <a:rPr lang="en-US" sz="1200" dirty="0"/>
+              <a:t>(</a:t>
+            </a:r>
+            <a:r>
+              <a:rPr lang="en-US" sz="1200" dirty="0" err="1"/>
+              <a:t>int</a:t>
+            </a:r>
+            <a:r>
+              <a:rPr lang="en-US" sz="1200" dirty="0"/>
+              <a:t> graph[][V], vector&lt;</a:t>
+            </a:r>
+            <a:r>
+              <a:rPr lang="en-US" sz="1200" dirty="0" err="1"/>
+              <a:t>bool</a:t>
+            </a:r>
+            <a:r>
+              <a:rPr lang="en-US" sz="1200" dirty="0"/>
+              <a:t>&gt;&amp; v, </a:t>
+            </a:r>
+            <a:r>
+              <a:rPr lang="en-US" sz="1200" dirty="0" err="1"/>
+              <a:t>int</a:t>
+            </a:r>
+            <a:r>
+              <a:rPr lang="en-US" sz="1200" dirty="0"/>
+              <a:t> </a:t>
+            </a:r>
+            <a:r>
+              <a:rPr lang="en-US" sz="1200" dirty="0" err="1"/>
+              <a:t>currPos</a:t>
+            </a:r>
+            <a:r>
+              <a:rPr lang="en-US" sz="1200" dirty="0"/>
+              <a:t>, </a:t>
+            </a:r>
+          </a:p>
+          <a:p>
+            <a:pPr marL="114300" indent="0">
+              <a:buNone/>
+            </a:pPr>
+            <a:r>
+              <a:rPr lang="en-US" sz="1200" dirty="0"/>
+              <a:t>		</a:t>
+            </a:r>
+            <a:r>
+              <a:rPr lang="en-US" sz="1200" dirty="0" err="1"/>
+              <a:t>int</a:t>
+            </a:r>
+            <a:r>
+              <a:rPr lang="en-US" sz="1200" dirty="0"/>
+              <a:t> n, </a:t>
+            </a:r>
+            <a:r>
+              <a:rPr lang="en-US" sz="1200" dirty="0" err="1"/>
+              <a:t>int</a:t>
+            </a:r>
+            <a:r>
+              <a:rPr lang="en-US" sz="1200" dirty="0"/>
+              <a:t> count, </a:t>
+            </a:r>
+            <a:r>
+              <a:rPr lang="en-US" sz="1200" dirty="0" err="1"/>
+              <a:t>int</a:t>
+            </a:r>
+            <a:r>
+              <a:rPr lang="en-US" sz="1200" dirty="0"/>
+              <a:t> cost, </a:t>
+            </a:r>
+            <a:r>
+              <a:rPr lang="en-US" sz="1200" dirty="0" err="1"/>
+              <a:t>int</a:t>
+            </a:r>
+            <a:r>
+              <a:rPr lang="en-US" sz="1200" dirty="0"/>
+              <a:t>&amp; </a:t>
+            </a:r>
+            <a:r>
+              <a:rPr lang="en-US" sz="1200" dirty="0" err="1"/>
+              <a:t>ans</a:t>
+            </a:r>
+            <a:r>
+              <a:rPr lang="en-US" sz="1200" dirty="0"/>
+              <a:t>) </a:t>
+            </a:r>
+          </a:p>
+          <a:p>
+            <a:pPr marL="114300" indent="0">
+              <a:buNone/>
+            </a:pPr>
+            <a:r>
+              <a:rPr lang="en-US" sz="1200" dirty="0"/>
+              <a:t>{ </a:t>
+            </a:r>
+          </a:p>
+          <a:p>
+            <a:pPr marL="114300" indent="0">
+              <a:buNone/>
+            </a:pPr>
+            <a:endParaRPr lang="en-US" sz="1200" dirty="0"/>
+          </a:p>
+          <a:p>
+            <a:pPr marL="114300" indent="0">
+              <a:buNone/>
+            </a:pPr>
+            <a:r>
+              <a:rPr lang="en-US" sz="1200" dirty="0"/>
+              <a:t>	</a:t>
+            </a:r>
+            <a:r>
+              <a:rPr lang="en-US" sz="1200" dirty="0" smtClean="0"/>
+              <a:t>if (count == n &amp;&amp; graph[</a:t>
+            </a:r>
+            <a:r>
+              <a:rPr lang="en-US" sz="1200" dirty="0" err="1" smtClean="0"/>
+              <a:t>currPos</a:t>
+            </a:r>
+            <a:r>
+              <a:rPr lang="en-US" sz="1200" dirty="0" smtClean="0"/>
+              <a:t>][0]) { </a:t>
+            </a:r>
+          </a:p>
+          <a:p>
+            <a:pPr marL="114300" indent="0">
+              <a:buNone/>
+            </a:pPr>
+            <a:r>
+              <a:rPr lang="en-US" sz="1200" dirty="0"/>
+              <a:t>	</a:t>
+            </a:r>
+            <a:r>
+              <a:rPr lang="en-US" sz="1200" dirty="0" err="1" smtClean="0"/>
+              <a:t>ans</a:t>
+            </a:r>
+            <a:r>
+              <a:rPr lang="en-US" sz="1200" dirty="0" smtClean="0"/>
+              <a:t> </a:t>
+            </a:r>
+            <a:r>
+              <a:rPr lang="en-US" sz="1200" dirty="0"/>
+              <a:t>= min(</a:t>
+            </a:r>
+            <a:r>
+              <a:rPr lang="en-US" sz="1200" dirty="0" err="1"/>
+              <a:t>ans</a:t>
+            </a:r>
+            <a:r>
+              <a:rPr lang="en-US" sz="1200" dirty="0"/>
+              <a:t>, cost + graph[</a:t>
+            </a:r>
+            <a:r>
+              <a:rPr lang="en-US" sz="1200" dirty="0" err="1"/>
+              <a:t>currPos</a:t>
+            </a:r>
+            <a:r>
+              <a:rPr lang="en-US" sz="1200" dirty="0"/>
+              <a:t>][0]); </a:t>
+            </a:r>
+          </a:p>
+          <a:p>
+            <a:pPr marL="114300" indent="0">
+              <a:buNone/>
+            </a:pPr>
+            <a:r>
+              <a:rPr lang="en-US" sz="1200" dirty="0"/>
+              <a:t>	</a:t>
+            </a:r>
+            <a:r>
+              <a:rPr lang="en-US" sz="1200" dirty="0" smtClean="0"/>
+              <a:t>return</a:t>
+            </a:r>
+            <a:r>
+              <a:rPr lang="en-US" sz="1200" dirty="0"/>
+              <a:t>; </a:t>
+            </a:r>
+          </a:p>
+          <a:p>
+            <a:pPr marL="114300" indent="0">
+              <a:buNone/>
+            </a:pPr>
+            <a:r>
+              <a:rPr lang="en-US" sz="1200" dirty="0" smtClean="0"/>
+              <a:t>} </a:t>
+            </a:r>
+            <a:endParaRPr lang="en-US" sz="1200" dirty="0"/>
+          </a:p>
+          <a:p>
+            <a:pPr marL="114300" indent="0">
+              <a:buNone/>
+            </a:pPr>
+            <a:endParaRPr lang="en-US" sz="1200" dirty="0"/>
+          </a:p>
+          <a:p>
+            <a:pPr marL="114300" indent="0">
+              <a:buNone/>
+            </a:pPr>
+            <a:r>
+              <a:rPr lang="en-US" sz="1200" dirty="0"/>
+              <a:t>	</a:t>
+            </a:r>
+            <a:endParaRPr lang="id-ID" sz="1200" dirty="0"/>
+          </a:p>
+        </p:txBody>
+      </p:sp>
+    </p:spTree>
+    <p:extLst>
+      <p:ext uri="{BB962C8B-B14F-4D97-AF65-F5344CB8AC3E}">
+        <p14:creationId xmlns:p14="http://schemas.microsoft.com/office/powerpoint/2010/main" val="524100494"/>
+      </p:ext>
+    </p:extLst>
+  </p:cSld>
+  <p:clrMapOvr>
+    <a:masterClrMapping/>
+  </p:clrMapOvr>
+</p:sld>
+</file>
+
+<file path=ppt/slides/slide13.xml><?xml version="1.0" encoding="utf-8"?>
+<p:sld xmlns:a="http://schemas.openxmlformats.org/drawingml/2006/main" xmlns:r="http://schemas.openxmlformats.org/officeDocument/2006/relationships" xmlns:p="http://schemas.openxmlformats.org/presentationml/2006/main">
+  <p:cSld>
+    <p:spTree>
+      <p:nvGrpSpPr>
+        <p:cNvPr id="1" name=""/>
+        <p:cNvGrpSpPr/>
+        <p:nvPr/>
+      </p:nvGrpSpPr>
+      <p:grpSpPr>
+        <a:xfrm>
+          <a:off x="0" y="0"/>
+          <a:ext cx="0" cy="0"/>
+          <a:chOff x="0" y="0"/>
+          <a:chExt cx="0" cy="0"/>
+        </a:xfrm>
+      </p:grpSpPr>
+      <p:sp>
+        <p:nvSpPr>
+          <p:cNvPr id="3" name="Text Placeholder 2"/>
+          <p:cNvSpPr>
+            <a:spLocks noGrp="1"/>
+          </p:cNvSpPr>
+          <p:nvPr>
+            <p:ph type="body" idx="1"/>
+          </p:nvPr>
+        </p:nvSpPr>
+        <p:spPr>
+          <a:xfrm>
+            <a:off x="311699" y="138545"/>
+            <a:ext cx="8278119" cy="4430480"/>
+          </a:xfrm>
+        </p:spPr>
+        <p:txBody>
+          <a:bodyPr/>
+          <a:lstStyle/>
+          <a:p>
+            <a:pPr marL="114300" indent="0">
+              <a:buNone/>
+            </a:pPr>
+            <a:r>
+              <a:rPr lang="en-US" sz="1200" dirty="0"/>
+              <a:t>// BACKTRACKING STEP </a:t>
+            </a:r>
+          </a:p>
+          <a:p>
+            <a:pPr marL="114300" indent="0">
+              <a:buNone/>
+            </a:pPr>
+            <a:r>
+              <a:rPr lang="en-US" sz="1200" dirty="0" smtClean="0"/>
+              <a:t>for </a:t>
+            </a:r>
+            <a:r>
+              <a:rPr lang="en-US" sz="1200" dirty="0"/>
+              <a:t>(</a:t>
+            </a:r>
+            <a:r>
+              <a:rPr lang="en-US" sz="1200" dirty="0" err="1"/>
+              <a:t>int</a:t>
+            </a:r>
+            <a:r>
+              <a:rPr lang="en-US" sz="1200" dirty="0"/>
+              <a:t> i = 0; i &lt; n; i++) { </a:t>
+            </a:r>
+          </a:p>
+          <a:p>
+            <a:pPr marL="114300" indent="0">
+              <a:buNone/>
+            </a:pPr>
+            <a:r>
+              <a:rPr lang="en-US" sz="1200" dirty="0" smtClean="0"/>
+              <a:t>	if </a:t>
+            </a:r>
+            <a:r>
+              <a:rPr lang="en-US" sz="1200" dirty="0"/>
+              <a:t>(!v[i] &amp;&amp; graph[</a:t>
+            </a:r>
+            <a:r>
+              <a:rPr lang="en-US" sz="1200" dirty="0" err="1"/>
+              <a:t>currPos</a:t>
+            </a:r>
+            <a:r>
+              <a:rPr lang="en-US" sz="1200" dirty="0"/>
+              <a:t>][i]) { </a:t>
+            </a:r>
+          </a:p>
+          <a:p>
+            <a:pPr marL="114300" indent="0">
+              <a:buNone/>
+            </a:pPr>
+            <a:r>
+              <a:rPr lang="en-US" sz="1200" dirty="0"/>
+              <a:t>	</a:t>
+            </a:r>
+            <a:r>
+              <a:rPr lang="en-US" sz="1200" dirty="0" smtClean="0"/>
+              <a:t>// </a:t>
+            </a:r>
+            <a:r>
+              <a:rPr lang="en-US" sz="1200" dirty="0"/>
+              <a:t>Mark as visited </a:t>
+            </a:r>
+          </a:p>
+          <a:p>
+            <a:pPr marL="114300" indent="0">
+              <a:buNone/>
+            </a:pPr>
+            <a:r>
+              <a:rPr lang="en-US" sz="1200" dirty="0"/>
+              <a:t>		v[i] = true; </a:t>
+            </a:r>
+          </a:p>
+          <a:p>
+            <a:pPr marL="114300" indent="0">
+              <a:buNone/>
+            </a:pPr>
+            <a:r>
+              <a:rPr lang="en-US" sz="1200" dirty="0"/>
+              <a:t>		</a:t>
+            </a:r>
+            <a:r>
+              <a:rPr lang="en-US" sz="1200" dirty="0" err="1"/>
+              <a:t>tsp</a:t>
+            </a:r>
+            <a:r>
+              <a:rPr lang="en-US" sz="1200" dirty="0"/>
+              <a:t>(graph, v, i, n, count + 1, </a:t>
+            </a:r>
+          </a:p>
+          <a:p>
+            <a:pPr marL="114300" indent="0">
+              <a:buNone/>
+            </a:pPr>
+            <a:r>
+              <a:rPr lang="en-US" sz="1200" dirty="0"/>
+              <a:t>		cost + graph[</a:t>
+            </a:r>
+            <a:r>
+              <a:rPr lang="en-US" sz="1200" dirty="0" err="1"/>
+              <a:t>currPos</a:t>
+            </a:r>
+            <a:r>
+              <a:rPr lang="en-US" sz="1200" dirty="0"/>
+              <a:t>][i], </a:t>
+            </a:r>
+            <a:r>
+              <a:rPr lang="en-US" sz="1200" dirty="0" err="1"/>
+              <a:t>ans</a:t>
+            </a:r>
+            <a:r>
+              <a:rPr lang="en-US" sz="1200" dirty="0"/>
+              <a:t>); </a:t>
+            </a:r>
+          </a:p>
+          <a:p>
+            <a:pPr marL="114300" indent="0">
+              <a:buNone/>
+            </a:pPr>
+            <a:r>
+              <a:rPr lang="en-US" sz="1200" dirty="0"/>
+              <a:t>		// Mark </a:t>
+            </a:r>
+            <a:r>
+              <a:rPr lang="en-US" sz="1200" dirty="0" err="1"/>
+              <a:t>ith</a:t>
+            </a:r>
+            <a:r>
+              <a:rPr lang="en-US" sz="1200" dirty="0"/>
+              <a:t> node as unvisited </a:t>
+            </a:r>
+          </a:p>
+          <a:p>
+            <a:pPr marL="114300" indent="0">
+              <a:buNone/>
+            </a:pPr>
+            <a:r>
+              <a:rPr lang="en-US" sz="1200" dirty="0" smtClean="0"/>
+              <a:t>	</a:t>
+            </a:r>
+            <a:r>
+              <a:rPr lang="en-US" sz="1200" dirty="0"/>
+              <a:t>	v[i] = false; </a:t>
+            </a:r>
+          </a:p>
+          <a:p>
+            <a:pPr marL="114300" indent="0">
+              <a:buNone/>
+            </a:pPr>
+            <a:r>
+              <a:rPr lang="en-US" sz="1200" dirty="0"/>
+              <a:t>		} </a:t>
+            </a:r>
+          </a:p>
+          <a:p>
+            <a:pPr marL="114300" indent="0">
+              <a:buNone/>
+            </a:pPr>
+            <a:r>
+              <a:rPr lang="en-US" sz="1200" dirty="0"/>
+              <a:t>	} </a:t>
+            </a:r>
+          </a:p>
+          <a:p>
+            <a:pPr marL="114300" indent="0">
+              <a:buNone/>
+            </a:pPr>
+            <a:r>
+              <a:rPr lang="en-US" sz="1200" dirty="0"/>
+              <a:t>}; </a:t>
+            </a:r>
+            <a:endParaRPr lang="en-US" sz="1200" dirty="0" smtClean="0"/>
+          </a:p>
+          <a:p>
+            <a:pPr marL="114300" indent="0">
+              <a:buNone/>
+            </a:pPr>
+            <a:r>
+              <a:rPr lang="en-US" sz="1200" dirty="0" err="1" smtClean="0"/>
+              <a:t>int</a:t>
+            </a:r>
+            <a:r>
+              <a:rPr lang="en-US" sz="1200" dirty="0" smtClean="0"/>
+              <a:t> </a:t>
+            </a:r>
+            <a:r>
+              <a:rPr lang="en-US" sz="1200" dirty="0"/>
+              <a:t>main() </a:t>
+            </a:r>
+          </a:p>
+          <a:p>
+            <a:pPr marL="114300" indent="0">
+              <a:buNone/>
+            </a:pPr>
+            <a:r>
+              <a:rPr lang="en-US" sz="1200" dirty="0"/>
+              <a:t>{ </a:t>
+            </a:r>
+          </a:p>
+          <a:p>
+            <a:pPr marL="114300" indent="0">
+              <a:buNone/>
+            </a:pPr>
+            <a:r>
+              <a:rPr lang="en-US" sz="1200" dirty="0"/>
+              <a:t>	</a:t>
+            </a:r>
+            <a:r>
+              <a:rPr lang="en-US" sz="1200" dirty="0" err="1"/>
+              <a:t>int</a:t>
+            </a:r>
+            <a:r>
+              <a:rPr lang="en-US" sz="1200" dirty="0"/>
+              <a:t> n = 4; </a:t>
+            </a:r>
+          </a:p>
+          <a:p>
+            <a:pPr marL="114300" indent="0">
+              <a:buNone/>
+            </a:pPr>
+            <a:endParaRPr lang="en-US" sz="1200" dirty="0"/>
+          </a:p>
+          <a:p>
+            <a:pPr marL="114300" indent="0">
+              <a:buNone/>
+            </a:pPr>
+            <a:r>
+              <a:rPr lang="en-US" sz="1200" dirty="0"/>
+              <a:t>	</a:t>
+            </a:r>
+            <a:r>
+              <a:rPr lang="en-US" sz="1200" dirty="0" err="1"/>
+              <a:t>int</a:t>
+            </a:r>
+            <a:r>
+              <a:rPr lang="en-US" sz="1200" dirty="0"/>
+              <a:t> graph[][V] = { </a:t>
+            </a:r>
+          </a:p>
+          <a:p>
+            <a:pPr marL="114300" indent="0">
+              <a:buNone/>
+            </a:pPr>
+            <a:r>
+              <a:rPr lang="en-US" sz="1200" dirty="0"/>
+              <a:t>		{ 0, 4, 1, 3 }, </a:t>
+            </a:r>
+          </a:p>
+          <a:p>
+            <a:pPr marL="114300" indent="0">
+              <a:buNone/>
+            </a:pPr>
+            <a:r>
+              <a:rPr lang="en-US" sz="1200" dirty="0"/>
+              <a:t>		{ 4, 0, 2, 1 }, </a:t>
+            </a:r>
+          </a:p>
+          <a:p>
+            <a:pPr marL="114300" indent="0">
+              <a:buNone/>
+            </a:pPr>
+            <a:r>
+              <a:rPr lang="en-US" sz="1200" dirty="0"/>
+              <a:t>		{ 1, 2, 0, 5 }, </a:t>
+            </a:r>
+          </a:p>
+          <a:p>
+            <a:pPr marL="114300" indent="0">
+              <a:buNone/>
+            </a:pPr>
+            <a:r>
+              <a:rPr lang="en-US" sz="1200" dirty="0"/>
+              <a:t>		{ 3, 1, 5, 0 } </a:t>
+            </a:r>
+          </a:p>
+          <a:p>
+            <a:pPr marL="114300" indent="0">
+              <a:buNone/>
+            </a:pPr>
+            <a:r>
+              <a:rPr lang="en-US" sz="1200" dirty="0"/>
+              <a:t>	}; </a:t>
+            </a:r>
+          </a:p>
+          <a:p>
+            <a:pPr marL="114300" indent="0">
+              <a:buNone/>
+            </a:pPr>
+            <a:endParaRPr lang="en-US" sz="1200" dirty="0"/>
+          </a:p>
+          <a:p>
+            <a:pPr marL="114300" indent="0">
+              <a:buNone/>
+            </a:pPr>
+            <a:r>
+              <a:rPr lang="en-US" sz="1200" dirty="0"/>
+              <a:t>	</a:t>
+            </a:r>
+            <a:endParaRPr lang="id-ID" sz="1200" dirty="0"/>
+          </a:p>
+          <a:p>
+            <a:pPr marL="114300" indent="0">
+              <a:buNone/>
+            </a:pPr>
+            <a:endParaRPr lang="id-ID" sz="1200" dirty="0"/>
+          </a:p>
+        </p:txBody>
+      </p:sp>
+      <p:sp>
+        <p:nvSpPr>
+          <p:cNvPr id="4" name="TextBox 3"/>
+          <p:cNvSpPr txBox="1"/>
+          <p:nvPr/>
+        </p:nvSpPr>
+        <p:spPr>
+          <a:xfrm>
+            <a:off x="4502833" y="277093"/>
+            <a:ext cx="4567276" cy="3600986"/>
+          </a:xfrm>
+          <a:prstGeom prst="rect">
+            <a:avLst/>
+          </a:prstGeom>
+          <a:noFill/>
+        </p:spPr>
+        <p:txBody>
+          <a:bodyPr wrap="none" rtlCol="0">
+            <a:spAutoFit/>
+          </a:bodyPr>
+          <a:lstStyle/>
+          <a:p>
+            <a:pPr marL="114300" indent="0">
+              <a:buNone/>
+            </a:pPr>
+            <a:r>
+              <a:rPr lang="en-US" sz="1200" dirty="0">
+                <a:latin typeface="Open Sans" charset="0"/>
+                <a:ea typeface="Open Sans" charset="0"/>
+                <a:cs typeface="Open Sans" charset="0"/>
+              </a:rPr>
+              <a:t>// Boolean array to check if a node </a:t>
+            </a:r>
+          </a:p>
+          <a:p>
+            <a:pPr marL="114300" indent="0">
+              <a:buNone/>
+            </a:pPr>
+            <a:r>
+              <a:rPr lang="en-US" sz="1200" dirty="0">
+                <a:latin typeface="Open Sans" charset="0"/>
+                <a:ea typeface="Open Sans" charset="0"/>
+                <a:cs typeface="Open Sans" charset="0"/>
+              </a:rPr>
+              <a:t>	// has been visited or not </a:t>
+            </a:r>
+          </a:p>
+          <a:p>
+            <a:pPr marL="114300" indent="0">
+              <a:buNone/>
+            </a:pPr>
+            <a:r>
+              <a:rPr lang="en-US" sz="1200" dirty="0">
+                <a:latin typeface="Open Sans" charset="0"/>
+                <a:ea typeface="Open Sans" charset="0"/>
+                <a:cs typeface="Open Sans" charset="0"/>
+              </a:rPr>
+              <a:t>	vector&lt;</a:t>
+            </a:r>
+            <a:r>
+              <a:rPr lang="en-US" sz="1200" dirty="0" err="1">
+                <a:latin typeface="Open Sans" charset="0"/>
+                <a:ea typeface="Open Sans" charset="0"/>
+                <a:cs typeface="Open Sans" charset="0"/>
+              </a:rPr>
+              <a:t>bool</a:t>
+            </a:r>
+            <a:r>
+              <a:rPr lang="en-US" sz="1200" dirty="0">
+                <a:latin typeface="Open Sans" charset="0"/>
+                <a:ea typeface="Open Sans" charset="0"/>
+                <a:cs typeface="Open Sans" charset="0"/>
+              </a:rPr>
+              <a:t>&gt; v(n); </a:t>
+            </a:r>
+          </a:p>
+          <a:p>
+            <a:pPr marL="114300" indent="0">
+              <a:buNone/>
+            </a:pPr>
+            <a:r>
+              <a:rPr lang="en-US" sz="1200" dirty="0">
+                <a:latin typeface="Open Sans" charset="0"/>
+                <a:ea typeface="Open Sans" charset="0"/>
+                <a:cs typeface="Open Sans" charset="0"/>
+              </a:rPr>
+              <a:t>	for (</a:t>
+            </a:r>
+            <a:r>
+              <a:rPr lang="en-US" sz="1200" dirty="0" err="1">
+                <a:latin typeface="Open Sans" charset="0"/>
+                <a:ea typeface="Open Sans" charset="0"/>
+                <a:cs typeface="Open Sans" charset="0"/>
+              </a:rPr>
+              <a:t>int</a:t>
+            </a:r>
+            <a:r>
+              <a:rPr lang="en-US" sz="1200" dirty="0">
+                <a:latin typeface="Open Sans" charset="0"/>
+                <a:ea typeface="Open Sans" charset="0"/>
+                <a:cs typeface="Open Sans" charset="0"/>
+              </a:rPr>
+              <a:t> i = 0; i &lt; n; i++) </a:t>
+            </a:r>
+          </a:p>
+          <a:p>
+            <a:pPr marL="114300" indent="0">
+              <a:buNone/>
+            </a:pPr>
+            <a:r>
+              <a:rPr lang="en-US" sz="1200" dirty="0">
+                <a:latin typeface="Open Sans" charset="0"/>
+                <a:ea typeface="Open Sans" charset="0"/>
+                <a:cs typeface="Open Sans" charset="0"/>
+              </a:rPr>
+              <a:t>		v[i] = false; </a:t>
+            </a:r>
+          </a:p>
+          <a:p>
+            <a:pPr marL="114300" indent="0">
+              <a:buNone/>
+            </a:pPr>
+            <a:endParaRPr lang="en-US" sz="1200" dirty="0">
+              <a:latin typeface="Open Sans" charset="0"/>
+              <a:ea typeface="Open Sans" charset="0"/>
+              <a:cs typeface="Open Sans" charset="0"/>
+            </a:endParaRPr>
+          </a:p>
+          <a:p>
+            <a:pPr marL="114300" indent="0">
+              <a:buNone/>
+            </a:pPr>
+            <a:r>
+              <a:rPr lang="en-US" sz="1200" dirty="0">
+                <a:latin typeface="Open Sans" charset="0"/>
+                <a:ea typeface="Open Sans" charset="0"/>
+                <a:cs typeface="Open Sans" charset="0"/>
+              </a:rPr>
+              <a:t>	// Mark 0th node as visited </a:t>
+            </a:r>
+          </a:p>
+          <a:p>
+            <a:pPr marL="114300" indent="0">
+              <a:buNone/>
+            </a:pPr>
+            <a:r>
+              <a:rPr lang="en-US" sz="1200" dirty="0">
+                <a:latin typeface="Open Sans" charset="0"/>
+                <a:ea typeface="Open Sans" charset="0"/>
+                <a:cs typeface="Open Sans" charset="0"/>
+              </a:rPr>
+              <a:t>	v[0] = true; </a:t>
+            </a:r>
+          </a:p>
+          <a:p>
+            <a:pPr marL="114300" indent="0">
+              <a:buNone/>
+            </a:pPr>
+            <a:r>
+              <a:rPr lang="en-US" sz="1200" dirty="0">
+                <a:latin typeface="Open Sans" charset="0"/>
+                <a:ea typeface="Open Sans" charset="0"/>
+                <a:cs typeface="Open Sans" charset="0"/>
+              </a:rPr>
+              <a:t>	</a:t>
+            </a:r>
+            <a:r>
+              <a:rPr lang="en-US" sz="1200" dirty="0" err="1">
+                <a:latin typeface="Open Sans" charset="0"/>
+                <a:ea typeface="Open Sans" charset="0"/>
+                <a:cs typeface="Open Sans" charset="0"/>
+              </a:rPr>
+              <a:t>int</a:t>
+            </a:r>
+            <a:r>
+              <a:rPr lang="en-US" sz="1200" dirty="0">
+                <a:latin typeface="Open Sans" charset="0"/>
+                <a:ea typeface="Open Sans" charset="0"/>
+                <a:cs typeface="Open Sans" charset="0"/>
+              </a:rPr>
+              <a:t> </a:t>
+            </a:r>
+            <a:r>
+              <a:rPr lang="en-US" sz="1200" dirty="0" err="1">
+                <a:latin typeface="Open Sans" charset="0"/>
+                <a:ea typeface="Open Sans" charset="0"/>
+                <a:cs typeface="Open Sans" charset="0"/>
+              </a:rPr>
+              <a:t>ans</a:t>
+            </a:r>
+            <a:r>
+              <a:rPr lang="en-US" sz="1200" dirty="0">
+                <a:latin typeface="Open Sans" charset="0"/>
+                <a:ea typeface="Open Sans" charset="0"/>
+                <a:cs typeface="Open Sans" charset="0"/>
+              </a:rPr>
+              <a:t> = INT_MAX; </a:t>
+            </a:r>
+          </a:p>
+          <a:p>
+            <a:pPr marL="114300" indent="0">
+              <a:buNone/>
+            </a:pPr>
+            <a:endParaRPr lang="en-US" sz="1200" dirty="0">
+              <a:latin typeface="Open Sans" charset="0"/>
+              <a:ea typeface="Open Sans" charset="0"/>
+              <a:cs typeface="Open Sans" charset="0"/>
+            </a:endParaRPr>
+          </a:p>
+          <a:p>
+            <a:pPr marL="114300" indent="0">
+              <a:buNone/>
+            </a:pPr>
+            <a:r>
+              <a:rPr lang="en-US" sz="1200" dirty="0">
+                <a:latin typeface="Open Sans" charset="0"/>
+                <a:ea typeface="Open Sans" charset="0"/>
+                <a:cs typeface="Open Sans" charset="0"/>
+              </a:rPr>
+              <a:t>	// Find the minimum weight Hamiltonian Cycle </a:t>
+            </a:r>
+          </a:p>
+          <a:p>
+            <a:pPr marL="114300" indent="0">
+              <a:buNone/>
+            </a:pPr>
+            <a:r>
+              <a:rPr lang="en-US" sz="1200" dirty="0">
+                <a:latin typeface="Open Sans" charset="0"/>
+                <a:ea typeface="Open Sans" charset="0"/>
+                <a:cs typeface="Open Sans" charset="0"/>
+              </a:rPr>
+              <a:t>	</a:t>
+            </a:r>
+            <a:r>
+              <a:rPr lang="en-US" sz="1200" dirty="0" err="1">
+                <a:latin typeface="Open Sans" charset="0"/>
+                <a:ea typeface="Open Sans" charset="0"/>
+                <a:cs typeface="Open Sans" charset="0"/>
+              </a:rPr>
+              <a:t>tsp</a:t>
+            </a:r>
+            <a:r>
+              <a:rPr lang="en-US" sz="1200" dirty="0">
+                <a:latin typeface="Open Sans" charset="0"/>
+                <a:ea typeface="Open Sans" charset="0"/>
+                <a:cs typeface="Open Sans" charset="0"/>
+              </a:rPr>
+              <a:t>(graph, v, 0, n, 1, 0, </a:t>
+            </a:r>
+            <a:r>
+              <a:rPr lang="en-US" sz="1200" dirty="0" err="1">
+                <a:latin typeface="Open Sans" charset="0"/>
+                <a:ea typeface="Open Sans" charset="0"/>
+                <a:cs typeface="Open Sans" charset="0"/>
+              </a:rPr>
+              <a:t>ans</a:t>
+            </a:r>
+            <a:r>
+              <a:rPr lang="en-US" sz="1200" dirty="0">
+                <a:latin typeface="Open Sans" charset="0"/>
+                <a:ea typeface="Open Sans" charset="0"/>
+                <a:cs typeface="Open Sans" charset="0"/>
+              </a:rPr>
+              <a:t>); </a:t>
+            </a:r>
+          </a:p>
+          <a:p>
+            <a:pPr marL="114300" indent="0">
+              <a:buNone/>
+            </a:pPr>
+            <a:endParaRPr lang="en-US" sz="1200" dirty="0">
+              <a:latin typeface="Open Sans" charset="0"/>
+              <a:ea typeface="Open Sans" charset="0"/>
+              <a:cs typeface="Open Sans" charset="0"/>
+            </a:endParaRPr>
+          </a:p>
+          <a:p>
+            <a:pPr marL="114300" indent="0">
+              <a:buNone/>
+            </a:pPr>
+            <a:r>
+              <a:rPr lang="en-US" sz="1200" dirty="0">
+                <a:latin typeface="Open Sans" charset="0"/>
+                <a:ea typeface="Open Sans" charset="0"/>
+                <a:cs typeface="Open Sans" charset="0"/>
+              </a:rPr>
+              <a:t>	// </a:t>
+            </a:r>
+            <a:r>
+              <a:rPr lang="en-US" sz="1200" dirty="0" err="1">
+                <a:latin typeface="Open Sans" charset="0"/>
+                <a:ea typeface="Open Sans" charset="0"/>
+                <a:cs typeface="Open Sans" charset="0"/>
+              </a:rPr>
+              <a:t>ans</a:t>
+            </a:r>
+            <a:r>
+              <a:rPr lang="en-US" sz="1200" dirty="0">
+                <a:latin typeface="Open Sans" charset="0"/>
+                <a:ea typeface="Open Sans" charset="0"/>
+                <a:cs typeface="Open Sans" charset="0"/>
+              </a:rPr>
+              <a:t> is the minimum weight Hamiltonian Cycle </a:t>
+            </a:r>
+          </a:p>
+          <a:p>
+            <a:pPr marL="114300" indent="0">
+              <a:buNone/>
+            </a:pPr>
+            <a:r>
+              <a:rPr lang="en-US" sz="1200" dirty="0">
+                <a:latin typeface="Open Sans" charset="0"/>
+                <a:ea typeface="Open Sans" charset="0"/>
+                <a:cs typeface="Open Sans" charset="0"/>
+              </a:rPr>
+              <a:t>	</a:t>
+            </a:r>
+            <a:r>
+              <a:rPr lang="en-US" sz="1200" dirty="0" err="1">
+                <a:latin typeface="Open Sans" charset="0"/>
+                <a:ea typeface="Open Sans" charset="0"/>
+                <a:cs typeface="Open Sans" charset="0"/>
+              </a:rPr>
+              <a:t>cout</a:t>
+            </a:r>
+            <a:r>
+              <a:rPr lang="en-US" sz="1200" dirty="0">
+                <a:latin typeface="Open Sans" charset="0"/>
+                <a:ea typeface="Open Sans" charset="0"/>
+                <a:cs typeface="Open Sans" charset="0"/>
+              </a:rPr>
+              <a:t> &lt;&lt; </a:t>
+            </a:r>
+            <a:r>
+              <a:rPr lang="en-US" sz="1200" dirty="0" err="1">
+                <a:latin typeface="Open Sans" charset="0"/>
+                <a:ea typeface="Open Sans" charset="0"/>
+                <a:cs typeface="Open Sans" charset="0"/>
+              </a:rPr>
+              <a:t>ans</a:t>
+            </a:r>
+            <a:r>
+              <a:rPr lang="en-US" sz="1200" dirty="0">
+                <a:latin typeface="Open Sans" charset="0"/>
+                <a:ea typeface="Open Sans" charset="0"/>
+                <a:cs typeface="Open Sans" charset="0"/>
+              </a:rPr>
+              <a:t>; </a:t>
+            </a:r>
+          </a:p>
+          <a:p>
+            <a:pPr marL="114300" indent="0">
+              <a:buNone/>
+            </a:pPr>
+            <a:endParaRPr lang="en-US" sz="1200" dirty="0">
+              <a:latin typeface="Open Sans" charset="0"/>
+              <a:ea typeface="Open Sans" charset="0"/>
+              <a:cs typeface="Open Sans" charset="0"/>
+            </a:endParaRPr>
+          </a:p>
+          <a:p>
+            <a:pPr marL="114300" indent="0">
+              <a:buNone/>
+            </a:pPr>
+            <a:r>
+              <a:rPr lang="en-US" sz="1200" dirty="0">
+                <a:latin typeface="Open Sans" charset="0"/>
+                <a:ea typeface="Open Sans" charset="0"/>
+                <a:cs typeface="Open Sans" charset="0"/>
+              </a:rPr>
+              <a:t>	return 0; </a:t>
+            </a:r>
+          </a:p>
+          <a:p>
+            <a:pPr marL="114300" indent="0">
+              <a:buNone/>
+            </a:pPr>
+            <a:r>
+              <a:rPr lang="en-US" sz="1200" dirty="0">
+                <a:latin typeface="Open Sans" charset="0"/>
+                <a:ea typeface="Open Sans" charset="0"/>
+                <a:cs typeface="Open Sans" charset="0"/>
+              </a:rPr>
+              <a:t>} </a:t>
+            </a:r>
+          </a:p>
+          <a:p>
+            <a:endParaRPr lang="id-ID" sz="1200" dirty="0">
+              <a:latin typeface="Open Sans" charset="0"/>
+              <a:ea typeface="Open Sans" charset="0"/>
+              <a:cs typeface="Open Sans" charset="0"/>
+            </a:endParaRPr>
+          </a:p>
+        </p:txBody>
+      </p:sp>
+    </p:spTree>
+    <p:extLst>
+      <p:ext uri="{BB962C8B-B14F-4D97-AF65-F5344CB8AC3E}">
+        <p14:creationId xmlns:p14="http://schemas.microsoft.com/office/powerpoint/2010/main" val="1454620403"/>
+      </p:ext>
+    </p:extLst>
+  </p:cSld>
+  <p:clrMapOvr>
+    <a:masterClrMapping/>
+  </p:clrMapOvr>
+</p:sld>
+</file>
+
+<file path=ppt/slides/slide14.xml><?xml version="1.0" encoding="utf-8"?>
+<p:sld xmlns:a="http://schemas.openxmlformats.org/drawingml/2006/main" xmlns:r="http://schemas.openxmlformats.org/officeDocument/2006/relationships" xmlns:p="http://schemas.openxmlformats.org/presentationml/2006/main">
+  <p:cSld>
+    <p:spTree>
+      <p:nvGrpSpPr>
+        <p:cNvPr id="1" name="Shape 137"/>
         <p:cNvGrpSpPr/>
         <p:nvPr/>
       </p:nvGrpSpPr>
@@ -8571,7 +9874,9 @@
       <p:sp>
         <p:nvSpPr>
           <p:cNvPr id="138" name="Google Shape;138;p24"/>
-          <p:cNvSpPr txBox="1"/>
+          <p:cNvSpPr txBox="1">
+            <a:spLocks noGrp="1"/>
+          </p:cNvSpPr>
           <p:nvPr>
             <p:ph type="title"/>
           </p:nvPr>
@@ -8586,23 +9891,20 @@
           </a:prstGeom>
         </p:spPr>
         <p:txBody>
-          <a:bodyPr anchorCtr="0" anchor="t" bIns="91425" lIns="91425" spcFirstLastPara="1" rIns="91425" wrap="square" tIns="91425">
+          <a:bodyPr spcFirstLastPara="1" wrap="square" lIns="91425" tIns="91425" rIns="91425" bIns="91425" anchor="t" anchorCtr="0">
             <a:noAutofit/>
           </a:bodyPr>
           <a:lstStyle/>
           <a:p>
-            <a:pPr indent="0" lvl="0" marL="0" rtl="0" algn="l">
-              <a:spcBef>
-                <a:spcPts val="0"/>
-              </a:spcBef>
-              <a:spcAft>
-                <a:spcPts val="0"/>
-              </a:spcAft>
-              <a:buNone/>
-            </a:pPr>
-            <a:r>
-              <a:t/>
-            </a:r>
+            <a:pPr marL="0" lvl="0" indent="0" algn="l" rtl="0">
+              <a:spcBef>
+                <a:spcPts val="0"/>
+              </a:spcBef>
+              <a:spcAft>
+                <a:spcPts val="0"/>
+              </a:spcAft>
+              <a:buNone/>
+            </a:pPr>
             <a:endParaRPr/>
           </a:p>
         </p:txBody>
@@ -8655,12 +9957,12 @@
           </a:ln>
         </p:spPr>
         <p:txBody>
-          <a:bodyPr anchorCtr="0" anchor="t" bIns="91425" lIns="91425" spcFirstLastPara="1" rIns="91425" wrap="square" tIns="91425">
+          <a:bodyPr spcFirstLastPara="1" wrap="square" lIns="91425" tIns="91425" rIns="91425" bIns="91425" anchor="t" anchorCtr="0">
             <a:noAutofit/>
           </a:bodyPr>
           <a:lstStyle/>
           <a:p>
-            <a:pPr indent="0" lvl="0" marL="0" rtl="0" algn="l">
+            <a:pPr marL="0" lvl="0" indent="0" algn="l" rtl="0">
               <a:spcBef>
                 <a:spcPts val="0"/>
               </a:spcBef>
@@ -8692,15 +9994,22 @@
   <p:clrMapOvr>
     <a:masterClrMapping/>
   </p:clrMapOvr>
+  <p:timing>
+    <p:tnLst>
+      <p:par>
+        <p:cTn id="1" dur="indefinite" restart="never" nodeType="tmRoot"/>
+      </p:par>
+    </p:tnLst>
+  </p:timing>
 </p:sld>
 </file>
 
-<file path=ppt/slides/slide13.xml><?xml version="1.0" encoding="utf-8"?>
-<p:sld xmlns:a="http://schemas.openxmlformats.org/drawingml/2006/main" xmlns:r="http://schemas.openxmlformats.org/officeDocument/2006/relationships" xmlns:mc="http://schemas.openxmlformats.org/markup-compatibility/2006" xmlns:mv="urn:schemas-microsoft-com:mac:vml" xmlns:p="http://schemas.openxmlformats.org/presentationml/2006/main" xmlns:c="http://schemas.openxmlformats.org/drawingml/2006/chart" xmlns:dgm="http://schemas.openxmlformats.org/drawingml/2006/diagram" xmlns:o="urn:schemas-microsoft-com:office:office" xmlns:v="urn:schemas-microsoft-com:vml" xmlns:pvml="urn:schemas-microsoft-com:office:powerpoint" xmlns:com="http://schemas.openxmlformats.org/drawingml/2006/compatibility" xmlns:p14="http://schemas.microsoft.com/office/powerpoint/2010/main" xmlns:p15="http://schemas.microsoft.com/office/powerpoint/2012/main">
+<file path=ppt/slides/slide15.xml><?xml version="1.0" encoding="utf-8"?>
+<p:sld xmlns:a="http://schemas.openxmlformats.org/drawingml/2006/main" xmlns:r="http://schemas.openxmlformats.org/officeDocument/2006/relationships" xmlns:p="http://schemas.openxmlformats.org/presentationml/2006/main">
   <p:cSld>
     <p:spTree>
       <p:nvGrpSpPr>
-        <p:cNvPr id="144" name="Shape 144"/>
+        <p:cNvPr id="1" name="Shape 144"/>
         <p:cNvGrpSpPr/>
         <p:nvPr/>
       </p:nvGrpSpPr>
@@ -8715,7 +10024,9 @@
       <p:sp>
         <p:nvSpPr>
           <p:cNvPr id="145" name="Google Shape;145;p25"/>
-          <p:cNvSpPr txBox="1"/>
+          <p:cNvSpPr txBox="1">
+            <a:spLocks noGrp="1"/>
+          </p:cNvSpPr>
           <p:nvPr>
             <p:ph type="title"/>
           </p:nvPr>
@@ -8730,12 +10041,12 @@
           </a:prstGeom>
         </p:spPr>
         <p:txBody>
-          <a:bodyPr anchorCtr="0" anchor="t" bIns="91425" lIns="91425" spcFirstLastPara="1" rIns="91425" wrap="square" tIns="91425">
+          <a:bodyPr spcFirstLastPara="1" wrap="square" lIns="91425" tIns="91425" rIns="91425" bIns="91425" anchor="t" anchorCtr="0">
             <a:noAutofit/>
           </a:bodyPr>
           <a:lstStyle/>
           <a:p>
-            <a:pPr indent="0" lvl="0" marL="0" rtl="0" algn="l">
+            <a:pPr marL="0" lvl="0" indent="0" algn="l" rtl="0">
               <a:spcBef>
                 <a:spcPts val="0"/>
               </a:spcBef>
@@ -8772,12 +10083,12 @@
           </a:ln>
         </p:spPr>
         <p:txBody>
-          <a:bodyPr anchorCtr="0" anchor="t" bIns="91425" lIns="91425" spcFirstLastPara="1" rIns="91425" wrap="square" tIns="91425">
+          <a:bodyPr spcFirstLastPara="1" wrap="square" lIns="91425" tIns="91425" rIns="91425" bIns="91425" anchor="t" anchorCtr="0">
             <a:noAutofit/>
           </a:bodyPr>
           <a:lstStyle/>
           <a:p>
-            <a:pPr indent="0" lvl="0" marL="0" rtl="0" algn="l">
+            <a:pPr marL="0" lvl="0" indent="0" algn="l" rtl="0">
               <a:spcBef>
                 <a:spcPts val="0"/>
               </a:spcBef>
@@ -8803,18 +10114,15 @@
             </a:endParaRPr>
           </a:p>
           <a:p>
-            <a:pPr indent="0" lvl="0" marL="0" rtl="0" algn="l">
-              <a:spcBef>
-                <a:spcPts val="0"/>
-              </a:spcBef>
-              <a:spcAft>
-                <a:spcPts val="0"/>
-              </a:spcAft>
-              <a:buNone/>
-            </a:pPr>
-            <a:r>
-              <a:t/>
-            </a:r>
+            <a:pPr marL="0" lvl="0" indent="0" algn="l" rtl="0">
+              <a:spcBef>
+                <a:spcPts val="0"/>
+              </a:spcBef>
+              <a:spcAft>
+                <a:spcPts val="0"/>
+              </a:spcAft>
+              <a:buNone/>
+            </a:pPr>
             <a:endParaRPr>
               <a:latin typeface="Open Sans"/>
               <a:ea typeface="Open Sans"/>
@@ -8823,7 +10131,7 @@
             </a:endParaRPr>
           </a:p>
           <a:p>
-            <a:pPr indent="-317500" lvl="0" marL="457200" rtl="0" algn="l">
+            <a:pPr marL="457200" lvl="0" indent="-317500" algn="l" rtl="0">
               <a:spcBef>
                 <a:spcPts val="0"/>
               </a:spcBef>
@@ -8851,7 +10159,7 @@
             </a:endParaRPr>
           </a:p>
           <a:p>
-            <a:pPr indent="0" lvl="0" marL="457200" rtl="0" algn="l">
+            <a:pPr marL="457200" lvl="0" indent="0" algn="l" rtl="0">
               <a:spcBef>
                 <a:spcPts val="0"/>
               </a:spcBef>
@@ -8877,7 +10185,7 @@
             </a:endParaRPr>
           </a:p>
           <a:p>
-            <a:pPr indent="-317500" lvl="0" marL="457200" rtl="0" algn="l">
+            <a:pPr marL="457200" lvl="0" indent="-317500" algn="l" rtl="0">
               <a:spcBef>
                 <a:spcPts val="0"/>
               </a:spcBef>
@@ -8895,16 +10203,7 @@
                 <a:cs typeface="Open Sans"/>
                 <a:sym typeface="Open Sans"/>
               </a:rPr>
-              <a:t>s</a:t>
-            </a:r>
-            <a:r>
-              <a:rPr lang="en">
-                <a:latin typeface="Open Sans"/>
-                <a:ea typeface="Open Sans"/>
-                <a:cs typeface="Open Sans"/>
-                <a:sym typeface="Open Sans"/>
-              </a:rPr>
-              <a:t>ub-problems</a:t>
+              <a:t>sub-problems</a:t>
             </a:r>
             <a:endParaRPr>
               <a:latin typeface="Open Sans"/>
@@ -8914,7 +10213,7 @@
             </a:endParaRPr>
           </a:p>
           <a:p>
-            <a:pPr indent="0" lvl="0" marL="457200" rtl="0" algn="l">
+            <a:pPr marL="457200" lvl="0" indent="0" algn="l" rtl="0">
               <a:spcBef>
                 <a:spcPts val="0"/>
               </a:spcBef>
@@ -8940,18 +10239,15 @@
             </a:endParaRPr>
           </a:p>
           <a:p>
-            <a:pPr indent="0" lvl="0" marL="457200" rtl="0" algn="l">
-              <a:spcBef>
-                <a:spcPts val="0"/>
-              </a:spcBef>
-              <a:spcAft>
-                <a:spcPts val="0"/>
-              </a:spcAft>
-              <a:buNone/>
-            </a:pPr>
-            <a:r>
-              <a:t/>
-            </a:r>
+            <a:pPr marL="457200" lvl="0" indent="0" algn="l" rtl="0">
+              <a:spcBef>
+                <a:spcPts val="0"/>
+              </a:spcBef>
+              <a:spcAft>
+                <a:spcPts val="0"/>
+              </a:spcAft>
+              <a:buNone/>
+            </a:pPr>
             <a:endParaRPr>
               <a:latin typeface="Open Sans"/>
               <a:ea typeface="Open Sans"/>
@@ -8960,7 +10256,7 @@
             </a:endParaRPr>
           </a:p>
           <a:p>
-            <a:pPr indent="0" lvl="0" marL="0" rtl="0" algn="l">
+            <a:pPr marL="0" lvl="0" indent="0" algn="l" rtl="0">
               <a:spcBef>
                 <a:spcPts val="0"/>
               </a:spcBef>
@@ -8986,7 +10282,7 @@
             </a:endParaRPr>
           </a:p>
           <a:p>
-            <a:pPr indent="0" lvl="0" marL="0" rtl="0" algn="l">
+            <a:pPr marL="0" lvl="0" indent="0" algn="l" rtl="0">
               <a:spcBef>
                 <a:spcPts val="0"/>
               </a:spcBef>
@@ -9018,15 +10314,22 @@
   <p:clrMapOvr>
     <a:masterClrMapping/>
   </p:clrMapOvr>
+  <p:timing>
+    <p:tnLst>
+      <p:par>
+        <p:cTn id="1" dur="indefinite" restart="never" nodeType="tmRoot"/>
+      </p:par>
+    </p:tnLst>
+  </p:timing>
 </p:sld>
 </file>
 
-<file path=ppt/slides/slide14.xml><?xml version="1.0" encoding="utf-8"?>
-<p:sld xmlns:a="http://schemas.openxmlformats.org/drawingml/2006/main" xmlns:r="http://schemas.openxmlformats.org/officeDocument/2006/relationships" xmlns:mc="http://schemas.openxmlformats.org/markup-compatibility/2006" xmlns:mv="urn:schemas-microsoft-com:mac:vml" xmlns:p="http://schemas.openxmlformats.org/presentationml/2006/main" xmlns:c="http://schemas.openxmlformats.org/drawingml/2006/chart" xmlns:dgm="http://schemas.openxmlformats.org/drawingml/2006/diagram" xmlns:o="urn:schemas-microsoft-com:office:office" xmlns:v="urn:schemas-microsoft-com:vml" xmlns:pvml="urn:schemas-microsoft-com:office:powerpoint" xmlns:com="http://schemas.openxmlformats.org/drawingml/2006/compatibility" xmlns:p14="http://schemas.microsoft.com/office/powerpoint/2010/main" xmlns:p15="http://schemas.microsoft.com/office/powerpoint/2012/main">
+<file path=ppt/slides/slide16.xml><?xml version="1.0" encoding="utf-8"?>
+<p:sld xmlns:a="http://schemas.openxmlformats.org/drawingml/2006/main" xmlns:r="http://schemas.openxmlformats.org/officeDocument/2006/relationships" xmlns:p="http://schemas.openxmlformats.org/presentationml/2006/main">
   <p:cSld>
     <p:spTree>
       <p:nvGrpSpPr>
-        <p:cNvPr id="150" name="Shape 150"/>
+        <p:cNvPr id="1" name="Shape 150"/>
         <p:cNvGrpSpPr/>
         <p:nvPr/>
       </p:nvGrpSpPr>
@@ -9041,7 +10344,9 @@
       <p:sp>
         <p:nvSpPr>
           <p:cNvPr id="151" name="Google Shape;151;p26"/>
-          <p:cNvSpPr txBox="1"/>
+          <p:cNvSpPr txBox="1">
+            <a:spLocks noGrp="1"/>
+          </p:cNvSpPr>
           <p:nvPr>
             <p:ph type="title"/>
           </p:nvPr>
@@ -9056,12 +10361,12 @@
           </a:prstGeom>
         </p:spPr>
         <p:txBody>
-          <a:bodyPr anchorCtr="0" anchor="ctr" bIns="91425" lIns="91425" spcFirstLastPara="1" rIns="91425" wrap="square" tIns="91425">
+          <a:bodyPr spcFirstLastPara="1" wrap="square" lIns="91425" tIns="91425" rIns="91425" bIns="91425" anchor="ctr" anchorCtr="0">
             <a:noAutofit/>
           </a:bodyPr>
           <a:lstStyle/>
           <a:p>
-            <a:pPr indent="0" lvl="0" marL="0" rtl="0" algn="l">
+            <a:pPr marL="0" lvl="0" indent="0" algn="l" rtl="0">
               <a:spcBef>
                 <a:spcPts val="0"/>
               </a:spcBef>
@@ -9098,12 +10403,12 @@
           </a:ln>
         </p:spPr>
         <p:txBody>
-          <a:bodyPr anchorCtr="0" anchor="t" bIns="91425" lIns="91425" spcFirstLastPara="1" rIns="91425" wrap="square" tIns="91425">
+          <a:bodyPr spcFirstLastPara="1" wrap="square" lIns="91425" tIns="91425" rIns="91425" bIns="91425" anchor="t" anchorCtr="0">
             <a:noAutofit/>
           </a:bodyPr>
           <a:lstStyle/>
           <a:p>
-            <a:pPr indent="0" lvl="0" marL="0" rtl="0" algn="l">
+            <a:pPr marL="0" lvl="0" indent="0" algn="l" rtl="0">
               <a:lnSpc>
                 <a:spcPct val="145606"/>
               </a:lnSpc>
@@ -9122,7 +10427,7 @@
             <a:endParaRPr/>
           </a:p>
           <a:p>
-            <a:pPr indent="0" lvl="0" marL="0" rtl="0" algn="l">
+            <a:pPr marL="0" lvl="0" indent="0" algn="l" rtl="0">
               <a:lnSpc>
                 <a:spcPct val="145606"/>
               </a:lnSpc>
@@ -9141,7 +10446,7 @@
             <a:endParaRPr/>
           </a:p>
           <a:p>
-            <a:pPr indent="0" lvl="0" marL="0" rtl="0" algn="l">
+            <a:pPr marL="0" lvl="0" indent="0" algn="l" rtl="0">
               <a:lnSpc>
                 <a:spcPct val="145606"/>
               </a:lnSpc>
@@ -9160,7 +10465,7 @@
             <a:endParaRPr/>
           </a:p>
           <a:p>
-            <a:pPr indent="0" lvl="0" marL="0" rtl="0" algn="l">
+            <a:pPr marL="0" lvl="0" indent="0" algn="l" rtl="0">
               <a:lnSpc>
                 <a:spcPct val="145606"/>
               </a:lnSpc>
@@ -9179,7 +10484,7 @@
             <a:endParaRPr/>
           </a:p>
           <a:p>
-            <a:pPr indent="0" lvl="0" marL="0" rtl="0" algn="l">
+            <a:pPr marL="0" lvl="0" indent="0" algn="l" rtl="0">
               <a:lnSpc>
                 <a:spcPct val="145606"/>
               </a:lnSpc>
@@ -9198,7 +10503,7 @@
             <a:endParaRPr/>
           </a:p>
           <a:p>
-            <a:pPr indent="0" lvl="0" marL="0" rtl="0" algn="l">
+            <a:pPr marL="0" lvl="0" indent="0" algn="l" rtl="0">
               <a:lnSpc>
                 <a:spcPct val="145606"/>
               </a:lnSpc>
@@ -9217,7 +10522,7 @@
             <a:endParaRPr/>
           </a:p>
           <a:p>
-            <a:pPr indent="0" lvl="0" marL="0" rtl="0" algn="l">
+            <a:pPr marL="0" lvl="0" indent="0" algn="l" rtl="0">
               <a:lnSpc>
                 <a:spcPct val="145606"/>
               </a:lnSpc>
@@ -9236,7 +10541,7 @@
             <a:endParaRPr/>
           </a:p>
           <a:p>
-            <a:pPr indent="0" lvl="0" marL="0" rtl="0" algn="l">
+            <a:pPr marL="0" lvl="0" indent="0" algn="l" rtl="0">
               <a:lnSpc>
                 <a:spcPct val="145606"/>
               </a:lnSpc>
@@ -9255,7 +10560,7 @@
             <a:endParaRPr/>
           </a:p>
           <a:p>
-            <a:pPr indent="0" lvl="0" marL="0" rtl="0" algn="l">
+            <a:pPr marL="0" lvl="0" indent="0" algn="l" rtl="0">
               <a:lnSpc>
                 <a:spcPct val="145606"/>
               </a:lnSpc>
@@ -9267,24 +10572,18 @@
               </a:spcAft>
               <a:buNone/>
             </a:pPr>
-            <a:r>
-              <a:t/>
-            </a:r>
             <a:endParaRPr/>
           </a:p>
           <a:p>
-            <a:pPr indent="0" lvl="0" marL="0" rtl="0" algn="l">
-              <a:spcBef>
-                <a:spcPts val="0"/>
-              </a:spcBef>
-              <a:spcAft>
-                <a:spcPts val="0"/>
-              </a:spcAft>
-              <a:buNone/>
-            </a:pPr>
-            <a:r>
-              <a:t/>
-            </a:r>
+            <a:pPr marL="0" lvl="0" indent="0" algn="l" rtl="0">
+              <a:spcBef>
+                <a:spcPts val="0"/>
+              </a:spcBef>
+              <a:spcAft>
+                <a:spcPts val="0"/>
+              </a:spcAft>
+              <a:buNone/>
+            </a:pPr>
             <a:endParaRPr>
               <a:latin typeface="Open Sans"/>
               <a:ea typeface="Open Sans"/>
@@ -9299,15 +10598,22 @@
   <p:clrMapOvr>
     <a:masterClrMapping/>
   </p:clrMapOvr>
+  <p:timing>
+    <p:tnLst>
+      <p:par>
+        <p:cTn id="1" dur="indefinite" restart="never" nodeType="tmRoot"/>
+      </p:par>
+    </p:tnLst>
+  </p:timing>
 </p:sld>
 </file>
 
 <file path=ppt/slides/slide2.xml><?xml version="1.0" encoding="utf-8"?>
-<p:sld xmlns:a="http://schemas.openxmlformats.org/drawingml/2006/main" xmlns:r="http://schemas.openxmlformats.org/officeDocument/2006/relationships" xmlns:mc="http://schemas.openxmlformats.org/markup-compatibility/2006" xmlns:mv="urn:schemas-microsoft-com:mac:vml" xmlns:p="http://schemas.openxmlformats.org/presentationml/2006/main" xmlns:c="http://schemas.openxmlformats.org/drawingml/2006/chart" xmlns:dgm="http://schemas.openxmlformats.org/drawingml/2006/diagram" xmlns:o="urn:schemas-microsoft-com:office:office" xmlns:v="urn:schemas-microsoft-com:vml" xmlns:pvml="urn:schemas-microsoft-com:office:powerpoint" xmlns:com="http://schemas.openxmlformats.org/drawingml/2006/compatibility" xmlns:p14="http://schemas.microsoft.com/office/powerpoint/2010/main" xmlns:p15="http://schemas.microsoft.com/office/powerpoint/2012/main">
+<p:sld xmlns:a="http://schemas.openxmlformats.org/drawingml/2006/main" xmlns:r="http://schemas.openxmlformats.org/officeDocument/2006/relationships" xmlns:p="http://schemas.openxmlformats.org/presentationml/2006/main">
   <p:cSld>
     <p:spTree>
       <p:nvGrpSpPr>
-        <p:cNvPr id="71" name="Shape 71"/>
+        <p:cNvPr id="1" name="Shape 71"/>
         <p:cNvGrpSpPr/>
         <p:nvPr/>
       </p:nvGrpSpPr>
@@ -9322,7 +10628,9 @@
       <p:sp>
         <p:nvSpPr>
           <p:cNvPr id="72" name="Google Shape;72;p14"/>
-          <p:cNvSpPr txBox="1"/>
+          <p:cNvSpPr txBox="1">
+            <a:spLocks noGrp="1"/>
+          </p:cNvSpPr>
           <p:nvPr>
             <p:ph type="title"/>
           </p:nvPr>
@@ -9337,23 +10645,20 @@
           </a:prstGeom>
         </p:spPr>
         <p:txBody>
-          <a:bodyPr anchorCtr="0" anchor="ctr" bIns="91425" lIns="91425" spcFirstLastPara="1" rIns="91425" wrap="square" tIns="91425">
+          <a:bodyPr spcFirstLastPara="1" wrap="square" lIns="91425" tIns="91425" rIns="91425" bIns="91425" anchor="ctr" anchorCtr="0">
             <a:noAutofit/>
           </a:bodyPr>
           <a:lstStyle/>
           <a:p>
-            <a:pPr indent="0" lvl="0" marL="0" rtl="0" algn="l">
-              <a:spcBef>
-                <a:spcPts val="0"/>
-              </a:spcBef>
-              <a:spcAft>
-                <a:spcPts val="0"/>
-              </a:spcAft>
-              <a:buNone/>
-            </a:pPr>
-            <a:r>
-              <a:t/>
-            </a:r>
+            <a:pPr marL="0" lvl="0" indent="0" algn="l" rtl="0">
+              <a:spcBef>
+                <a:spcPts val="0"/>
+              </a:spcBef>
+              <a:spcAft>
+                <a:spcPts val="0"/>
+              </a:spcAft>
+              <a:buNone/>
+            </a:pPr>
             <a:endParaRPr/>
           </a:p>
         </p:txBody>
@@ -9419,15 +10724,22 @@
   <p:clrMapOvr>
     <a:masterClrMapping/>
   </p:clrMapOvr>
+  <p:timing>
+    <p:tnLst>
+      <p:par>
+        <p:cTn id="1" dur="indefinite" restart="never" nodeType="tmRoot"/>
+      </p:par>
+    </p:tnLst>
+  </p:timing>
 </p:sld>
 </file>
 
 <file path=ppt/slides/slide3.xml><?xml version="1.0" encoding="utf-8"?>
-<p:sld xmlns:a="http://schemas.openxmlformats.org/drawingml/2006/main" xmlns:r="http://schemas.openxmlformats.org/officeDocument/2006/relationships" xmlns:mc="http://schemas.openxmlformats.org/markup-compatibility/2006" xmlns:mv="urn:schemas-microsoft-com:mac:vml" xmlns:p="http://schemas.openxmlformats.org/presentationml/2006/main" xmlns:c="http://schemas.openxmlformats.org/drawingml/2006/chart" xmlns:dgm="http://schemas.openxmlformats.org/drawingml/2006/diagram" xmlns:o="urn:schemas-microsoft-com:office:office" xmlns:v="urn:schemas-microsoft-com:vml" xmlns:pvml="urn:schemas-microsoft-com:office:powerpoint" xmlns:com="http://schemas.openxmlformats.org/drawingml/2006/compatibility" xmlns:p14="http://schemas.microsoft.com/office/powerpoint/2010/main" xmlns:p15="http://schemas.microsoft.com/office/powerpoint/2012/main">
+<p:sld xmlns:a="http://schemas.openxmlformats.org/drawingml/2006/main" xmlns:r="http://schemas.openxmlformats.org/officeDocument/2006/relationships" xmlns:p="http://schemas.openxmlformats.org/presentationml/2006/main">
   <p:cSld>
     <p:spTree>
       <p:nvGrpSpPr>
-        <p:cNvPr id="78" name="Shape 78"/>
+        <p:cNvPr id="1" name="Shape 78"/>
         <p:cNvGrpSpPr/>
         <p:nvPr/>
       </p:nvGrpSpPr>
@@ -9442,7 +10754,9 @@
       <p:sp>
         <p:nvSpPr>
           <p:cNvPr id="79" name="Google Shape;79;p15"/>
-          <p:cNvSpPr txBox="1"/>
+          <p:cNvSpPr txBox="1">
+            <a:spLocks noGrp="1"/>
+          </p:cNvSpPr>
           <p:nvPr>
             <p:ph type="title"/>
           </p:nvPr>
@@ -9457,25 +10771,33 @@
           </a:prstGeom>
         </p:spPr>
         <p:txBody>
-          <a:bodyPr anchorCtr="0" anchor="ctr" bIns="91425" lIns="91425" spcFirstLastPara="1" rIns="91425" wrap="square" tIns="91425">
+          <a:bodyPr spcFirstLastPara="1" wrap="square" lIns="91425" tIns="91425" rIns="91425" bIns="91425" anchor="ctr" anchorCtr="0">
             <a:noAutofit/>
           </a:bodyPr>
           <a:lstStyle/>
           <a:p>
-            <a:pPr indent="0" lvl="0" marL="0" rtl="0" algn="ctr">
-              <a:spcBef>
-                <a:spcPts val="0"/>
-              </a:spcBef>
-              <a:spcAft>
-                <a:spcPts val="0"/>
-              </a:spcAft>
-              <a:buNone/>
-            </a:pPr>
-            <a:r>
-              <a:rPr lang="en"/>
-              <a:t>The TSP very simple and easily stated but it is very difficult to solve</a:t>
-            </a:r>
-            <a:endParaRPr/>
+            <a:pPr marL="0" lvl="0" indent="0" algn="ctr" rtl="0">
+              <a:spcBef>
+                <a:spcPts val="0"/>
+              </a:spcBef>
+              <a:spcAft>
+                <a:spcPts val="0"/>
+              </a:spcAft>
+              <a:buNone/>
+            </a:pPr>
+            <a:r>
+              <a:rPr lang="en" dirty="0"/>
+              <a:t>The </a:t>
+            </a:r>
+            <a:r>
+              <a:rPr lang="en" dirty="0" smtClean="0"/>
+              <a:t>TSP is </a:t>
+            </a:r>
+            <a:r>
+              <a:rPr lang="en" dirty="0"/>
+              <a:t>very simple and easily stated but it is very difficult to solve</a:t>
+            </a:r>
+            <a:endParaRPr dirty="0"/>
           </a:p>
         </p:txBody>
       </p:sp>
@@ -9484,15 +10806,22 @@
   <p:clrMapOvr>
     <a:masterClrMapping/>
   </p:clrMapOvr>
+  <p:timing>
+    <p:tnLst>
+      <p:par>
+        <p:cTn id="1" dur="indefinite" restart="never" nodeType="tmRoot"/>
+      </p:par>
+    </p:tnLst>
+  </p:timing>
 </p:sld>
 </file>
 
 <file path=ppt/slides/slide4.xml><?xml version="1.0" encoding="utf-8"?>
-<p:sld xmlns:a="http://schemas.openxmlformats.org/drawingml/2006/main" xmlns:r="http://schemas.openxmlformats.org/officeDocument/2006/relationships" xmlns:mc="http://schemas.openxmlformats.org/markup-compatibility/2006" xmlns:mv="urn:schemas-microsoft-com:mac:vml" xmlns:p="http://schemas.openxmlformats.org/presentationml/2006/main" xmlns:c="http://schemas.openxmlformats.org/drawingml/2006/chart" xmlns:dgm="http://schemas.openxmlformats.org/drawingml/2006/diagram" xmlns:o="urn:schemas-microsoft-com:office:office" xmlns:v="urn:schemas-microsoft-com:vml" xmlns:pvml="urn:schemas-microsoft-com:office:powerpoint" xmlns:com="http://schemas.openxmlformats.org/drawingml/2006/compatibility" xmlns:p14="http://schemas.microsoft.com/office/powerpoint/2010/main" xmlns:p15="http://schemas.microsoft.com/office/powerpoint/2012/main">
+<p:sld xmlns:a="http://schemas.openxmlformats.org/drawingml/2006/main" xmlns:r="http://schemas.openxmlformats.org/officeDocument/2006/relationships" xmlns:p="http://schemas.openxmlformats.org/presentationml/2006/main">
   <p:cSld>
     <p:spTree>
       <p:nvGrpSpPr>
-        <p:cNvPr id="83" name="Shape 83"/>
+        <p:cNvPr id="1" name="Shape 83"/>
         <p:cNvGrpSpPr/>
         <p:nvPr/>
       </p:nvGrpSpPr>
@@ -9507,7 +10836,9 @@
       <p:sp>
         <p:nvSpPr>
           <p:cNvPr id="84" name="Google Shape;84;p16"/>
-          <p:cNvSpPr txBox="1"/>
+          <p:cNvSpPr txBox="1">
+            <a:spLocks noGrp="1"/>
+          </p:cNvSpPr>
           <p:nvPr>
             <p:ph type="title"/>
           </p:nvPr>
@@ -9522,12 +10853,12 @@
           </a:prstGeom>
         </p:spPr>
         <p:txBody>
-          <a:bodyPr anchorCtr="0" anchor="t" bIns="91425" lIns="91425" spcFirstLastPara="1" rIns="91425" wrap="square" tIns="91425">
+          <a:bodyPr spcFirstLastPara="1" wrap="square" lIns="91425" tIns="91425" rIns="91425" bIns="91425" anchor="t" anchorCtr="0">
             <a:noAutofit/>
           </a:bodyPr>
           <a:lstStyle/>
           <a:p>
-            <a:pPr indent="0" lvl="0" marL="0" rtl="0" algn="l">
+            <a:pPr marL="0" lvl="0" indent="0" algn="l" rtl="0">
               <a:spcBef>
                 <a:spcPts val="0"/>
               </a:spcBef>
@@ -9543,18 +10874,15 @@
             <a:endParaRPr/>
           </a:p>
           <a:p>
-            <a:pPr indent="0" lvl="0" marL="0" rtl="0" algn="l">
-              <a:spcBef>
-                <a:spcPts val="0"/>
-              </a:spcBef>
-              <a:spcAft>
-                <a:spcPts val="0"/>
-              </a:spcAft>
-              <a:buNone/>
-            </a:pPr>
-            <a:r>
-              <a:t/>
-            </a:r>
+            <a:pPr marL="0" lvl="0" indent="0" algn="l" rtl="0">
+              <a:spcBef>
+                <a:spcPts val="0"/>
+              </a:spcBef>
+              <a:spcAft>
+                <a:spcPts val="0"/>
+              </a:spcAft>
+              <a:buNone/>
+            </a:pPr>
             <a:endParaRPr/>
           </a:p>
         </p:txBody>
@@ -9562,9 +10890,11 @@
       <p:sp>
         <p:nvSpPr>
           <p:cNvPr id="85" name="Google Shape;85;p16"/>
-          <p:cNvSpPr txBox="1"/>
+          <p:cNvSpPr txBox="1">
+            <a:spLocks noGrp="1"/>
+          </p:cNvSpPr>
           <p:nvPr>
-            <p:ph idx="1" type="body"/>
+            <p:ph type="body" idx="1"/>
           </p:nvPr>
         </p:nvSpPr>
         <p:spPr>
@@ -9577,12 +10907,12 @@
           </a:prstGeom>
         </p:spPr>
         <p:txBody>
-          <a:bodyPr anchorCtr="0" anchor="t" bIns="91425" lIns="91425" spcFirstLastPara="1" rIns="91425" wrap="square" tIns="91425">
+          <a:bodyPr spcFirstLastPara="1" wrap="square" lIns="91425" tIns="91425" rIns="91425" bIns="91425" anchor="t" anchorCtr="0">
             <a:noAutofit/>
           </a:bodyPr>
           <a:lstStyle/>
           <a:p>
-            <a:pPr indent="0" lvl="0" marL="0" rtl="0" algn="l">
+            <a:pPr marL="0" lvl="0" indent="0" algn="l" rtl="0">
               <a:spcBef>
                 <a:spcPts val="0"/>
               </a:spcBef>
@@ -9591,9 +10921,6 @@
               </a:spcAft>
               <a:buNone/>
             </a:pPr>
-            <a:r>
-              <a:t/>
-            </a:r>
             <a:endParaRPr/>
           </a:p>
         </p:txBody>
@@ -9631,15 +10958,22 @@
   <p:clrMapOvr>
     <a:masterClrMapping/>
   </p:clrMapOvr>
+  <p:timing>
+    <p:tnLst>
+      <p:par>
+        <p:cTn id="1" dur="indefinite" restart="never" nodeType="tmRoot"/>
+      </p:par>
+    </p:tnLst>
+  </p:timing>
 </p:sld>
 </file>
 
 <file path=ppt/slides/slide5.xml><?xml version="1.0" encoding="utf-8"?>
-<p:sld xmlns:a="http://schemas.openxmlformats.org/drawingml/2006/main" xmlns:r="http://schemas.openxmlformats.org/officeDocument/2006/relationships" xmlns:mc="http://schemas.openxmlformats.org/markup-compatibility/2006" xmlns:mv="urn:schemas-microsoft-com:mac:vml" xmlns:p="http://schemas.openxmlformats.org/presentationml/2006/main" xmlns:c="http://schemas.openxmlformats.org/drawingml/2006/chart" xmlns:dgm="http://schemas.openxmlformats.org/drawingml/2006/diagram" xmlns:o="urn:schemas-microsoft-com:office:office" xmlns:v="urn:schemas-microsoft-com:vml" xmlns:pvml="urn:schemas-microsoft-com:office:powerpoint" xmlns:com="http://schemas.openxmlformats.org/drawingml/2006/compatibility" xmlns:p14="http://schemas.microsoft.com/office/powerpoint/2010/main" xmlns:p15="http://schemas.microsoft.com/office/powerpoint/2012/main">
+<p:sld xmlns:a="http://schemas.openxmlformats.org/drawingml/2006/main" xmlns:r="http://schemas.openxmlformats.org/officeDocument/2006/relationships" xmlns:p="http://schemas.openxmlformats.org/presentationml/2006/main">
   <p:cSld>
     <p:spTree>
       <p:nvGrpSpPr>
-        <p:cNvPr id="90" name="Shape 90"/>
+        <p:cNvPr id="1" name="Shape 90"/>
         <p:cNvGrpSpPr/>
         <p:nvPr/>
       </p:nvGrpSpPr>
@@ -9654,7 +10988,9 @@
       <p:sp>
         <p:nvSpPr>
           <p:cNvPr id="91" name="Google Shape;91;p17"/>
-          <p:cNvSpPr txBox="1"/>
+          <p:cNvSpPr txBox="1">
+            <a:spLocks noGrp="1"/>
+          </p:cNvSpPr>
           <p:nvPr>
             <p:ph type="title"/>
           </p:nvPr>
@@ -9669,12 +11005,12 @@
           </a:prstGeom>
         </p:spPr>
         <p:txBody>
-          <a:bodyPr anchorCtr="0" anchor="ctr" bIns="91425" lIns="91425" spcFirstLastPara="1" rIns="91425" wrap="square" tIns="91425">
+          <a:bodyPr spcFirstLastPara="1" wrap="square" lIns="91425" tIns="91425" rIns="91425" bIns="91425" anchor="ctr" anchorCtr="0">
             <a:noAutofit/>
           </a:bodyPr>
           <a:lstStyle/>
           <a:p>
-            <a:pPr indent="0" lvl="0" marL="0" rtl="0" algn="ctr">
+            <a:pPr marL="0" lvl="0" indent="0" algn="ctr" rtl="0">
               <a:spcBef>
                 <a:spcPts val="0"/>
               </a:spcBef>
@@ -9696,15 +11032,22 @@
   <p:clrMapOvr>
     <a:masterClrMapping/>
   </p:clrMapOvr>
+  <p:timing>
+    <p:tnLst>
+      <p:par>
+        <p:cTn id="1" dur="indefinite" restart="never" nodeType="tmRoot"/>
+      </p:par>
+    </p:tnLst>
+  </p:timing>
 </p:sld>
 </file>
 
 <file path=ppt/slides/slide6.xml><?xml version="1.0" encoding="utf-8"?>
-<p:sld xmlns:a="http://schemas.openxmlformats.org/drawingml/2006/main" xmlns:r="http://schemas.openxmlformats.org/officeDocument/2006/relationships" xmlns:mc="http://schemas.openxmlformats.org/markup-compatibility/2006" xmlns:mv="urn:schemas-microsoft-com:mac:vml" xmlns:p="http://schemas.openxmlformats.org/presentationml/2006/main" xmlns:c="http://schemas.openxmlformats.org/drawingml/2006/chart" xmlns:dgm="http://schemas.openxmlformats.org/drawingml/2006/diagram" xmlns:o="urn:schemas-microsoft-com:office:office" xmlns:v="urn:schemas-microsoft-com:vml" xmlns:pvml="urn:schemas-microsoft-com:office:powerpoint" xmlns:com="http://schemas.openxmlformats.org/drawingml/2006/compatibility" xmlns:p14="http://schemas.microsoft.com/office/powerpoint/2010/main" xmlns:p15="http://schemas.microsoft.com/office/powerpoint/2012/main">
+<p:sld xmlns:a="http://schemas.openxmlformats.org/drawingml/2006/main" xmlns:r="http://schemas.openxmlformats.org/officeDocument/2006/relationships" xmlns:p="http://schemas.openxmlformats.org/presentationml/2006/main">
   <p:cSld>
     <p:spTree>
       <p:nvGrpSpPr>
-        <p:cNvPr id="95" name="Shape 95"/>
+        <p:cNvPr id="1" name="Shape 95"/>
         <p:cNvGrpSpPr/>
         <p:nvPr/>
       </p:nvGrpSpPr>
@@ -9719,7 +11062,9 @@
       <p:sp>
         <p:nvSpPr>
           <p:cNvPr id="96" name="Google Shape;96;p18"/>
-          <p:cNvSpPr txBox="1"/>
+          <p:cNvSpPr txBox="1">
+            <a:spLocks noGrp="1"/>
+          </p:cNvSpPr>
           <p:nvPr>
             <p:ph type="title"/>
           </p:nvPr>
@@ -9734,12 +11079,12 @@
           </a:prstGeom>
         </p:spPr>
         <p:txBody>
-          <a:bodyPr anchorCtr="0" anchor="b" bIns="91425" lIns="91425" spcFirstLastPara="1" rIns="91425" wrap="square" tIns="91425">
+          <a:bodyPr spcFirstLastPara="1" wrap="square" lIns="91425" tIns="91425" rIns="91425" bIns="91425" anchor="b" anchorCtr="0">
             <a:noAutofit/>
           </a:bodyPr>
           <a:lstStyle/>
           <a:p>
-            <a:pPr indent="0" lvl="0" marL="0" rtl="0" algn="ctr">
+            <a:pPr marL="0" lvl="0" indent="0" algn="ctr" rtl="0">
               <a:spcBef>
                 <a:spcPts val="0"/>
               </a:spcBef>
@@ -9759,9 +11104,11 @@
       <p:sp>
         <p:nvSpPr>
           <p:cNvPr id="97" name="Google Shape;97;p18"/>
-          <p:cNvSpPr txBox="1"/>
+          <p:cNvSpPr txBox="1">
+            <a:spLocks noGrp="1"/>
+          </p:cNvSpPr>
           <p:nvPr>
-            <p:ph idx="1" type="subTitle"/>
+            <p:ph type="subTitle" idx="1"/>
           </p:nvPr>
         </p:nvSpPr>
         <p:spPr>
@@ -9774,23 +11121,20 @@
           </a:prstGeom>
         </p:spPr>
         <p:txBody>
-          <a:bodyPr anchorCtr="0" anchor="t" bIns="91425" lIns="91425" spcFirstLastPara="1" rIns="91425" wrap="square" tIns="91425">
+          <a:bodyPr spcFirstLastPara="1" wrap="square" lIns="91425" tIns="91425" rIns="91425" bIns="91425" anchor="t" anchorCtr="0">
             <a:noAutofit/>
           </a:bodyPr>
           <a:lstStyle/>
           <a:p>
-            <a:pPr indent="0" lvl="0" marL="0" rtl="0" algn="ctr">
-              <a:spcBef>
-                <a:spcPts val="0"/>
-              </a:spcBef>
-              <a:spcAft>
-                <a:spcPts val="0"/>
-              </a:spcAft>
-              <a:buNone/>
-            </a:pPr>
-            <a:r>
-              <a:t/>
-            </a:r>
+            <a:pPr marL="0" lvl="0" indent="0" algn="ctr" rtl="0">
+              <a:spcBef>
+                <a:spcPts val="0"/>
+              </a:spcBef>
+              <a:spcAft>
+                <a:spcPts val="0"/>
+              </a:spcAft>
+              <a:buNone/>
+            </a:pPr>
             <a:endParaRPr/>
           </a:p>
         </p:txBody>
@@ -9798,9 +11142,11 @@
       <p:sp>
         <p:nvSpPr>
           <p:cNvPr id="98" name="Google Shape;98;p18"/>
-          <p:cNvSpPr txBox="1"/>
+          <p:cNvSpPr txBox="1">
+            <a:spLocks noGrp="1"/>
+          </p:cNvSpPr>
           <p:nvPr>
-            <p:ph idx="2" type="body"/>
+            <p:ph type="body" idx="2"/>
           </p:nvPr>
         </p:nvSpPr>
         <p:spPr>
@@ -9813,12 +11159,12 @@
           </a:prstGeom>
         </p:spPr>
         <p:txBody>
-          <a:bodyPr anchorCtr="0" anchor="ctr" bIns="91425" lIns="91425" spcFirstLastPara="1" rIns="91425" wrap="square" tIns="91425">
+          <a:bodyPr spcFirstLastPara="1" wrap="square" lIns="91425" tIns="91425" rIns="91425" bIns="91425" anchor="ctr" anchorCtr="0">
             <a:noAutofit/>
           </a:bodyPr>
           <a:lstStyle/>
           <a:p>
-            <a:pPr indent="0" lvl="0" marL="0" rtl="0" algn="l">
+            <a:pPr marL="0" lvl="0" indent="0" algn="l" rtl="0">
               <a:spcBef>
                 <a:spcPts val="0"/>
               </a:spcBef>
@@ -9827,9 +11173,6 @@
               </a:spcAft>
               <a:buNone/>
             </a:pPr>
-            <a:r>
-              <a:t/>
-            </a:r>
             <a:endParaRPr/>
           </a:p>
         </p:txBody>
@@ -9867,15 +11210,22 @@
   <p:clrMapOvr>
     <a:masterClrMapping/>
   </p:clrMapOvr>
+  <p:timing>
+    <p:tnLst>
+      <p:par>
+        <p:cTn id="1" dur="indefinite" restart="never" nodeType="tmRoot"/>
+      </p:par>
+    </p:tnLst>
+  </p:timing>
 </p:sld>
 </file>
 
 <file path=ppt/slides/slide7.xml><?xml version="1.0" encoding="utf-8"?>
-<p:sld xmlns:a="http://schemas.openxmlformats.org/drawingml/2006/main" xmlns:r="http://schemas.openxmlformats.org/officeDocument/2006/relationships" xmlns:mc="http://schemas.openxmlformats.org/markup-compatibility/2006" xmlns:mv="urn:schemas-microsoft-com:mac:vml" xmlns:p="http://schemas.openxmlformats.org/presentationml/2006/main" xmlns:c="http://schemas.openxmlformats.org/drawingml/2006/chart" xmlns:dgm="http://schemas.openxmlformats.org/drawingml/2006/diagram" xmlns:o="urn:schemas-microsoft-com:office:office" xmlns:v="urn:schemas-microsoft-com:vml" xmlns:pvml="urn:schemas-microsoft-com:office:powerpoint" xmlns:com="http://schemas.openxmlformats.org/drawingml/2006/compatibility" xmlns:p14="http://schemas.microsoft.com/office/powerpoint/2010/main" xmlns:p15="http://schemas.microsoft.com/office/powerpoint/2012/main">
+<p:sld xmlns:a="http://schemas.openxmlformats.org/drawingml/2006/main" xmlns:r="http://schemas.openxmlformats.org/officeDocument/2006/relationships" xmlns:p="http://schemas.openxmlformats.org/presentationml/2006/main">
   <p:cSld>
     <p:spTree>
       <p:nvGrpSpPr>
-        <p:cNvPr id="103" name="Shape 103"/>
+        <p:cNvPr id="1" name="Shape 103"/>
         <p:cNvGrpSpPr/>
         <p:nvPr/>
       </p:nvGrpSpPr>
@@ -9890,7 +11240,9 @@
       <p:sp>
         <p:nvSpPr>
           <p:cNvPr id="104" name="Google Shape;104;p19"/>
-          <p:cNvSpPr txBox="1"/>
+          <p:cNvSpPr txBox="1">
+            <a:spLocks noGrp="1"/>
+          </p:cNvSpPr>
           <p:nvPr>
             <p:ph type="title"/>
           </p:nvPr>
@@ -9905,12 +11257,12 @@
           </a:prstGeom>
         </p:spPr>
         <p:txBody>
-          <a:bodyPr anchorCtr="0" anchor="b" bIns="91425" lIns="91425" spcFirstLastPara="1" rIns="91425" wrap="square" tIns="91425">
+          <a:bodyPr spcFirstLastPara="1" wrap="square" lIns="91425" tIns="91425" rIns="91425" bIns="91425" anchor="b" anchorCtr="0">
             <a:noAutofit/>
           </a:bodyPr>
           <a:lstStyle/>
           <a:p>
-            <a:pPr indent="0" lvl="0" marL="0" rtl="0" algn="ctr">
+            <a:pPr marL="0" lvl="0" indent="0" algn="ctr" rtl="0">
               <a:spcBef>
                 <a:spcPts val="0"/>
               </a:spcBef>
@@ -9930,9 +11282,11 @@
       <p:sp>
         <p:nvSpPr>
           <p:cNvPr id="105" name="Google Shape;105;p19"/>
-          <p:cNvSpPr txBox="1"/>
+          <p:cNvSpPr txBox="1">
+            <a:spLocks noGrp="1"/>
+          </p:cNvSpPr>
           <p:nvPr>
-            <p:ph idx="1" type="subTitle"/>
+            <p:ph type="subTitle" idx="1"/>
           </p:nvPr>
         </p:nvSpPr>
         <p:spPr>
@@ -9945,23 +11299,20 @@
           </a:prstGeom>
         </p:spPr>
         <p:txBody>
-          <a:bodyPr anchorCtr="0" anchor="t" bIns="91425" lIns="91425" spcFirstLastPara="1" rIns="91425" wrap="square" tIns="91425">
+          <a:bodyPr spcFirstLastPara="1" wrap="square" lIns="91425" tIns="91425" rIns="91425" bIns="91425" anchor="t" anchorCtr="0">
             <a:noAutofit/>
           </a:bodyPr>
           <a:lstStyle/>
           <a:p>
-            <a:pPr indent="0" lvl="0" marL="0" rtl="0" algn="ctr">
-              <a:spcBef>
-                <a:spcPts val="0"/>
-              </a:spcBef>
-              <a:spcAft>
-                <a:spcPts val="0"/>
-              </a:spcAft>
-              <a:buNone/>
-            </a:pPr>
-            <a:r>
-              <a:t/>
-            </a:r>
+            <a:pPr marL="0" lvl="0" indent="0" algn="ctr" rtl="0">
+              <a:spcBef>
+                <a:spcPts val="0"/>
+              </a:spcBef>
+              <a:spcAft>
+                <a:spcPts val="0"/>
+              </a:spcAft>
+              <a:buNone/>
+            </a:pPr>
             <a:endParaRPr/>
           </a:p>
         </p:txBody>
@@ -9969,9 +11320,11 @@
       <p:sp>
         <p:nvSpPr>
           <p:cNvPr id="106" name="Google Shape;106;p19"/>
-          <p:cNvSpPr txBox="1"/>
+          <p:cNvSpPr txBox="1">
+            <a:spLocks noGrp="1"/>
+          </p:cNvSpPr>
           <p:nvPr>
-            <p:ph idx="2" type="body"/>
+            <p:ph type="body" idx="2"/>
           </p:nvPr>
         </p:nvSpPr>
         <p:spPr>
@@ -9984,12 +11337,12 @@
           </a:prstGeom>
         </p:spPr>
         <p:txBody>
-          <a:bodyPr anchorCtr="0" anchor="ctr" bIns="91425" lIns="91425" spcFirstLastPara="1" rIns="91425" wrap="square" tIns="91425">
+          <a:bodyPr spcFirstLastPara="1" wrap="square" lIns="91425" tIns="91425" rIns="91425" bIns="91425" anchor="ctr" anchorCtr="0">
             <a:noAutofit/>
           </a:bodyPr>
           <a:lstStyle/>
           <a:p>
-            <a:pPr indent="0" lvl="0" marL="0" rtl="0" algn="l">
+            <a:pPr marL="0" lvl="0" indent="0" algn="l" rtl="0">
               <a:spcBef>
                 <a:spcPts val="0"/>
               </a:spcBef>
@@ -9998,9 +11351,6 @@
               </a:spcAft>
               <a:buNone/>
             </a:pPr>
-            <a:r>
-              <a:t/>
-            </a:r>
             <a:endParaRPr/>
           </a:p>
         </p:txBody>
@@ -10038,15 +11388,22 @@
   <p:clrMapOvr>
     <a:masterClrMapping/>
   </p:clrMapOvr>
+  <p:timing>
+    <p:tnLst>
+      <p:par>
+        <p:cTn id="1" dur="indefinite" restart="never" nodeType="tmRoot"/>
+      </p:par>
+    </p:tnLst>
+  </p:timing>
 </p:sld>
 </file>
 
 <file path=ppt/slides/slide8.xml><?xml version="1.0" encoding="utf-8"?>
-<p:sld xmlns:a="http://schemas.openxmlformats.org/drawingml/2006/main" xmlns:r="http://schemas.openxmlformats.org/officeDocument/2006/relationships" xmlns:mc="http://schemas.openxmlformats.org/markup-compatibility/2006" xmlns:mv="urn:schemas-microsoft-com:mac:vml" xmlns:p="http://schemas.openxmlformats.org/presentationml/2006/main" xmlns:c="http://schemas.openxmlformats.org/drawingml/2006/chart" xmlns:dgm="http://schemas.openxmlformats.org/drawingml/2006/diagram" xmlns:o="urn:schemas-microsoft-com:office:office" xmlns:v="urn:schemas-microsoft-com:vml" xmlns:pvml="urn:schemas-microsoft-com:office:powerpoint" xmlns:com="http://schemas.openxmlformats.org/drawingml/2006/compatibility" xmlns:p14="http://schemas.microsoft.com/office/powerpoint/2010/main" xmlns:p15="http://schemas.microsoft.com/office/powerpoint/2012/main">
+<p:sld xmlns:a="http://schemas.openxmlformats.org/drawingml/2006/main" xmlns:r="http://schemas.openxmlformats.org/officeDocument/2006/relationships" xmlns:p="http://schemas.openxmlformats.org/presentationml/2006/main">
   <p:cSld>
     <p:spTree>
       <p:nvGrpSpPr>
-        <p:cNvPr id="111" name="Shape 111"/>
+        <p:cNvPr id="1" name="Shape 111"/>
         <p:cNvGrpSpPr/>
         <p:nvPr/>
       </p:nvGrpSpPr>
@@ -10061,7 +11418,9 @@
       <p:sp>
         <p:nvSpPr>
           <p:cNvPr id="112" name="Google Shape;112;p20"/>
-          <p:cNvSpPr txBox="1"/>
+          <p:cNvSpPr txBox="1">
+            <a:spLocks noGrp="1"/>
+          </p:cNvSpPr>
           <p:nvPr>
             <p:ph type="title"/>
           </p:nvPr>
@@ -10076,23 +11435,20 @@
           </a:prstGeom>
         </p:spPr>
         <p:txBody>
-          <a:bodyPr anchorCtr="0" anchor="t" bIns="91425" lIns="91425" spcFirstLastPara="1" rIns="91425" wrap="square" tIns="91425">
+          <a:bodyPr spcFirstLastPara="1" wrap="square" lIns="91425" tIns="91425" rIns="91425" bIns="91425" anchor="t" anchorCtr="0">
             <a:noAutofit/>
           </a:bodyPr>
           <a:lstStyle/>
           <a:p>
-            <a:pPr indent="0" lvl="0" marL="0" rtl="0" algn="l">
-              <a:spcBef>
-                <a:spcPts val="0"/>
-              </a:spcBef>
-              <a:spcAft>
-                <a:spcPts val="0"/>
-              </a:spcAft>
-              <a:buNone/>
-            </a:pPr>
-            <a:r>
-              <a:t/>
-            </a:r>
+            <a:pPr marL="0" lvl="0" indent="0" algn="l" rtl="0">
+              <a:spcBef>
+                <a:spcPts val="0"/>
+              </a:spcBef>
+              <a:spcAft>
+                <a:spcPts val="0"/>
+              </a:spcAft>
+              <a:buNone/>
+            </a:pPr>
             <a:endParaRPr/>
           </a:p>
         </p:txBody>
@@ -10100,9 +11456,11 @@
       <p:sp>
         <p:nvSpPr>
           <p:cNvPr id="113" name="Google Shape;113;p20"/>
-          <p:cNvSpPr txBox="1"/>
+          <p:cNvSpPr txBox="1">
+            <a:spLocks noGrp="1"/>
+          </p:cNvSpPr>
           <p:nvPr>
-            <p:ph idx="1" type="body"/>
+            <p:ph type="body" idx="1"/>
           </p:nvPr>
         </p:nvSpPr>
         <p:spPr>
@@ -10115,12 +11473,12 @@
           </a:prstGeom>
         </p:spPr>
         <p:txBody>
-          <a:bodyPr anchorCtr="0" anchor="t" bIns="91425" lIns="91425" spcFirstLastPara="1" rIns="91425" wrap="square" tIns="91425">
+          <a:bodyPr spcFirstLastPara="1" wrap="square" lIns="91425" tIns="91425" rIns="91425" bIns="91425" anchor="t" anchorCtr="0">
             <a:noAutofit/>
           </a:bodyPr>
           <a:lstStyle/>
           <a:p>
-            <a:pPr indent="0" lvl="0" marL="0" rtl="0" algn="l">
+            <a:pPr marL="0" lvl="0" indent="0" algn="l" rtl="0">
               <a:spcBef>
                 <a:spcPts val="0"/>
               </a:spcBef>
@@ -10129,9 +11487,6 @@
               </a:spcAft>
               <a:buNone/>
             </a:pPr>
-            <a:r>
-              <a:t/>
-            </a:r>
             <a:endParaRPr/>
           </a:p>
         </p:txBody>
@@ -10139,9 +11494,11 @@
       <p:sp>
         <p:nvSpPr>
           <p:cNvPr id="114" name="Google Shape;114;p20"/>
-          <p:cNvSpPr txBox="1"/>
+          <p:cNvSpPr txBox="1">
+            <a:spLocks noGrp="1"/>
+          </p:cNvSpPr>
           <p:nvPr>
-            <p:ph idx="2" type="body"/>
+            <p:ph type="body" idx="2"/>
           </p:nvPr>
         </p:nvSpPr>
         <p:spPr>
@@ -10154,12 +11511,12 @@
           </a:prstGeom>
         </p:spPr>
         <p:txBody>
-          <a:bodyPr anchorCtr="0" anchor="t" bIns="91425" lIns="91425" spcFirstLastPara="1" rIns="91425" wrap="square" tIns="91425">
+          <a:bodyPr spcFirstLastPara="1" wrap="square" lIns="91425" tIns="91425" rIns="91425" bIns="91425" anchor="t" anchorCtr="0">
             <a:noAutofit/>
           </a:bodyPr>
           <a:lstStyle/>
           <a:p>
-            <a:pPr indent="0" lvl="0" marL="0" rtl="0" algn="l">
+            <a:pPr marL="0" lvl="0" indent="0" algn="l" rtl="0">
               <a:spcBef>
                 <a:spcPts val="0"/>
               </a:spcBef>
@@ -10168,9 +11525,6 @@
               </a:spcAft>
               <a:buNone/>
             </a:pPr>
-            <a:r>
-              <a:t/>
-            </a:r>
             <a:endParaRPr/>
           </a:p>
         </p:txBody>
@@ -10208,15 +11562,22 @@
   <p:clrMapOvr>
     <a:masterClrMapping/>
   </p:clrMapOvr>
+  <p:timing>
+    <p:tnLst>
+      <p:par>
+        <p:cTn id="1" dur="indefinite" restart="never" nodeType="tmRoot"/>
+      </p:par>
+    </p:tnLst>
+  </p:timing>
 </p:sld>
 </file>
 
 <file path=ppt/slides/slide9.xml><?xml version="1.0" encoding="utf-8"?>
-<p:sld xmlns:a="http://schemas.openxmlformats.org/drawingml/2006/main" xmlns:r="http://schemas.openxmlformats.org/officeDocument/2006/relationships" xmlns:mc="http://schemas.openxmlformats.org/markup-compatibility/2006" xmlns:mv="urn:schemas-microsoft-com:mac:vml" xmlns:p="http://schemas.openxmlformats.org/presentationml/2006/main" xmlns:c="http://schemas.openxmlformats.org/drawingml/2006/chart" xmlns:dgm="http://schemas.openxmlformats.org/drawingml/2006/diagram" xmlns:o="urn:schemas-microsoft-com:office:office" xmlns:v="urn:schemas-microsoft-com:vml" xmlns:pvml="urn:schemas-microsoft-com:office:powerpoint" xmlns:com="http://schemas.openxmlformats.org/drawingml/2006/compatibility" xmlns:p14="http://schemas.microsoft.com/office/powerpoint/2010/main" xmlns:p15="http://schemas.microsoft.com/office/powerpoint/2012/main">
+<p:sld xmlns:a="http://schemas.openxmlformats.org/drawingml/2006/main" xmlns:r="http://schemas.openxmlformats.org/officeDocument/2006/relationships" xmlns:p="http://schemas.openxmlformats.org/presentationml/2006/main">
   <p:cSld>
     <p:spTree>
       <p:nvGrpSpPr>
-        <p:cNvPr id="119" name="Shape 119"/>
+        <p:cNvPr id="1" name="Shape 119"/>
         <p:cNvGrpSpPr/>
         <p:nvPr/>
       </p:nvGrpSpPr>
@@ -10231,7 +11592,9 @@
       <p:sp>
         <p:nvSpPr>
           <p:cNvPr id="120" name="Google Shape;120;p21"/>
-          <p:cNvSpPr txBox="1"/>
+          <p:cNvSpPr txBox="1">
+            <a:spLocks noGrp="1"/>
+          </p:cNvSpPr>
           <p:nvPr>
             <p:ph type="title"/>
           </p:nvPr>
@@ -10246,12 +11609,12 @@
           </a:prstGeom>
         </p:spPr>
         <p:txBody>
-          <a:bodyPr anchorCtr="0" anchor="ctr" bIns="91425" lIns="91425" spcFirstLastPara="1" rIns="91425" wrap="square" tIns="91425">
+          <a:bodyPr spcFirstLastPara="1" wrap="square" lIns="91425" tIns="91425" rIns="91425" bIns="91425" anchor="ctr" anchorCtr="0">
             <a:noAutofit/>
           </a:bodyPr>
           <a:lstStyle/>
           <a:p>
-            <a:pPr indent="0" lvl="0" marL="0" rtl="0" algn="ctr">
+            <a:pPr marL="0" lvl="0" indent="0" algn="ctr" rtl="0">
               <a:spcBef>
                 <a:spcPts val="0"/>
               </a:spcBef>
@@ -10271,9 +11634,11 @@
       <p:sp>
         <p:nvSpPr>
           <p:cNvPr id="121" name="Google Shape;121;p21"/>
-          <p:cNvSpPr txBox="1"/>
+          <p:cNvSpPr txBox="1">
+            <a:spLocks noGrp="1"/>
+          </p:cNvSpPr>
           <p:nvPr>
-            <p:ph idx="4294967295" type="subTitle"/>
+            <p:ph type="subTitle" idx="4294967295"/>
           </p:nvPr>
         </p:nvSpPr>
         <p:spPr>
@@ -10286,12 +11651,12 @@
           </a:prstGeom>
         </p:spPr>
         <p:txBody>
-          <a:bodyPr anchorCtr="0" anchor="t" bIns="91425" lIns="91425" spcFirstLastPara="1" rIns="91425" wrap="square" tIns="91425">
+          <a:bodyPr spcFirstLastPara="1" wrap="square" lIns="91425" tIns="91425" rIns="91425" bIns="91425" anchor="t" anchorCtr="0">
             <a:noAutofit/>
           </a:bodyPr>
           <a:lstStyle/>
           <a:p>
-            <a:pPr indent="0" lvl="0" marL="0" rtl="0" algn="ctr">
+            <a:pPr marL="0" lvl="0" indent="0" algn="ctr" rtl="0">
               <a:spcBef>
                 <a:spcPts val="0"/>
               </a:spcBef>
@@ -10305,7 +11670,7 @@
               <a:t>Caranya adalah dengan mengkomputasi solusi optimal dari seluruh subpath </a:t>
             </a:r>
             <a:r>
-              <a:rPr b="1" lang="en"/>
+              <a:rPr lang="en" b="1"/>
               <a:t>N</a:t>
             </a:r>
             <a:r>
@@ -10313,7 +11678,7 @@
               <a:t> dan menggunakan informasi optimal yang telah diketahui </a:t>
             </a:r>
             <a:r>
-              <a:rPr b="1" lang="en"/>
+              <a:rPr lang="en" b="1"/>
               <a:t>N-1 </a:t>
             </a:r>
             <a:endParaRPr b="1"/>
@@ -10325,11 +11690,299 @@
   <p:clrMapOvr>
     <a:masterClrMapping/>
   </p:clrMapOvr>
+  <p:timing>
+    <p:tnLst>
+      <p:par>
+        <p:cTn id="1" dur="indefinite" restart="never" nodeType="tmRoot"/>
+      </p:par>
+    </p:tnLst>
+  </p:timing>
 </p:sld>
 </file>
 
 <file path=ppt/theme/theme1.xml><?xml version="1.0" encoding="utf-8"?>
-<a:theme xmlns:a="http://schemas.openxmlformats.org/drawingml/2006/main" xmlns:r="http://schemas.openxmlformats.org/officeDocument/2006/relationships">
+<a:theme xmlns:a="http://schemas.openxmlformats.org/drawingml/2006/main" name="Tropic">
+  <a:themeElements>
+    <a:clrScheme name="Tropic">
+      <a:dk1>
+        <a:srgbClr val="A1E8D9"/>
+      </a:dk1>
+      <a:lt1>
+        <a:srgbClr val="FFFFFF"/>
+      </a:lt1>
+      <a:dk2>
+        <a:srgbClr val="695D46"/>
+      </a:dk2>
+      <a:lt2>
+        <a:srgbClr val="B3A77D"/>
+      </a:lt2>
+      <a:accent1>
+        <a:srgbClr val="EF6C00"/>
+      </a:accent1>
+      <a:accent2>
+        <a:srgbClr val="009668"/>
+      </a:accent2>
+      <a:accent3>
+        <a:srgbClr val="4DB6AC"/>
+      </a:accent3>
+      <a:accent4>
+        <a:srgbClr val="FF9800"/>
+      </a:accent4>
+      <a:accent5>
+        <a:srgbClr val="CE93D8"/>
+      </a:accent5>
+      <a:accent6>
+        <a:srgbClr val="EEFF41"/>
+      </a:accent6>
+      <a:hlink>
+        <a:srgbClr val="CE93D8"/>
+      </a:hlink>
+      <a:folHlink>
+        <a:srgbClr val="CE93D8"/>
+      </a:folHlink>
+    </a:clrScheme>
+    <a:fontScheme name="Office">
+      <a:majorFont>
+        <a:latin typeface="Arial"/>
+        <a:ea typeface=""/>
+        <a:cs typeface=""/>
+        <a:font script="Jpan" typeface="ＭＳ Ｐゴシック"/>
+        <a:font script="Hang" typeface="맑은 고딕"/>
+        <a:font script="Hans" typeface="宋体"/>
+        <a:font script="Hant" typeface="新細明體"/>
+        <a:font script="Arab" typeface="Times New Roman"/>
+        <a:font script="Hebr" typeface="Times New Roman"/>
+        <a:font script="Thai" typeface="Angsana New"/>
+        <a:font script="Ethi" typeface="Nyala"/>
+        <a:font script="Beng" typeface="Vrinda"/>
+        <a:font script="Gujr" typeface="Shruti"/>
+        <a:font script="Khmr" typeface="MoolBoran"/>
+        <a:font script="Knda" typeface="Tunga"/>
+        <a:font script="Guru" typeface="Raavi"/>
+        <a:font script="Cans" typeface="Euphemia"/>
+        <a:font script="Cher" typeface="Plantagenet Cherokee"/>
+        <a:font script="Yiii" typeface="Microsoft Yi Baiti"/>
+        <a:font script="Tibt" typeface="Microsoft Himalaya"/>
+        <a:font script="Thaa" typeface="MV Boli"/>
+        <a:font script="Deva" typeface="Mangal"/>
+        <a:font script="Telu" typeface="Gautami"/>
+        <a:font script="Taml" typeface="Latha"/>
+        <a:font script="Syrc" typeface="Estrangelo Edessa"/>
+        <a:font script="Orya" typeface="Kalinga"/>
+        <a:font script="Mlym" typeface="Kartika"/>
+        <a:font script="Laoo" typeface="DokChampa"/>
+        <a:font script="Sinh" typeface="Iskoola Pota"/>
+        <a:font script="Mong" typeface="Mongolian Baiti"/>
+        <a:font script="Viet" typeface="Times New Roman"/>
+        <a:font script="Uigh" typeface="Microsoft Uighur"/>
+        <a:font script="Geor" typeface="Sylfaen"/>
+      </a:majorFont>
+      <a:minorFont>
+        <a:latin typeface="Arial"/>
+        <a:ea typeface=""/>
+        <a:cs typeface=""/>
+        <a:font script="Jpan" typeface="ＭＳ Ｐゴシック"/>
+        <a:font script="Hang" typeface="맑은 고딕"/>
+        <a:font script="Hans" typeface="宋体"/>
+        <a:font script="Hant" typeface="新細明體"/>
+        <a:font script="Arab" typeface="Arial"/>
+        <a:font script="Hebr" typeface="Arial"/>
+        <a:font script="Thai" typeface="Cordia New"/>
+        <a:font script="Ethi" typeface="Nyala"/>
+        <a:font script="Beng" typeface="Vrinda"/>
+        <a:font script="Gujr" typeface="Shruti"/>
+        <a:font script="Khmr" typeface="DaunPenh"/>
+        <a:font script="Knda" typeface="Tunga"/>
+        <a:font script="Guru" typeface="Raavi"/>
+        <a:font script="Cans" typeface="Euphemia"/>
+        <a:font script="Cher" typeface="Plantagenet Cherokee"/>
+        <a:font script="Yiii" typeface="Microsoft Yi Baiti"/>
+        <a:font script="Tibt" typeface="Microsoft Himalaya"/>
+        <a:font script="Thaa" typeface="MV Boli"/>
+        <a:font script="Deva" typeface="Mangal"/>
+        <a:font script="Telu" typeface="Gautami"/>
+        <a:font script="Taml" typeface="Latha"/>
+        <a:font script="Syrc" typeface="Estrangelo Edessa"/>
+        <a:font script="Orya" typeface="Kalinga"/>
+        <a:font script="Mlym" typeface="Kartika"/>
+        <a:font script="Laoo" typeface="DokChampa"/>
+        <a:font script="Sinh" typeface="Iskoola Pota"/>
+        <a:font script="Mong" typeface="Mongolian Baiti"/>
+        <a:font script="Viet" typeface="Arial"/>
+        <a:font script="Uigh" typeface="Microsoft Uighur"/>
+        <a:font script="Geor" typeface="Sylfaen"/>
+      </a:minorFont>
+    </a:fontScheme>
+    <a:fmtScheme name="Office">
+      <a:fillStyleLst>
+        <a:solidFill>
+          <a:schemeClr val="phClr"/>
+        </a:solidFill>
+        <a:gradFill rotWithShape="1">
+          <a:gsLst>
+            <a:gs pos="0">
+              <a:schemeClr val="phClr">
+                <a:tint val="50000"/>
+                <a:satMod val="300000"/>
+              </a:schemeClr>
+            </a:gs>
+            <a:gs pos="35000">
+              <a:schemeClr val="phClr">
+                <a:tint val="37000"/>
+                <a:satMod val="300000"/>
+              </a:schemeClr>
+            </a:gs>
+            <a:gs pos="100000">
+              <a:schemeClr val="phClr">
+                <a:tint val="15000"/>
+                <a:satMod val="350000"/>
+              </a:schemeClr>
+            </a:gs>
+          </a:gsLst>
+          <a:lin ang="16200000" scaled="1"/>
+        </a:gradFill>
+        <a:gradFill rotWithShape="1">
+          <a:gsLst>
+            <a:gs pos="0">
+              <a:schemeClr val="phClr">
+                <a:tint val="100000"/>
+                <a:shade val="100000"/>
+                <a:satMod val="130000"/>
+              </a:schemeClr>
+            </a:gs>
+            <a:gs pos="100000">
+              <a:schemeClr val="phClr">
+                <a:tint val="50000"/>
+                <a:shade val="100000"/>
+                <a:satMod val="350000"/>
+              </a:schemeClr>
+            </a:gs>
+          </a:gsLst>
+          <a:lin ang="16200000" scaled="0"/>
+        </a:gradFill>
+      </a:fillStyleLst>
+      <a:lnStyleLst>
+        <a:ln w="9525" cap="flat" cmpd="sng" algn="ctr">
+          <a:solidFill>
+            <a:schemeClr val="phClr">
+              <a:shade val="95000"/>
+              <a:satMod val="105000"/>
+            </a:schemeClr>
+          </a:solidFill>
+          <a:prstDash val="solid"/>
+        </a:ln>
+        <a:ln w="25400" cap="flat" cmpd="sng" algn="ctr">
+          <a:solidFill>
+            <a:schemeClr val="phClr"/>
+          </a:solidFill>
+          <a:prstDash val="solid"/>
+        </a:ln>
+        <a:ln w="38100" cap="flat" cmpd="sng" algn="ctr">
+          <a:solidFill>
+            <a:schemeClr val="phClr"/>
+          </a:solidFill>
+          <a:prstDash val="solid"/>
+        </a:ln>
+      </a:lnStyleLst>
+      <a:effectStyleLst>
+        <a:effectStyle>
+          <a:effectLst>
+            <a:outerShdw blurRad="40000" dist="20000" dir="5400000" rotWithShape="0">
+              <a:srgbClr val="000000">
+                <a:alpha val="38000"/>
+              </a:srgbClr>
+            </a:outerShdw>
+          </a:effectLst>
+        </a:effectStyle>
+        <a:effectStyle>
+          <a:effectLst>
+            <a:outerShdw blurRad="40000" dist="23000" dir="5400000" rotWithShape="0">
+              <a:srgbClr val="000000">
+                <a:alpha val="35000"/>
+              </a:srgbClr>
+            </a:outerShdw>
+          </a:effectLst>
+        </a:effectStyle>
+        <a:effectStyle>
+          <a:effectLst>
+            <a:outerShdw blurRad="40000" dist="23000" dir="5400000" rotWithShape="0">
+              <a:srgbClr val="000000">
+                <a:alpha val="35000"/>
+              </a:srgbClr>
+            </a:outerShdw>
+          </a:effectLst>
+          <a:scene3d>
+            <a:camera prst="orthographicFront">
+              <a:rot lat="0" lon="0" rev="0"/>
+            </a:camera>
+            <a:lightRig rig="threePt" dir="t">
+              <a:rot lat="0" lon="0" rev="1200000"/>
+            </a:lightRig>
+          </a:scene3d>
+          <a:sp3d>
+            <a:bevelT w="63500" h="25400"/>
+          </a:sp3d>
+        </a:effectStyle>
+      </a:effectStyleLst>
+      <a:bgFillStyleLst>
+        <a:solidFill>
+          <a:schemeClr val="phClr"/>
+        </a:solidFill>
+        <a:gradFill rotWithShape="1">
+          <a:gsLst>
+            <a:gs pos="0">
+              <a:schemeClr val="phClr">
+                <a:tint val="40000"/>
+                <a:satMod val="350000"/>
+              </a:schemeClr>
+            </a:gs>
+            <a:gs pos="40000">
+              <a:schemeClr val="phClr">
+                <a:tint val="45000"/>
+                <a:shade val="99000"/>
+                <a:satMod val="350000"/>
+              </a:schemeClr>
+            </a:gs>
+            <a:gs pos="100000">
+              <a:schemeClr val="phClr">
+                <a:shade val="20000"/>
+                <a:satMod val="255000"/>
+              </a:schemeClr>
+            </a:gs>
+          </a:gsLst>
+          <a:path path="circle">
+            <a:fillToRect l="50000" t="-80000" r="50000" b="180000"/>
+          </a:path>
+        </a:gradFill>
+        <a:gradFill rotWithShape="1">
+          <a:gsLst>
+            <a:gs pos="0">
+              <a:schemeClr val="phClr">
+                <a:tint val="80000"/>
+                <a:satMod val="300000"/>
+              </a:schemeClr>
+            </a:gs>
+            <a:gs pos="100000">
+              <a:schemeClr val="phClr">
+                <a:shade val="30000"/>
+                <a:satMod val="200000"/>
+              </a:schemeClr>
+            </a:gs>
+          </a:gsLst>
+          <a:path path="circle">
+            <a:fillToRect l="50000" t="50000" r="50000" b="50000"/>
+          </a:path>
+        </a:gradFill>
+      </a:bgFillStyleLst>
+    </a:fmtScheme>
+  </a:themeElements>
+  <a:objectDefaults/>
+  <a:extraClrSchemeLst/>
+</a:theme>
+</file>
+
+<file path=ppt/theme/theme2.xml><?xml version="1.0" encoding="utf-8"?>
+<a:theme xmlns:a="http://schemas.openxmlformats.org/drawingml/2006/main">
   <a:themeElements>
     <a:clrScheme name="Default">
       <a:dk1>
@@ -10604,284 +12257,7 @@
       </a:bgFillStyleLst>
     </a:fmtScheme>
   </a:themeElements>
-</a:theme>
-</file>
-
-<file path=ppt/theme/theme2.xml><?xml version="1.0" encoding="utf-8"?>
-<a:theme xmlns:a="http://schemas.openxmlformats.org/drawingml/2006/main" xmlns:r="http://schemas.openxmlformats.org/officeDocument/2006/relationships" name="Tropic">
-  <a:themeElements>
-    <a:clrScheme name="Tropic">
-      <a:dk1>
-        <a:srgbClr val="A1E8D9"/>
-      </a:dk1>
-      <a:lt1>
-        <a:srgbClr val="FFFFFF"/>
-      </a:lt1>
-      <a:dk2>
-        <a:srgbClr val="695D46"/>
-      </a:dk2>
-      <a:lt2>
-        <a:srgbClr val="B3A77D"/>
-      </a:lt2>
-      <a:accent1>
-        <a:srgbClr val="EF6C00"/>
-      </a:accent1>
-      <a:accent2>
-        <a:srgbClr val="009668"/>
-      </a:accent2>
-      <a:accent3>
-        <a:srgbClr val="4DB6AC"/>
-      </a:accent3>
-      <a:accent4>
-        <a:srgbClr val="FF9800"/>
-      </a:accent4>
-      <a:accent5>
-        <a:srgbClr val="CE93D8"/>
-      </a:accent5>
-      <a:accent6>
-        <a:srgbClr val="EEFF41"/>
-      </a:accent6>
-      <a:hlink>
-        <a:srgbClr val="CE93D8"/>
-      </a:hlink>
-      <a:folHlink>
-        <a:srgbClr val="CE93D8"/>
-      </a:folHlink>
-    </a:clrScheme>
-    <a:fontScheme name="Office">
-      <a:majorFont>
-        <a:latin typeface="Arial"/>
-        <a:ea typeface=""/>
-        <a:cs typeface=""/>
-        <a:font script="Jpan" typeface="ＭＳ Ｐゴシック"/>
-        <a:font script="Hang" typeface="맑은 고딕"/>
-        <a:font script="Hans" typeface="宋体"/>
-        <a:font script="Hant" typeface="新細明體"/>
-        <a:font script="Arab" typeface="Times New Roman"/>
-        <a:font script="Hebr" typeface="Times New Roman"/>
-        <a:font script="Thai" typeface="Angsana New"/>
-        <a:font script="Ethi" typeface="Nyala"/>
-        <a:font script="Beng" typeface="Vrinda"/>
-        <a:font script="Gujr" typeface="Shruti"/>
-        <a:font script="Khmr" typeface="MoolBoran"/>
-        <a:font script="Knda" typeface="Tunga"/>
-        <a:font script="Guru" typeface="Raavi"/>
-        <a:font script="Cans" typeface="Euphemia"/>
-        <a:font script="Cher" typeface="Plantagenet Cherokee"/>
-        <a:font script="Yiii" typeface="Microsoft Yi Baiti"/>
-        <a:font script="Tibt" typeface="Microsoft Himalaya"/>
-        <a:font script="Thaa" typeface="MV Boli"/>
-        <a:font script="Deva" typeface="Mangal"/>
-        <a:font script="Telu" typeface="Gautami"/>
-        <a:font script="Taml" typeface="Latha"/>
-        <a:font script="Syrc" typeface="Estrangelo Edessa"/>
-        <a:font script="Orya" typeface="Kalinga"/>
-        <a:font script="Mlym" typeface="Kartika"/>
-        <a:font script="Laoo" typeface="DokChampa"/>
-        <a:font script="Sinh" typeface="Iskoola Pota"/>
-        <a:font script="Mong" typeface="Mongolian Baiti"/>
-        <a:font script="Viet" typeface="Times New Roman"/>
-        <a:font script="Uigh" typeface="Microsoft Uighur"/>
-        <a:font script="Geor" typeface="Sylfaen"/>
-      </a:majorFont>
-      <a:minorFont>
-        <a:latin typeface="Arial"/>
-        <a:ea typeface=""/>
-        <a:cs typeface=""/>
-        <a:font script="Jpan" typeface="ＭＳ Ｐゴシック"/>
-        <a:font script="Hang" typeface="맑은 고딕"/>
-        <a:font script="Hans" typeface="宋体"/>
-        <a:font script="Hant" typeface="新細明體"/>
-        <a:font script="Arab" typeface="Arial"/>
-        <a:font script="Hebr" typeface="Arial"/>
-        <a:font script="Thai" typeface="Cordia New"/>
-        <a:font script="Ethi" typeface="Nyala"/>
-        <a:font script="Beng" typeface="Vrinda"/>
-        <a:font script="Gujr" typeface="Shruti"/>
-        <a:font script="Khmr" typeface="DaunPenh"/>
-        <a:font script="Knda" typeface="Tunga"/>
-        <a:font script="Guru" typeface="Raavi"/>
-        <a:font script="Cans" typeface="Euphemia"/>
-        <a:font script="Cher" typeface="Plantagenet Cherokee"/>
-        <a:font script="Yiii" typeface="Microsoft Yi Baiti"/>
-        <a:font script="Tibt" typeface="Microsoft Himalaya"/>
-        <a:font script="Thaa" typeface="MV Boli"/>
-        <a:font script="Deva" typeface="Mangal"/>
-        <a:font script="Telu" typeface="Gautami"/>
-        <a:font script="Taml" typeface="Latha"/>
-        <a:font script="Syrc" typeface="Estrangelo Edessa"/>
-        <a:font script="Orya" typeface="Kalinga"/>
-        <a:font script="Mlym" typeface="Kartika"/>
-        <a:font script="Laoo" typeface="DokChampa"/>
-        <a:font script="Sinh" typeface="Iskoola Pota"/>
-        <a:font script="Mong" typeface="Mongolian Baiti"/>
-        <a:font script="Viet" typeface="Arial"/>
-        <a:font script="Uigh" typeface="Microsoft Uighur"/>
-        <a:font script="Geor" typeface="Sylfaen"/>
-      </a:minorFont>
-    </a:fontScheme>
-    <a:fmtScheme name="Office">
-      <a:fillStyleLst>
-        <a:solidFill>
-          <a:schemeClr val="phClr"/>
-        </a:solidFill>
-        <a:gradFill rotWithShape="1">
-          <a:gsLst>
-            <a:gs pos="0">
-              <a:schemeClr val="phClr">
-                <a:tint val="50000"/>
-                <a:satMod val="300000"/>
-              </a:schemeClr>
-            </a:gs>
-            <a:gs pos="35000">
-              <a:schemeClr val="phClr">
-                <a:tint val="37000"/>
-                <a:satMod val="300000"/>
-              </a:schemeClr>
-            </a:gs>
-            <a:gs pos="100000">
-              <a:schemeClr val="phClr">
-                <a:tint val="15000"/>
-                <a:satMod val="350000"/>
-              </a:schemeClr>
-            </a:gs>
-          </a:gsLst>
-          <a:lin ang="16200000" scaled="1"/>
-        </a:gradFill>
-        <a:gradFill rotWithShape="1">
-          <a:gsLst>
-            <a:gs pos="0">
-              <a:schemeClr val="phClr">
-                <a:tint val="100000"/>
-                <a:shade val="100000"/>
-                <a:satMod val="130000"/>
-              </a:schemeClr>
-            </a:gs>
-            <a:gs pos="100000">
-              <a:schemeClr val="phClr">
-                <a:tint val="50000"/>
-                <a:shade val="100000"/>
-                <a:satMod val="350000"/>
-              </a:schemeClr>
-            </a:gs>
-          </a:gsLst>
-          <a:lin ang="16200000" scaled="0"/>
-        </a:gradFill>
-      </a:fillStyleLst>
-      <a:lnStyleLst>
-        <a:ln w="9525" cap="flat" cmpd="sng" algn="ctr">
-          <a:solidFill>
-            <a:schemeClr val="phClr">
-              <a:shade val="95000"/>
-              <a:satMod val="105000"/>
-            </a:schemeClr>
-          </a:solidFill>
-          <a:prstDash val="solid"/>
-        </a:ln>
-        <a:ln w="25400" cap="flat" cmpd="sng" algn="ctr">
-          <a:solidFill>
-            <a:schemeClr val="phClr"/>
-          </a:solidFill>
-          <a:prstDash val="solid"/>
-        </a:ln>
-        <a:ln w="38100" cap="flat" cmpd="sng" algn="ctr">
-          <a:solidFill>
-            <a:schemeClr val="phClr"/>
-          </a:solidFill>
-          <a:prstDash val="solid"/>
-        </a:ln>
-      </a:lnStyleLst>
-      <a:effectStyleLst>
-        <a:effectStyle>
-          <a:effectLst>
-            <a:outerShdw blurRad="40000" dist="20000" dir="5400000" rotWithShape="0">
-              <a:srgbClr val="000000">
-                <a:alpha val="38000"/>
-              </a:srgbClr>
-            </a:outerShdw>
-          </a:effectLst>
-        </a:effectStyle>
-        <a:effectStyle>
-          <a:effectLst>
-            <a:outerShdw blurRad="40000" dist="23000" dir="5400000" rotWithShape="0">
-              <a:srgbClr val="000000">
-                <a:alpha val="35000"/>
-              </a:srgbClr>
-            </a:outerShdw>
-          </a:effectLst>
-        </a:effectStyle>
-        <a:effectStyle>
-          <a:effectLst>
-            <a:outerShdw blurRad="40000" dist="23000" dir="5400000" rotWithShape="0">
-              <a:srgbClr val="000000">
-                <a:alpha val="35000"/>
-              </a:srgbClr>
-            </a:outerShdw>
-          </a:effectLst>
-          <a:scene3d>
-            <a:camera prst="orthographicFront">
-              <a:rot lat="0" lon="0" rev="0"/>
-            </a:camera>
-            <a:lightRig rig="threePt" dir="t">
-              <a:rot lat="0" lon="0" rev="1200000"/>
-            </a:lightRig>
-          </a:scene3d>
-          <a:sp3d>
-            <a:bevelT w="63500" h="25400"/>
-          </a:sp3d>
-        </a:effectStyle>
-      </a:effectStyleLst>
-      <a:bgFillStyleLst>
-        <a:solidFill>
-          <a:schemeClr val="phClr"/>
-        </a:solidFill>
-        <a:gradFill rotWithShape="1">
-          <a:gsLst>
-            <a:gs pos="0">
-              <a:schemeClr val="phClr">
-                <a:tint val="40000"/>
-                <a:satMod val="350000"/>
-              </a:schemeClr>
-            </a:gs>
-            <a:gs pos="40000">
-              <a:schemeClr val="phClr">
-                <a:tint val="45000"/>
-                <a:shade val="99000"/>
-                <a:satMod val="350000"/>
-              </a:schemeClr>
-            </a:gs>
-            <a:gs pos="100000">
-              <a:schemeClr val="phClr">
-                <a:shade val="20000"/>
-                <a:satMod val="255000"/>
-              </a:schemeClr>
-            </a:gs>
-          </a:gsLst>
-          <a:path path="circle">
-            <a:fillToRect l="50000" t="-80000" r="50000" b="180000"/>
-          </a:path>
-        </a:gradFill>
-        <a:gradFill rotWithShape="1">
-          <a:gsLst>
-            <a:gs pos="0">
-              <a:schemeClr val="phClr">
-                <a:tint val="80000"/>
-                <a:satMod val="300000"/>
-              </a:schemeClr>
-            </a:gs>
-            <a:gs pos="100000">
-              <a:schemeClr val="phClr">
-                <a:shade val="30000"/>
-                <a:satMod val="200000"/>
-              </a:schemeClr>
-            </a:gs>
-          </a:gsLst>
-          <a:path path="circle">
-            <a:fillToRect l="50000" t="50000" r="50000" b="50000"/>
-          </a:path>
-        </a:gradFill>
-      </a:bgFillStyleLst>
-    </a:fmtScheme>
-  </a:themeElements>
+  <a:objectDefaults/>
+  <a:extraClrSchemeLst/>
 </a:theme>
 </file>